--- a/documents/slide_deck.pptx
+++ b/documents/slide_deck.pptx
@@ -4629,8 +4629,8 @@
             </a:prstGeom>
           </p:spPr>
         </p:pic>
-        <mc:AlternateContent xmlns:mc="http://schemas.openxmlformats.org/markup-compatibility/2006">
-          <mc:Choice xmlns:p14="http://schemas.microsoft.com/office/powerpoint/2010/main" Requires="p14">
+        <mc:AlternateContent xmlns:mc="http://schemas.openxmlformats.org/markup-compatibility/2006" xmlns:p14="http://schemas.microsoft.com/office/powerpoint/2010/main">
+          <mc:Choice Requires="p14">
             <p:contentPart p14:bwMode="auto" r:id="rId3">
               <p14:nvContentPartPr>
                 <p14:cNvPr id="13" name="Ink 12">
@@ -4649,7 +4649,7 @@
               </p14:xfrm>
             </p:contentPart>
           </mc:Choice>
-          <mc:Fallback>
+          <mc:Fallback xmlns="">
             <p:pic>
               <p:nvPicPr>
                 <p:cNvPr id="13" name="Ink 12">
@@ -4680,8 +4680,8 @@
             </p:pic>
           </mc:Fallback>
         </mc:AlternateContent>
-        <mc:AlternateContent xmlns:mc="http://schemas.openxmlformats.org/markup-compatibility/2006">
-          <mc:Choice xmlns:p14="http://schemas.microsoft.com/office/powerpoint/2010/main" Requires="p14">
+        <mc:AlternateContent xmlns:mc="http://schemas.openxmlformats.org/markup-compatibility/2006" xmlns:p14="http://schemas.microsoft.com/office/powerpoint/2010/main">
+          <mc:Choice Requires="p14">
             <p:contentPart p14:bwMode="auto" r:id="rId5">
               <p14:nvContentPartPr>
                 <p14:cNvPr id="14" name="Ink 13">
@@ -4700,7 +4700,7 @@
               </p14:xfrm>
             </p:contentPart>
           </mc:Choice>
-          <mc:Fallback>
+          <mc:Fallback xmlns="">
             <p:pic>
               <p:nvPicPr>
                 <p:cNvPr id="14" name="Ink 13">
@@ -6287,214 +6287,87 @@
           </a:p>
         </p:txBody>
       </p:sp>
-      <p:grpSp>
-        <p:nvGrpSpPr>
-          <p:cNvPr id="8" name="Group 7">
-            <a:extLst>
-              <a:ext uri="{FF2B5EF4-FFF2-40B4-BE49-F238E27FC236}">
-                <a16:creationId xmlns:a16="http://schemas.microsoft.com/office/drawing/2014/main" id="{18850E27-5DDA-514C-A880-E28FCB2440D5}"/>
-              </a:ext>
-            </a:extLst>
-          </p:cNvPr>
-          <p:cNvGrpSpPr/>
+      <p:sp>
+        <p:nvSpPr>
+          <p:cNvPr id="3" name="TextBox 2">
+            <a:extLst>
+              <a:ext uri="{FF2B5EF4-FFF2-40B4-BE49-F238E27FC236}">
+                <a16:creationId xmlns:a16="http://schemas.microsoft.com/office/drawing/2014/main" id="{2B4E9B55-4425-2740-A108-76FF69BA3D12}"/>
+              </a:ext>
+            </a:extLst>
+          </p:cNvPr>
+          <p:cNvSpPr txBox="1"/>
           <p:nvPr/>
-        </p:nvGrpSpPr>
-        <p:grpSpPr>
+        </p:nvSpPr>
+        <p:spPr>
           <a:xfrm>
             <a:off x="460713" y="332656"/>
-            <a:ext cx="11270574" cy="553998"/>
-            <a:chOff x="460713" y="332656"/>
-            <a:chExt cx="11270574" cy="553998"/>
+            <a:ext cx="2915542" cy="553998"/>
           </a:xfrm>
-        </p:grpSpPr>
-        <p:sp>
-          <p:nvSpPr>
-            <p:cNvPr id="3" name="TextBox 2">
-              <a:extLst>
-                <a:ext uri="{FF2B5EF4-FFF2-40B4-BE49-F238E27FC236}">
-                  <a16:creationId xmlns:a16="http://schemas.microsoft.com/office/drawing/2014/main" id="{2B4E9B55-4425-2740-A108-76FF69BA3D12}"/>
-                </a:ext>
-              </a:extLst>
-            </p:cNvPr>
-            <p:cNvSpPr txBox="1"/>
-            <p:nvPr/>
-          </p:nvSpPr>
-          <p:spPr>
-            <a:xfrm>
-              <a:off x="460713" y="332656"/>
-              <a:ext cx="2915542" cy="553998"/>
-            </a:xfrm>
-            <a:prstGeom prst="rect">
-              <a:avLst/>
-            </a:prstGeom>
-            <a:noFill/>
-          </p:spPr>
-          <p:txBody>
-            <a:bodyPr wrap="none" lIns="0" tIns="0" rIns="0" bIns="0" rtlCol="0">
-              <a:spAutoFit/>
-            </a:bodyPr>
-            <a:lstStyle/>
-            <a:p>
-              <a:r>
-                <a:rPr lang="en-US" sz="3600" b="1" dirty="0">
-                  <a:latin typeface="Arial" panose="020B0604020202020204" pitchFamily="34" charset="0"/>
-                  <a:cs typeface="Arial" panose="020B0604020202020204" pitchFamily="34" charset="0"/>
-                </a:rPr>
-                <a:t>This is a Title</a:t>
-              </a:r>
-            </a:p>
-          </p:txBody>
-        </p:sp>
-        <p:cxnSp>
-          <p:nvCxnSpPr>
-            <p:cNvPr id="4" name="Straight Connector 3">
-              <a:extLst>
-                <a:ext uri="{FF2B5EF4-FFF2-40B4-BE49-F238E27FC236}">
-                  <a16:creationId xmlns:a16="http://schemas.microsoft.com/office/drawing/2014/main" id="{CFDF23E1-C7BD-4C48-9E8A-53704A4D662C}"/>
-                </a:ext>
-              </a:extLst>
-            </p:cNvPr>
-            <p:cNvCxnSpPr>
-              <a:cxnSpLocks/>
-            </p:cNvCxnSpPr>
-            <p:nvPr/>
-          </p:nvCxnSpPr>
-          <p:spPr>
-            <a:xfrm>
-              <a:off x="460714" y="886654"/>
-              <a:ext cx="11270573" cy="0"/>
-            </a:xfrm>
-            <a:prstGeom prst="line">
-              <a:avLst/>
-            </a:prstGeom>
-            <a:ln w="38100">
-              <a:solidFill>
-                <a:schemeClr val="tx1"/>
-              </a:solidFill>
-            </a:ln>
-          </p:spPr>
-          <p:style>
-            <a:lnRef idx="1">
-              <a:schemeClr val="accent1"/>
-            </a:lnRef>
-            <a:fillRef idx="0">
-              <a:schemeClr val="accent1"/>
-            </a:fillRef>
-            <a:effectRef idx="0">
-              <a:schemeClr val="accent1"/>
-            </a:effectRef>
-            <a:fontRef idx="minor">
+          <a:prstGeom prst="rect">
+            <a:avLst/>
+          </a:prstGeom>
+          <a:noFill/>
+        </p:spPr>
+        <p:txBody>
+          <a:bodyPr wrap="none" lIns="0" tIns="0" rIns="0" bIns="0" rtlCol="0">
+            <a:spAutoFit/>
+          </a:bodyPr>
+          <a:lstStyle/>
+          <a:p>
+            <a:r>
+              <a:rPr lang="en-US" sz="3600" b="1" dirty="0">
+                <a:latin typeface="Arial" panose="020B0604020202020204" pitchFamily="34" charset="0"/>
+                <a:cs typeface="Arial" panose="020B0604020202020204" pitchFamily="34" charset="0"/>
+              </a:rPr>
+              <a:t>This is a Title</a:t>
+            </a:r>
+          </a:p>
+        </p:txBody>
+      </p:sp>
+      <p:cxnSp>
+        <p:nvCxnSpPr>
+          <p:cNvPr id="4" name="Straight Connector 3">
+            <a:extLst>
+              <a:ext uri="{FF2B5EF4-FFF2-40B4-BE49-F238E27FC236}">
+                <a16:creationId xmlns:a16="http://schemas.microsoft.com/office/drawing/2014/main" id="{CFDF23E1-C7BD-4C48-9E8A-53704A4D662C}"/>
+              </a:ext>
+            </a:extLst>
+          </p:cNvPr>
+          <p:cNvCxnSpPr>
+            <a:cxnSpLocks/>
+          </p:cNvCxnSpPr>
+          <p:nvPr/>
+        </p:nvCxnSpPr>
+        <p:spPr>
+          <a:xfrm>
+            <a:off x="460714" y="886654"/>
+            <a:ext cx="11270573" cy="0"/>
+          </a:xfrm>
+          <a:prstGeom prst="line">
+            <a:avLst/>
+          </a:prstGeom>
+          <a:ln w="38100">
+            <a:solidFill>
               <a:schemeClr val="tx1"/>
-            </a:fontRef>
-          </p:style>
-        </p:cxnSp>
-      </p:grpSp>
-      <p:grpSp>
-        <p:nvGrpSpPr>
-          <p:cNvPr id="5" name="Group 4">
-            <a:extLst>
-              <a:ext uri="{FF2B5EF4-FFF2-40B4-BE49-F238E27FC236}">
-                <a16:creationId xmlns:a16="http://schemas.microsoft.com/office/drawing/2014/main" id="{105BA333-729B-714F-BB0C-ADFFF1CCC615}"/>
-              </a:ext>
-            </a:extLst>
-          </p:cNvPr>
-          <p:cNvGrpSpPr/>
-          <p:nvPr/>
-        </p:nvGrpSpPr>
-        <p:grpSpPr>
-          <a:xfrm>
-            <a:off x="466617" y="1124744"/>
-            <a:ext cx="5209425" cy="373028"/>
-            <a:chOff x="460713" y="1147906"/>
-            <a:chExt cx="5209425" cy="373028"/>
-          </a:xfrm>
-        </p:grpSpPr>
-        <p:sp>
-          <p:nvSpPr>
-            <p:cNvPr id="6" name="TextBox 5">
-              <a:extLst>
-                <a:ext uri="{FF2B5EF4-FFF2-40B4-BE49-F238E27FC236}">
-                  <a16:creationId xmlns:a16="http://schemas.microsoft.com/office/drawing/2014/main" id="{2FF517FB-805B-F546-A9E8-B49169308002}"/>
-                </a:ext>
-              </a:extLst>
-            </p:cNvPr>
-            <p:cNvSpPr txBox="1"/>
-            <p:nvPr/>
-          </p:nvSpPr>
-          <p:spPr>
-            <a:xfrm>
-              <a:off x="460713" y="1147906"/>
-              <a:ext cx="1126912" cy="369332"/>
-            </a:xfrm>
-            <a:prstGeom prst="rect">
-              <a:avLst/>
-            </a:prstGeom>
-            <a:noFill/>
-          </p:spPr>
-          <p:txBody>
-            <a:bodyPr wrap="none" lIns="0" tIns="0" rIns="0" bIns="0" rtlCol="0">
-              <a:spAutoFit/>
-            </a:bodyPr>
-            <a:lstStyle/>
-            <a:p>
-              <a:pPr algn="l"/>
-              <a:r>
-                <a:rPr lang="en-US" sz="2400" b="1" dirty="0">
-                  <a:solidFill>
-                    <a:srgbClr val="03529B"/>
-                  </a:solidFill>
-                  <a:latin typeface="Arial" panose="020B0604020202020204" pitchFamily="34" charset="0"/>
-                  <a:cs typeface="Arial" panose="020B0604020202020204" pitchFamily="34" charset="0"/>
-                </a:rPr>
-                <a:t>Subtitle</a:t>
-              </a:r>
-            </a:p>
-          </p:txBody>
-        </p:sp>
-        <p:cxnSp>
-          <p:nvCxnSpPr>
-            <p:cNvPr id="7" name="Straight Connector 6">
-              <a:extLst>
-                <a:ext uri="{FF2B5EF4-FFF2-40B4-BE49-F238E27FC236}">
-                  <a16:creationId xmlns:a16="http://schemas.microsoft.com/office/drawing/2014/main" id="{8FD44E58-8667-684B-BD12-9B68D259FDC3}"/>
-                </a:ext>
-              </a:extLst>
-            </p:cNvPr>
-            <p:cNvCxnSpPr>
-              <a:cxnSpLocks/>
-            </p:cNvCxnSpPr>
-            <p:nvPr/>
-          </p:nvCxnSpPr>
-          <p:spPr>
-            <a:xfrm>
-              <a:off x="460713" y="1520934"/>
-              <a:ext cx="5209425" cy="0"/>
-            </a:xfrm>
-            <a:prstGeom prst="line">
-              <a:avLst/>
-            </a:prstGeom>
-            <a:ln w="28575">
-              <a:solidFill>
-                <a:srgbClr val="03529B"/>
-              </a:solidFill>
-            </a:ln>
-          </p:spPr>
-          <p:style>
-            <a:lnRef idx="1">
-              <a:schemeClr val="accent1"/>
-            </a:lnRef>
-            <a:fillRef idx="0">
-              <a:schemeClr val="accent1"/>
-            </a:fillRef>
-            <a:effectRef idx="0">
-              <a:schemeClr val="accent1"/>
-            </a:effectRef>
-            <a:fontRef idx="minor">
-              <a:schemeClr val="tx1"/>
-            </a:fontRef>
-          </p:style>
-        </p:cxnSp>
-      </p:grpSp>
+            </a:solidFill>
+          </a:ln>
+        </p:spPr>
+        <p:style>
+          <a:lnRef idx="1">
+            <a:schemeClr val="accent1"/>
+          </a:lnRef>
+          <a:fillRef idx="0">
+            <a:schemeClr val="accent1"/>
+          </a:fillRef>
+          <a:effectRef idx="0">
+            <a:schemeClr val="accent1"/>
+          </a:effectRef>
+          <a:fontRef idx="minor">
+            <a:schemeClr val="tx1"/>
+          </a:fontRef>
+        </p:style>
+      </p:cxnSp>
     </p:spTree>
     <p:extLst>
       <p:ext uri="{BB962C8B-B14F-4D97-AF65-F5344CB8AC3E}">

--- a/documents/slide_deck.pptx
+++ b/documents/slide_deck.pptx
@@ -5,7 +5,7 @@
     <p:sldMasterId id="2147483648" r:id="rId1"/>
   </p:sldMasterIdLst>
   <p:notesMasterIdLst>
-    <p:notesMasterId r:id="rId8"/>
+    <p:notesMasterId r:id="rId9"/>
   </p:notesMasterIdLst>
   <p:sldIdLst>
     <p:sldId id="256" r:id="rId2"/>
@@ -13,7 +13,8 @@
     <p:sldId id="273" r:id="rId4"/>
     <p:sldId id="275" r:id="rId5"/>
     <p:sldId id="276" r:id="rId6"/>
-    <p:sldId id="272" r:id="rId7"/>
+    <p:sldId id="277" r:id="rId7"/>
+    <p:sldId id="272" r:id="rId8"/>
   </p:sldIdLst>
   <p:sldSz cx="12192000" cy="6858000"/>
   <p:notesSz cx="6858000" cy="9144000"/>
@@ -6161,6 +6162,345 @@
           <p:spPr>
             <a:xfrm>
               <a:off x="460713" y="332656"/>
+              <a:ext cx="974626" cy="553998"/>
+            </a:xfrm>
+            <a:prstGeom prst="rect">
+              <a:avLst/>
+            </a:prstGeom>
+            <a:noFill/>
+          </p:spPr>
+          <p:txBody>
+            <a:bodyPr wrap="none" lIns="0" tIns="0" rIns="0" bIns="0" rtlCol="0">
+              <a:spAutoFit/>
+            </a:bodyPr>
+            <a:lstStyle/>
+            <a:p>
+              <a:r>
+                <a:rPr lang="en-US" sz="3600" b="1" dirty="0">
+                  <a:latin typeface="Arial" panose="020B0604020202020204" pitchFamily="34" charset="0"/>
+                  <a:cs typeface="Arial" panose="020B0604020202020204" pitchFamily="34" charset="0"/>
+                </a:rPr>
+                <a:t>EDA</a:t>
+              </a:r>
+            </a:p>
+          </p:txBody>
+        </p:sp>
+        <p:cxnSp>
+          <p:nvCxnSpPr>
+            <p:cNvPr id="5" name="Straight Connector 4">
+              <a:extLst>
+                <a:ext uri="{FF2B5EF4-FFF2-40B4-BE49-F238E27FC236}">
+                  <a16:creationId xmlns:a16="http://schemas.microsoft.com/office/drawing/2014/main" id="{2C33E258-DEC9-CA46-B975-07B9968A3786}"/>
+                </a:ext>
+              </a:extLst>
+            </p:cNvPr>
+            <p:cNvCxnSpPr>
+              <a:cxnSpLocks/>
+            </p:cNvCxnSpPr>
+            <p:nvPr/>
+          </p:nvCxnSpPr>
+          <p:spPr>
+            <a:xfrm>
+              <a:off x="460714" y="886654"/>
+              <a:ext cx="11270573" cy="0"/>
+            </a:xfrm>
+            <a:prstGeom prst="line">
+              <a:avLst/>
+            </a:prstGeom>
+            <a:ln w="38100">
+              <a:solidFill>
+                <a:schemeClr val="tx1"/>
+              </a:solidFill>
+            </a:ln>
+          </p:spPr>
+          <p:style>
+            <a:lnRef idx="1">
+              <a:schemeClr val="accent1"/>
+            </a:lnRef>
+            <a:fillRef idx="0">
+              <a:schemeClr val="accent1"/>
+            </a:fillRef>
+            <a:effectRef idx="0">
+              <a:schemeClr val="accent1"/>
+            </a:effectRef>
+            <a:fontRef idx="minor">
+              <a:schemeClr val="tx1"/>
+            </a:fontRef>
+          </p:style>
+        </p:cxnSp>
+      </p:grpSp>
+      <p:pic>
+        <p:nvPicPr>
+          <p:cNvPr id="7" name="Picture 6">
+            <a:extLst>
+              <a:ext uri="{FF2B5EF4-FFF2-40B4-BE49-F238E27FC236}">
+                <a16:creationId xmlns:a16="http://schemas.microsoft.com/office/drawing/2014/main" id="{20B39513-B094-7B48-A294-AA94305C13F6}"/>
+              </a:ext>
+            </a:extLst>
+          </p:cNvPr>
+          <p:cNvPicPr>
+            <a:picLocks noChangeAspect="1"/>
+          </p:cNvPicPr>
+          <p:nvPr/>
+        </p:nvPicPr>
+        <p:blipFill>
+          <a:blip r:embed="rId2"/>
+          <a:stretch>
+            <a:fillRect/>
+          </a:stretch>
+        </p:blipFill>
+        <p:spPr>
+          <a:xfrm>
+            <a:off x="263352" y="2607496"/>
+            <a:ext cx="5544616" cy="2772308"/>
+          </a:xfrm>
+          <a:prstGeom prst="rect">
+            <a:avLst/>
+          </a:prstGeom>
+        </p:spPr>
+      </p:pic>
+      <p:grpSp>
+        <p:nvGrpSpPr>
+          <p:cNvPr id="9" name="Group 8">
+            <a:extLst>
+              <a:ext uri="{FF2B5EF4-FFF2-40B4-BE49-F238E27FC236}">
+                <a16:creationId xmlns:a16="http://schemas.microsoft.com/office/drawing/2014/main" id="{571E7D80-B840-1248-8795-D94E454F4315}"/>
+              </a:ext>
+            </a:extLst>
+          </p:cNvPr>
+          <p:cNvGrpSpPr/>
+          <p:nvPr/>
+        </p:nvGrpSpPr>
+        <p:grpSpPr>
+          <a:xfrm>
+            <a:off x="465285" y="1091721"/>
+            <a:ext cx="5209425" cy="373028"/>
+            <a:chOff x="443052" y="1217076"/>
+            <a:chExt cx="5209425" cy="373028"/>
+          </a:xfrm>
+        </p:grpSpPr>
+        <p:sp>
+          <p:nvSpPr>
+            <p:cNvPr id="10" name="TextBox 9">
+              <a:extLst>
+                <a:ext uri="{FF2B5EF4-FFF2-40B4-BE49-F238E27FC236}">
+                  <a16:creationId xmlns:a16="http://schemas.microsoft.com/office/drawing/2014/main" id="{5EFCA00B-07CE-2248-A299-D311C44EEB3B}"/>
+                </a:ext>
+              </a:extLst>
+            </p:cNvPr>
+            <p:cNvSpPr txBox="1"/>
+            <p:nvPr/>
+          </p:nvSpPr>
+          <p:spPr>
+            <a:xfrm>
+              <a:off x="443052" y="1217076"/>
+              <a:ext cx="2734723" cy="369332"/>
+            </a:xfrm>
+            <a:prstGeom prst="rect">
+              <a:avLst/>
+            </a:prstGeom>
+            <a:noFill/>
+          </p:spPr>
+          <p:txBody>
+            <a:bodyPr wrap="none" lIns="0" tIns="0" rIns="0" bIns="0" rtlCol="0">
+              <a:spAutoFit/>
+            </a:bodyPr>
+            <a:lstStyle/>
+            <a:p>
+              <a:pPr algn="l"/>
+              <a:r>
+                <a:rPr lang="en-US" sz="2400" b="1" dirty="0">
+                  <a:solidFill>
+                    <a:srgbClr val="03529B"/>
+                  </a:solidFill>
+                  <a:latin typeface="Arial" panose="020B0604020202020204" pitchFamily="34" charset="0"/>
+                  <a:cs typeface="Arial" panose="020B0604020202020204" pitchFamily="34" charset="0"/>
+                </a:rPr>
+                <a:t>Price Distributions</a:t>
+              </a:r>
+            </a:p>
+          </p:txBody>
+        </p:sp>
+        <p:cxnSp>
+          <p:nvCxnSpPr>
+            <p:cNvPr id="11" name="Straight Connector 10">
+              <a:extLst>
+                <a:ext uri="{FF2B5EF4-FFF2-40B4-BE49-F238E27FC236}">
+                  <a16:creationId xmlns:a16="http://schemas.microsoft.com/office/drawing/2014/main" id="{2A8729C5-C4AE-A240-8C24-C7AC25A0DDB1}"/>
+                </a:ext>
+              </a:extLst>
+            </p:cNvPr>
+            <p:cNvCxnSpPr>
+              <a:cxnSpLocks/>
+            </p:cNvCxnSpPr>
+            <p:nvPr/>
+          </p:nvCxnSpPr>
+          <p:spPr>
+            <a:xfrm>
+              <a:off x="443052" y="1590104"/>
+              <a:ext cx="5209425" cy="0"/>
+            </a:xfrm>
+            <a:prstGeom prst="line">
+              <a:avLst/>
+            </a:prstGeom>
+            <a:ln w="28575">
+              <a:solidFill>
+                <a:srgbClr val="03529B"/>
+              </a:solidFill>
+            </a:ln>
+          </p:spPr>
+          <p:style>
+            <a:lnRef idx="1">
+              <a:schemeClr val="accent1"/>
+            </a:lnRef>
+            <a:fillRef idx="0">
+              <a:schemeClr val="accent1"/>
+            </a:fillRef>
+            <a:effectRef idx="0">
+              <a:schemeClr val="accent1"/>
+            </a:effectRef>
+            <a:fontRef idx="minor">
+              <a:schemeClr val="tx1"/>
+            </a:fontRef>
+          </p:style>
+        </p:cxnSp>
+      </p:grpSp>
+      <p:sp>
+        <p:nvSpPr>
+          <p:cNvPr id="12" name="TextBox 11">
+            <a:extLst>
+              <a:ext uri="{FF2B5EF4-FFF2-40B4-BE49-F238E27FC236}">
+                <a16:creationId xmlns:a16="http://schemas.microsoft.com/office/drawing/2014/main" id="{280D4A56-E8DD-EC41-B11C-1732A1E0820A}"/>
+              </a:ext>
+            </a:extLst>
+          </p:cNvPr>
+          <p:cNvSpPr txBox="1"/>
+          <p:nvPr/>
+        </p:nvSpPr>
+        <p:spPr>
+          <a:xfrm>
+            <a:off x="527125" y="1688950"/>
+            <a:ext cx="5147585" cy="738664"/>
+          </a:xfrm>
+          <a:prstGeom prst="rect">
+            <a:avLst/>
+          </a:prstGeom>
+          <a:noFill/>
+        </p:spPr>
+        <p:txBody>
+          <a:bodyPr wrap="square" lIns="0" tIns="0" rIns="0" bIns="0" rtlCol="0">
+            <a:spAutoFit/>
+          </a:bodyPr>
+          <a:lstStyle/>
+          <a:p>
+            <a:pPr marL="342900" indent="-342900" algn="l">
+              <a:buFont typeface="Arial" panose="020B0604020202020204" pitchFamily="34" charset="0"/>
+              <a:buChar char="•"/>
+            </a:pPr>
+            <a:r>
+              <a:rPr lang="en-US" sz="2400" dirty="0">
+                <a:latin typeface="Arial" panose="020B0604020202020204" pitchFamily="34" charset="0"/>
+                <a:cs typeface="Arial" panose="020B0604020202020204" pitchFamily="34" charset="0"/>
+              </a:rPr>
+              <a:t>Even after data cleaning: skewed and contains 0s</a:t>
+            </a:r>
+          </a:p>
+        </p:txBody>
+      </p:sp>
+    </p:spTree>
+    <p:extLst>
+      <p:ext uri="{BB962C8B-B14F-4D97-AF65-F5344CB8AC3E}">
+        <p14:creationId xmlns:p14="http://schemas.microsoft.com/office/powerpoint/2010/main" val="1985438111"/>
+      </p:ext>
+    </p:extLst>
+  </p:cSld>
+  <p:clrMapOvr>
+    <a:masterClrMapping/>
+  </p:clrMapOvr>
+</p:sld>
+</file>
+
+<file path=ppt/slides/slide6.xml><?xml version="1.0" encoding="utf-8"?>
+<p:sld xmlns:a="http://schemas.openxmlformats.org/drawingml/2006/main" xmlns:r="http://schemas.openxmlformats.org/officeDocument/2006/relationships" xmlns:p="http://schemas.openxmlformats.org/presentationml/2006/main">
+  <p:cSld>
+    <p:spTree>
+      <p:nvGrpSpPr>
+        <p:cNvPr id="1" name=""/>
+        <p:cNvGrpSpPr/>
+        <p:nvPr/>
+      </p:nvGrpSpPr>
+      <p:grpSpPr>
+        <a:xfrm>
+          <a:off x="0" y="0"/>
+          <a:ext cx="0" cy="0"/>
+          <a:chOff x="0" y="0"/>
+          <a:chExt cx="0" cy="0"/>
+        </a:xfrm>
+      </p:grpSpPr>
+      <p:sp>
+        <p:nvSpPr>
+          <p:cNvPr id="2" name="Slide Number Placeholder 1">
+            <a:extLst>
+              <a:ext uri="{FF2B5EF4-FFF2-40B4-BE49-F238E27FC236}">
+                <a16:creationId xmlns:a16="http://schemas.microsoft.com/office/drawing/2014/main" id="{1833D3C8-F2AB-A14D-B100-87C0BF61F1B4}"/>
+              </a:ext>
+            </a:extLst>
+          </p:cNvPr>
+          <p:cNvSpPr>
+            <a:spLocks noGrp="1"/>
+          </p:cNvSpPr>
+          <p:nvPr>
+            <p:ph type="sldNum" sz="quarter" idx="12"/>
+          </p:nvPr>
+        </p:nvSpPr>
+        <p:spPr/>
+        <p:txBody>
+          <a:bodyPr/>
+          <a:lstStyle/>
+          <a:p>
+            <a:fld id="{2D00CA07-45C7-8142-9F4D-3A07AD48DFA1}" type="slidenum">
+              <a:rPr lang="en-US" smtClean="0"/>
+              <a:t>6</a:t>
+            </a:fld>
+            <a:endParaRPr lang="en-US"/>
+          </a:p>
+        </p:txBody>
+      </p:sp>
+      <p:grpSp>
+        <p:nvGrpSpPr>
+          <p:cNvPr id="3" name="Group 2">
+            <a:extLst>
+              <a:ext uri="{FF2B5EF4-FFF2-40B4-BE49-F238E27FC236}">
+                <a16:creationId xmlns:a16="http://schemas.microsoft.com/office/drawing/2014/main" id="{F42B4E15-6242-D541-9199-7FA44EE8F4D3}"/>
+              </a:ext>
+            </a:extLst>
+          </p:cNvPr>
+          <p:cNvGrpSpPr/>
+          <p:nvPr/>
+        </p:nvGrpSpPr>
+        <p:grpSpPr>
+          <a:xfrm>
+            <a:off x="460713" y="332656"/>
+            <a:ext cx="11270574" cy="553998"/>
+            <a:chOff x="460713" y="332656"/>
+            <a:chExt cx="11270574" cy="553998"/>
+          </a:xfrm>
+        </p:grpSpPr>
+        <p:sp>
+          <p:nvSpPr>
+            <p:cNvPr id="4" name="TextBox 3">
+              <a:extLst>
+                <a:ext uri="{FF2B5EF4-FFF2-40B4-BE49-F238E27FC236}">
+                  <a16:creationId xmlns:a16="http://schemas.microsoft.com/office/drawing/2014/main" id="{C1AA725D-499F-764F-9716-299E65AF1CDB}"/>
+                </a:ext>
+              </a:extLst>
+            </p:cNvPr>
+            <p:cNvSpPr txBox="1"/>
+            <p:nvPr/>
+          </p:nvSpPr>
+          <p:spPr>
+            <a:xfrm>
+              <a:off x="460713" y="332656"/>
               <a:ext cx="1667123" cy="553998"/>
             </a:xfrm>
             <a:prstGeom prst="rect">
@@ -6231,7 +6571,7 @@
     </p:spTree>
     <p:extLst>
       <p:ext uri="{BB962C8B-B14F-4D97-AF65-F5344CB8AC3E}">
-        <p14:creationId xmlns:p14="http://schemas.microsoft.com/office/powerpoint/2010/main" val="1985438111"/>
+        <p14:creationId xmlns:p14="http://schemas.microsoft.com/office/powerpoint/2010/main" val="2750980307"/>
       </p:ext>
     </p:extLst>
   </p:cSld>
@@ -6241,7 +6581,7 @@
 </p:sld>
 </file>
 
-<file path=ppt/slides/slide6.xml><?xml version="1.0" encoding="utf-8"?>
+<file path=ppt/slides/slide7.xml><?xml version="1.0" encoding="utf-8"?>
 <p:sld xmlns:a="http://schemas.openxmlformats.org/drawingml/2006/main" xmlns:r="http://schemas.openxmlformats.org/officeDocument/2006/relationships" xmlns:p="http://schemas.openxmlformats.org/presentationml/2006/main" show="0">
   <p:cSld>
     <p:spTree>
@@ -6281,7 +6621,7 @@
           <a:p>
             <a:fld id="{2D00CA07-45C7-8142-9F4D-3A07AD48DFA1}" type="slidenum">
               <a:rPr lang="en-US" smtClean="0"/>
-              <a:t>6</a:t>
+              <a:t>7</a:t>
             </a:fld>
             <a:endParaRPr lang="en-US"/>
           </a:p>
@@ -6368,6 +6708,112 @@
           </a:fontRef>
         </p:style>
       </p:cxnSp>
+      <p:grpSp>
+        <p:nvGrpSpPr>
+          <p:cNvPr id="7" name="Group 6">
+            <a:extLst>
+              <a:ext uri="{FF2B5EF4-FFF2-40B4-BE49-F238E27FC236}">
+                <a16:creationId xmlns:a16="http://schemas.microsoft.com/office/drawing/2014/main" id="{62FA20A8-1F90-4D4B-B443-CB088222C0FB}"/>
+              </a:ext>
+            </a:extLst>
+          </p:cNvPr>
+          <p:cNvGrpSpPr/>
+          <p:nvPr/>
+        </p:nvGrpSpPr>
+        <p:grpSpPr>
+          <a:xfrm>
+            <a:off x="443052" y="1217076"/>
+            <a:ext cx="5209425" cy="373028"/>
+            <a:chOff x="443052" y="1217076"/>
+            <a:chExt cx="5209425" cy="373028"/>
+          </a:xfrm>
+        </p:grpSpPr>
+        <p:sp>
+          <p:nvSpPr>
+            <p:cNvPr id="5" name="TextBox 4">
+              <a:extLst>
+                <a:ext uri="{FF2B5EF4-FFF2-40B4-BE49-F238E27FC236}">
+                  <a16:creationId xmlns:a16="http://schemas.microsoft.com/office/drawing/2014/main" id="{4867D2EF-ABA2-0745-8963-662DD57C2854}"/>
+                </a:ext>
+              </a:extLst>
+            </p:cNvPr>
+            <p:cNvSpPr txBox="1"/>
+            <p:nvPr/>
+          </p:nvSpPr>
+          <p:spPr>
+            <a:xfrm>
+              <a:off x="443052" y="1217076"/>
+              <a:ext cx="1489190" cy="369332"/>
+            </a:xfrm>
+            <a:prstGeom prst="rect">
+              <a:avLst/>
+            </a:prstGeom>
+            <a:noFill/>
+          </p:spPr>
+          <p:txBody>
+            <a:bodyPr wrap="none" lIns="0" tIns="0" rIns="0" bIns="0" rtlCol="0">
+              <a:spAutoFit/>
+            </a:bodyPr>
+            <a:lstStyle/>
+            <a:p>
+              <a:pPr algn="l"/>
+              <a:r>
+                <a:rPr lang="en-US" sz="2400" b="1" dirty="0">
+                  <a:solidFill>
+                    <a:srgbClr val="03529B"/>
+                  </a:solidFill>
+                  <a:latin typeface="Arial" panose="020B0604020202020204" pitchFamily="34" charset="0"/>
+                  <a:cs typeface="Arial" panose="020B0604020202020204" pitchFamily="34" charset="0"/>
+                </a:rPr>
+                <a:t>Univariate</a:t>
+              </a:r>
+            </a:p>
+          </p:txBody>
+        </p:sp>
+        <p:cxnSp>
+          <p:nvCxnSpPr>
+            <p:cNvPr id="6" name="Straight Connector 5">
+              <a:extLst>
+                <a:ext uri="{FF2B5EF4-FFF2-40B4-BE49-F238E27FC236}">
+                  <a16:creationId xmlns:a16="http://schemas.microsoft.com/office/drawing/2014/main" id="{E5600007-C5AE-0C43-AEF1-92291D85FCA6}"/>
+                </a:ext>
+              </a:extLst>
+            </p:cNvPr>
+            <p:cNvCxnSpPr>
+              <a:cxnSpLocks/>
+            </p:cNvCxnSpPr>
+            <p:nvPr/>
+          </p:nvCxnSpPr>
+          <p:spPr>
+            <a:xfrm>
+              <a:off x="443052" y="1590104"/>
+              <a:ext cx="5209425" cy="0"/>
+            </a:xfrm>
+            <a:prstGeom prst="line">
+              <a:avLst/>
+            </a:prstGeom>
+            <a:ln w="28575">
+              <a:solidFill>
+                <a:srgbClr val="03529B"/>
+              </a:solidFill>
+            </a:ln>
+          </p:spPr>
+          <p:style>
+            <a:lnRef idx="1">
+              <a:schemeClr val="accent1"/>
+            </a:lnRef>
+            <a:fillRef idx="0">
+              <a:schemeClr val="accent1"/>
+            </a:fillRef>
+            <a:effectRef idx="0">
+              <a:schemeClr val="accent1"/>
+            </a:effectRef>
+            <a:fontRef idx="minor">
+              <a:schemeClr val="tx1"/>
+            </a:fontRef>
+          </p:style>
+        </p:cxnSp>
+      </p:grpSp>
     </p:spTree>
     <p:extLst>
       <p:ext uri="{BB962C8B-B14F-4D97-AF65-F5344CB8AC3E}">

--- a/documents/slide_deck.pptx
+++ b/documents/slide_deck.pptx
@@ -5,16 +5,18 @@
     <p:sldMasterId id="2147483648" r:id="rId1"/>
   </p:sldMasterIdLst>
   <p:notesMasterIdLst>
-    <p:notesMasterId r:id="rId9"/>
+    <p:notesMasterId r:id="rId11"/>
   </p:notesMasterIdLst>
   <p:sldIdLst>
     <p:sldId id="256" r:id="rId2"/>
     <p:sldId id="274" r:id="rId3"/>
     <p:sldId id="273" r:id="rId4"/>
     <p:sldId id="275" r:id="rId5"/>
-    <p:sldId id="276" r:id="rId6"/>
-    <p:sldId id="277" r:id="rId7"/>
-    <p:sldId id="272" r:id="rId8"/>
+    <p:sldId id="278" r:id="rId6"/>
+    <p:sldId id="276" r:id="rId7"/>
+    <p:sldId id="277" r:id="rId8"/>
+    <p:sldId id="279" r:id="rId9"/>
+    <p:sldId id="272" r:id="rId10"/>
   </p:sldIdLst>
   <p:sldSz cx="12192000" cy="6858000"/>
   <p:notesSz cx="6858000" cy="9144000"/>
@@ -263,7 +265,7 @@
           <a:p>
             <a:fld id="{3398E8B9-81F1-424D-AE77-F968A2DCD636}" type="datetimeFigureOut">
               <a:rPr lang="en-US" smtClean="0"/>
-              <a:t>11/14/21</a:t>
+              <a:t>11/19/21</a:t>
             </a:fld>
             <a:endParaRPr lang="en-US"/>
           </a:p>
@@ -680,7 +682,7 @@
           <a:p>
             <a:fld id="{D7919F00-95C3-E345-9A68-6806DD4786C7}" type="datetime1">
               <a:rPr lang="de-DE" smtClean="0"/>
-              <a:t>14.11.21</a:t>
+              <a:t>19.11.21</a:t>
             </a:fld>
             <a:endParaRPr lang="en-US"/>
           </a:p>
@@ -880,7 +882,7 @@
           <a:p>
             <a:fld id="{EEF8CF17-46D6-4746-9F83-62838F7FFA9E}" type="datetime1">
               <a:rPr lang="de-DE" smtClean="0"/>
-              <a:t>14.11.21</a:t>
+              <a:t>19.11.21</a:t>
             </a:fld>
             <a:endParaRPr lang="en-US"/>
           </a:p>
@@ -1090,7 +1092,7 @@
           <a:p>
             <a:fld id="{846669D5-C56A-D444-8228-920498C21CB5}" type="datetime1">
               <a:rPr lang="de-DE" smtClean="0"/>
-              <a:t>14.11.21</a:t>
+              <a:t>19.11.21</a:t>
             </a:fld>
             <a:endParaRPr lang="en-US"/>
           </a:p>
@@ -1290,7 +1292,7 @@
           <a:p>
             <a:fld id="{6B2A11E0-3F60-484C-B31C-C335BE773633}" type="datetime1">
               <a:rPr lang="de-DE" smtClean="0"/>
-              <a:t>14.11.21</a:t>
+              <a:t>19.11.21</a:t>
             </a:fld>
             <a:endParaRPr lang="en-US"/>
           </a:p>
@@ -1566,7 +1568,7 @@
           <a:p>
             <a:fld id="{AD0CF0BE-8C02-7A46-B8F9-9A1A359A3221}" type="datetime1">
               <a:rPr lang="de-DE" smtClean="0"/>
-              <a:t>14.11.21</a:t>
+              <a:t>19.11.21</a:t>
             </a:fld>
             <a:endParaRPr lang="en-US"/>
           </a:p>
@@ -1834,7 +1836,7 @@
           <a:p>
             <a:fld id="{E3D55EAB-06EA-2B41-8799-9D715C6BB5C9}" type="datetime1">
               <a:rPr lang="de-DE" smtClean="0"/>
-              <a:t>14.11.21</a:t>
+              <a:t>19.11.21</a:t>
             </a:fld>
             <a:endParaRPr lang="en-US"/>
           </a:p>
@@ -2249,7 +2251,7 @@
           <a:p>
             <a:fld id="{899C43E9-79E3-0343-886E-B54191E8154C}" type="datetime1">
               <a:rPr lang="de-DE" smtClean="0"/>
-              <a:t>14.11.21</a:t>
+              <a:t>19.11.21</a:t>
             </a:fld>
             <a:endParaRPr lang="en-US"/>
           </a:p>
@@ -2391,7 +2393,7 @@
           <a:p>
             <a:fld id="{38D1FDF0-7FAD-B74F-9C14-35E95702474C}" type="datetime1">
               <a:rPr lang="de-DE" smtClean="0"/>
-              <a:t>14.11.21</a:t>
+              <a:t>19.11.21</a:t>
             </a:fld>
             <a:endParaRPr lang="en-US"/>
           </a:p>
@@ -2504,7 +2506,7 @@
           <a:p>
             <a:fld id="{40CA08E2-633C-6F4C-B416-7B24EADBD5D5}" type="datetime1">
               <a:rPr lang="de-DE" smtClean="0"/>
-              <a:t>14.11.21</a:t>
+              <a:t>19.11.21</a:t>
             </a:fld>
             <a:endParaRPr lang="en-US"/>
           </a:p>
@@ -2822,7 +2824,7 @@
           <a:p>
             <a:fld id="{25A8823F-BF39-4B48-92AC-7573D6900421}" type="datetime1">
               <a:rPr lang="de-DE" smtClean="0"/>
-              <a:t>14.11.21</a:t>
+              <a:t>19.11.21</a:t>
             </a:fld>
             <a:endParaRPr lang="en-US"/>
           </a:p>
@@ -3115,7 +3117,7 @@
           <a:p>
             <a:fld id="{9133BCCA-5C2C-1E48-9D3E-EC5297EB8560}" type="datetime1">
               <a:rPr lang="de-DE" smtClean="0"/>
-              <a:t>14.11.21</a:t>
+              <a:t>19.11.21</a:t>
             </a:fld>
             <a:endParaRPr lang="en-US"/>
           </a:p>
@@ -3372,7 +3374,7 @@
           <a:p>
             <a:fld id="{4ECDE09A-B1E7-BF49-A4A8-79F389F3B4B8}" type="datetime1">
               <a:rPr lang="de-DE" smtClean="0"/>
-              <a:t>14.11.21</a:t>
+              <a:t>19.11.21</a:t>
             </a:fld>
             <a:endParaRPr lang="en-US"/>
           </a:p>
@@ -5300,10 +5302,10 @@
         </p:nvGrpSpPr>
         <p:grpSpPr>
           <a:xfrm>
-            <a:off x="457737" y="3074194"/>
-            <a:ext cx="7773123" cy="1107996"/>
+            <a:off x="457737" y="1276480"/>
+            <a:ext cx="7665722" cy="1107996"/>
             <a:chOff x="457737" y="2609408"/>
-            <a:chExt cx="7773123" cy="1107996"/>
+            <a:chExt cx="7665722" cy="1107996"/>
           </a:xfrm>
         </p:grpSpPr>
         <p:sp>
@@ -5386,7 +5388,7 @@
           <p:spPr>
             <a:xfrm>
               <a:off x="2408753" y="2609408"/>
-              <a:ext cx="5822107" cy="1107996"/>
+              <a:ext cx="5714706" cy="1107996"/>
             </a:xfrm>
             <a:prstGeom prst="rect">
               <a:avLst/>
@@ -5405,7 +5407,7 @@
                   <a:latin typeface="Arial" panose="020B0604020202020204" pitchFamily="34" charset="0"/>
                   <a:cs typeface="Arial" panose="020B0604020202020204" pitchFamily="34" charset="0"/>
                 </a:rPr>
-                <a:t>Outlier removal (dirty data from scrape)</a:t>
+                <a:t>Making missing values explicit</a:t>
               </a:r>
             </a:p>
             <a:p>
@@ -5415,7 +5417,7 @@
                   <a:latin typeface="Arial" panose="020B0604020202020204" pitchFamily="34" charset="0"/>
                   <a:cs typeface="Arial" panose="020B0604020202020204" pitchFamily="34" charset="0"/>
                 </a:rPr>
-                <a:t>Transformations</a:t>
+                <a:t>Outlier removal (dirty data from scrape)</a:t>
               </a:r>
             </a:p>
             <a:p>
@@ -5473,7 +5475,7 @@
         </p:nvGrpSpPr>
         <p:grpSpPr>
           <a:xfrm>
-            <a:off x="457737" y="1138822"/>
+            <a:off x="457737" y="3143030"/>
             <a:ext cx="11270574" cy="1107989"/>
             <a:chOff x="460713" y="1138822"/>
             <a:chExt cx="11270574" cy="1107989"/>
@@ -6103,7 +6105,7 @@
           <p:cNvPr id="2" name="Slide Number Placeholder 1">
             <a:extLst>
               <a:ext uri="{FF2B5EF4-FFF2-40B4-BE49-F238E27FC236}">
-                <a16:creationId xmlns:a16="http://schemas.microsoft.com/office/drawing/2014/main" id="{1833D3C8-F2AB-A14D-B100-87C0BF61F1B4}"/>
+                <a16:creationId xmlns:a16="http://schemas.microsoft.com/office/drawing/2014/main" id="{F9B18EBF-3CBE-524D-A7F3-9501B2E4866D}"/>
               </a:ext>
             </a:extLst>
           </p:cNvPr>
@@ -6122,6 +6124,1279 @@
             <a:fld id="{2D00CA07-45C7-8142-9F4D-3A07AD48DFA1}" type="slidenum">
               <a:rPr lang="en-US" smtClean="0"/>
               <a:t>5</a:t>
+            </a:fld>
+            <a:endParaRPr lang="en-US"/>
+          </a:p>
+        </p:txBody>
+      </p:sp>
+      <p:grpSp>
+        <p:nvGrpSpPr>
+          <p:cNvPr id="3" name="Group 2">
+            <a:extLst>
+              <a:ext uri="{FF2B5EF4-FFF2-40B4-BE49-F238E27FC236}">
+                <a16:creationId xmlns:a16="http://schemas.microsoft.com/office/drawing/2014/main" id="{5406957D-70B9-E649-831C-F9B0B95CCB93}"/>
+              </a:ext>
+            </a:extLst>
+          </p:cNvPr>
+          <p:cNvGrpSpPr/>
+          <p:nvPr/>
+        </p:nvGrpSpPr>
+        <p:grpSpPr>
+          <a:xfrm>
+            <a:off x="460713" y="332656"/>
+            <a:ext cx="11270574" cy="553998"/>
+            <a:chOff x="460713" y="332656"/>
+            <a:chExt cx="11270574" cy="553998"/>
+          </a:xfrm>
+        </p:grpSpPr>
+        <p:sp>
+          <p:nvSpPr>
+            <p:cNvPr id="4" name="TextBox 3">
+              <a:extLst>
+                <a:ext uri="{FF2B5EF4-FFF2-40B4-BE49-F238E27FC236}">
+                  <a16:creationId xmlns:a16="http://schemas.microsoft.com/office/drawing/2014/main" id="{D181C263-3C63-8E4C-A371-42C9725D0467}"/>
+                </a:ext>
+              </a:extLst>
+            </p:cNvPr>
+            <p:cNvSpPr txBox="1"/>
+            <p:nvPr/>
+          </p:nvSpPr>
+          <p:spPr>
+            <a:xfrm>
+              <a:off x="460713" y="332656"/>
+              <a:ext cx="3077766" cy="553998"/>
+            </a:xfrm>
+            <a:prstGeom prst="rect">
+              <a:avLst/>
+            </a:prstGeom>
+            <a:noFill/>
+          </p:spPr>
+          <p:txBody>
+            <a:bodyPr wrap="none" lIns="0" tIns="0" rIns="0" bIns="0" rtlCol="0">
+              <a:spAutoFit/>
+            </a:bodyPr>
+            <a:lstStyle/>
+            <a:p>
+              <a:r>
+                <a:rPr lang="en-US" sz="3600" b="1" dirty="0">
+                  <a:latin typeface="Arial" panose="020B0604020202020204" pitchFamily="34" charset="0"/>
+                  <a:cs typeface="Arial" panose="020B0604020202020204" pitchFamily="34" charset="0"/>
+                </a:rPr>
+                <a:t>Data Cleaning</a:t>
+              </a:r>
+            </a:p>
+          </p:txBody>
+        </p:sp>
+        <p:cxnSp>
+          <p:nvCxnSpPr>
+            <p:cNvPr id="5" name="Straight Connector 4">
+              <a:extLst>
+                <a:ext uri="{FF2B5EF4-FFF2-40B4-BE49-F238E27FC236}">
+                  <a16:creationId xmlns:a16="http://schemas.microsoft.com/office/drawing/2014/main" id="{ACA734EB-9563-4A41-B423-04A3DB1DBB60}"/>
+                </a:ext>
+              </a:extLst>
+            </p:cNvPr>
+            <p:cNvCxnSpPr>
+              <a:cxnSpLocks/>
+            </p:cNvCxnSpPr>
+            <p:nvPr/>
+          </p:nvCxnSpPr>
+          <p:spPr>
+            <a:xfrm>
+              <a:off x="460714" y="886654"/>
+              <a:ext cx="11270573" cy="0"/>
+            </a:xfrm>
+            <a:prstGeom prst="line">
+              <a:avLst/>
+            </a:prstGeom>
+            <a:ln w="38100">
+              <a:solidFill>
+                <a:schemeClr val="tx1"/>
+              </a:solidFill>
+            </a:ln>
+          </p:spPr>
+          <p:style>
+            <a:lnRef idx="1">
+              <a:schemeClr val="accent1"/>
+            </a:lnRef>
+            <a:fillRef idx="0">
+              <a:schemeClr val="accent1"/>
+            </a:fillRef>
+            <a:effectRef idx="0">
+              <a:schemeClr val="accent1"/>
+            </a:effectRef>
+            <a:fontRef idx="minor">
+              <a:schemeClr val="tx1"/>
+            </a:fontRef>
+          </p:style>
+        </p:cxnSp>
+      </p:grpSp>
+      <p:grpSp>
+        <p:nvGrpSpPr>
+          <p:cNvPr id="35" name="Group 34">
+            <a:extLst>
+              <a:ext uri="{FF2B5EF4-FFF2-40B4-BE49-F238E27FC236}">
+                <a16:creationId xmlns:a16="http://schemas.microsoft.com/office/drawing/2014/main" id="{A6832072-2C95-5244-B13A-25A187C5A827}"/>
+              </a:ext>
+            </a:extLst>
+          </p:cNvPr>
+          <p:cNvGrpSpPr/>
+          <p:nvPr/>
+        </p:nvGrpSpPr>
+        <p:grpSpPr>
+          <a:xfrm>
+            <a:off x="460713" y="1196752"/>
+            <a:ext cx="5221954" cy="4774594"/>
+            <a:chOff x="460713" y="1196752"/>
+            <a:chExt cx="5221954" cy="4774594"/>
+          </a:xfrm>
+        </p:grpSpPr>
+        <p:sp>
+          <p:nvSpPr>
+            <p:cNvPr id="25" name="Rectangle 24">
+              <a:extLst>
+                <a:ext uri="{FF2B5EF4-FFF2-40B4-BE49-F238E27FC236}">
+                  <a16:creationId xmlns:a16="http://schemas.microsoft.com/office/drawing/2014/main" id="{304341A0-7177-4B46-951D-3C7664EE8404}"/>
+                </a:ext>
+              </a:extLst>
+            </p:cNvPr>
+            <p:cNvSpPr/>
+            <p:nvPr/>
+          </p:nvSpPr>
+          <p:spPr>
+            <a:xfrm>
+              <a:off x="460713" y="1196752"/>
+              <a:ext cx="5221954" cy="360040"/>
+            </a:xfrm>
+            <a:prstGeom prst="rect">
+              <a:avLst/>
+            </a:prstGeom>
+            <a:solidFill>
+              <a:schemeClr val="bg1">
+                <a:lumMod val="95000"/>
+              </a:schemeClr>
+            </a:solidFill>
+            <a:ln w="28575">
+              <a:solidFill>
+                <a:srgbClr val="000000"/>
+              </a:solidFill>
+            </a:ln>
+          </p:spPr>
+          <p:style>
+            <a:lnRef idx="2">
+              <a:schemeClr val="accent1">
+                <a:shade val="50000"/>
+              </a:schemeClr>
+            </a:lnRef>
+            <a:fillRef idx="1">
+              <a:schemeClr val="accent1"/>
+            </a:fillRef>
+            <a:effectRef idx="0">
+              <a:schemeClr val="accent1"/>
+            </a:effectRef>
+            <a:fontRef idx="minor">
+              <a:schemeClr val="lt1"/>
+            </a:fontRef>
+          </p:style>
+          <p:txBody>
+            <a:bodyPr rtlCol="0" anchor="ctr"/>
+            <a:lstStyle/>
+            <a:p>
+              <a:pPr algn="ctr"/>
+              <a:r>
+                <a:rPr lang="en-US" b="1" dirty="0">
+                  <a:solidFill>
+                    <a:schemeClr val="tx1"/>
+                  </a:solidFill>
+                  <a:latin typeface="Arial" panose="020B0604020202020204" pitchFamily="34" charset="0"/>
+                  <a:cs typeface="Arial" panose="020B0604020202020204" pitchFamily="34" charset="0"/>
+                </a:rPr>
+                <a:t>Problem</a:t>
+              </a:r>
+            </a:p>
+          </p:txBody>
+        </p:sp>
+        <p:sp>
+          <p:nvSpPr>
+            <p:cNvPr id="27" name="Rectangle 26">
+              <a:extLst>
+                <a:ext uri="{FF2B5EF4-FFF2-40B4-BE49-F238E27FC236}">
+                  <a16:creationId xmlns:a16="http://schemas.microsoft.com/office/drawing/2014/main" id="{05EBD71C-6D1C-9D4E-99E0-17240064D9FE}"/>
+                </a:ext>
+              </a:extLst>
+            </p:cNvPr>
+            <p:cNvSpPr/>
+            <p:nvPr/>
+          </p:nvSpPr>
+          <p:spPr>
+            <a:xfrm>
+              <a:off x="460713" y="1916831"/>
+              <a:ext cx="5221954" cy="720080"/>
+            </a:xfrm>
+            <a:prstGeom prst="rect">
+              <a:avLst/>
+            </a:prstGeom>
+            <a:solidFill>
+              <a:schemeClr val="bg1">
+                <a:lumMod val="95000"/>
+              </a:schemeClr>
+            </a:solidFill>
+            <a:ln w="28575">
+              <a:noFill/>
+            </a:ln>
+          </p:spPr>
+          <p:style>
+            <a:lnRef idx="2">
+              <a:schemeClr val="accent1">
+                <a:shade val="50000"/>
+              </a:schemeClr>
+            </a:lnRef>
+            <a:fillRef idx="1">
+              <a:schemeClr val="accent1"/>
+            </a:fillRef>
+            <a:effectRef idx="0">
+              <a:schemeClr val="accent1"/>
+            </a:effectRef>
+            <a:fontRef idx="minor">
+              <a:schemeClr val="lt1"/>
+            </a:fontRef>
+          </p:style>
+          <p:txBody>
+            <a:bodyPr rtlCol="0" anchor="ctr"/>
+            <a:lstStyle/>
+            <a:p>
+              <a:pPr algn="ctr"/>
+              <a:r>
+                <a:rPr lang="en-US" dirty="0">
+                  <a:solidFill>
+                    <a:schemeClr val="tx1"/>
+                  </a:solidFill>
+                  <a:latin typeface="Arial" panose="020B0604020202020204" pitchFamily="34" charset="0"/>
+                  <a:cs typeface="Arial" panose="020B0604020202020204" pitchFamily="34" charset="0"/>
+                </a:rPr>
+                <a:t>Several </a:t>
+              </a:r>
+              <a:r>
+                <a:rPr lang="en-US" b="1" dirty="0">
+                  <a:solidFill>
+                    <a:schemeClr val="tx1"/>
+                  </a:solidFill>
+                  <a:latin typeface="Arial" panose="020B0604020202020204" pitchFamily="34" charset="0"/>
+                  <a:cs typeface="Arial" panose="020B0604020202020204" pitchFamily="34" charset="0"/>
+                </a:rPr>
+                <a:t>different object types</a:t>
+              </a:r>
+            </a:p>
+          </p:txBody>
+        </p:sp>
+        <p:sp>
+          <p:nvSpPr>
+            <p:cNvPr id="29" name="Rectangle 28">
+              <a:extLst>
+                <a:ext uri="{FF2B5EF4-FFF2-40B4-BE49-F238E27FC236}">
+                  <a16:creationId xmlns:a16="http://schemas.microsoft.com/office/drawing/2014/main" id="{33AEBE64-27C7-5041-A28E-CA76DA83A40E}"/>
+                </a:ext>
+              </a:extLst>
+            </p:cNvPr>
+            <p:cNvSpPr/>
+            <p:nvPr/>
+          </p:nvSpPr>
+          <p:spPr>
+            <a:xfrm>
+              <a:off x="460713" y="3028309"/>
+              <a:ext cx="5221954" cy="720080"/>
+            </a:xfrm>
+            <a:prstGeom prst="rect">
+              <a:avLst/>
+            </a:prstGeom>
+            <a:solidFill>
+              <a:schemeClr val="bg1">
+                <a:lumMod val="95000"/>
+              </a:schemeClr>
+            </a:solidFill>
+            <a:ln w="28575">
+              <a:noFill/>
+            </a:ln>
+          </p:spPr>
+          <p:style>
+            <a:lnRef idx="2">
+              <a:schemeClr val="accent1">
+                <a:shade val="50000"/>
+              </a:schemeClr>
+            </a:lnRef>
+            <a:fillRef idx="1">
+              <a:schemeClr val="accent1"/>
+            </a:fillRef>
+            <a:effectRef idx="0">
+              <a:schemeClr val="accent1"/>
+            </a:effectRef>
+            <a:fontRef idx="minor">
+              <a:schemeClr val="lt1"/>
+            </a:fontRef>
+          </p:style>
+          <p:txBody>
+            <a:bodyPr rtlCol="0" anchor="ctr"/>
+            <a:lstStyle/>
+            <a:p>
+              <a:pPr algn="ctr"/>
+              <a:r>
+                <a:rPr lang="en-US" b="1" dirty="0">
+                  <a:solidFill>
+                    <a:schemeClr val="tx1"/>
+                  </a:solidFill>
+                  <a:latin typeface="Arial" panose="020B0604020202020204" pitchFamily="34" charset="0"/>
+                  <a:cs typeface="Arial" panose="020B0604020202020204" pitchFamily="34" charset="0"/>
+                </a:rPr>
+                <a:t>Implicit</a:t>
+              </a:r>
+              <a:r>
+                <a:rPr lang="en-US" dirty="0">
+                  <a:solidFill>
+                    <a:schemeClr val="tx1"/>
+                  </a:solidFill>
+                  <a:latin typeface="Arial" panose="020B0604020202020204" pitchFamily="34" charset="0"/>
+                  <a:cs typeface="Arial" panose="020B0604020202020204" pitchFamily="34" charset="0"/>
+                </a:rPr>
+                <a:t> NAs</a:t>
+              </a:r>
+            </a:p>
+          </p:txBody>
+        </p:sp>
+        <p:sp>
+          <p:nvSpPr>
+            <p:cNvPr id="31" name="Rectangle 30">
+              <a:extLst>
+                <a:ext uri="{FF2B5EF4-FFF2-40B4-BE49-F238E27FC236}">
+                  <a16:creationId xmlns:a16="http://schemas.microsoft.com/office/drawing/2014/main" id="{CF1FE57A-AF30-334E-9844-4B250795AC03}"/>
+                </a:ext>
+              </a:extLst>
+            </p:cNvPr>
+            <p:cNvSpPr/>
+            <p:nvPr/>
+          </p:nvSpPr>
+          <p:spPr>
+            <a:xfrm>
+              <a:off x="460713" y="5251266"/>
+              <a:ext cx="5221954" cy="720080"/>
+            </a:xfrm>
+            <a:prstGeom prst="rect">
+              <a:avLst/>
+            </a:prstGeom>
+            <a:solidFill>
+              <a:schemeClr val="bg1">
+                <a:lumMod val="95000"/>
+              </a:schemeClr>
+            </a:solidFill>
+            <a:ln w="28575">
+              <a:noFill/>
+            </a:ln>
+          </p:spPr>
+          <p:style>
+            <a:lnRef idx="2">
+              <a:schemeClr val="accent1">
+                <a:shade val="50000"/>
+              </a:schemeClr>
+            </a:lnRef>
+            <a:fillRef idx="1">
+              <a:schemeClr val="accent1"/>
+            </a:fillRef>
+            <a:effectRef idx="0">
+              <a:schemeClr val="accent1"/>
+            </a:effectRef>
+            <a:fontRef idx="minor">
+              <a:schemeClr val="lt1"/>
+            </a:fontRef>
+          </p:style>
+          <p:txBody>
+            <a:bodyPr rtlCol="0" anchor="ctr"/>
+            <a:lstStyle/>
+            <a:p>
+              <a:pPr algn="ctr"/>
+              <a:r>
+                <a:rPr lang="en-US" b="1" dirty="0">
+                  <a:solidFill>
+                    <a:schemeClr val="tx1"/>
+                  </a:solidFill>
+                  <a:latin typeface="Arial" panose="020B0604020202020204" pitchFamily="34" charset="0"/>
+                  <a:cs typeface="Arial" panose="020B0604020202020204" pitchFamily="34" charset="0"/>
+                </a:rPr>
+                <a:t>Extreme</a:t>
+              </a:r>
+              <a:r>
+                <a:rPr lang="en-US" dirty="0">
+                  <a:solidFill>
+                    <a:schemeClr val="tx1"/>
+                  </a:solidFill>
+                  <a:latin typeface="Arial" panose="020B0604020202020204" pitchFamily="34" charset="0"/>
+                  <a:cs typeface="Arial" panose="020B0604020202020204" pitchFamily="34" charset="0"/>
+                </a:rPr>
+                <a:t> outliers for rentals </a:t>
+              </a:r>
+              <a:r>
+                <a:rPr lang="en-US" i="1" dirty="0">
+                  <a:solidFill>
+                    <a:schemeClr val="tx1"/>
+                  </a:solidFill>
+                  <a:latin typeface="Arial" panose="020B0604020202020204" pitchFamily="34" charset="0"/>
+                  <a:cs typeface="Arial" panose="020B0604020202020204" pitchFamily="34" charset="0"/>
+                </a:rPr>
+                <a:t>and </a:t>
+              </a:r>
+              <a:r>
+                <a:rPr lang="en-US" dirty="0">
+                  <a:solidFill>
+                    <a:schemeClr val="tx1"/>
+                  </a:solidFill>
+                  <a:latin typeface="Arial" panose="020B0604020202020204" pitchFamily="34" charset="0"/>
+                  <a:cs typeface="Arial" panose="020B0604020202020204" pitchFamily="34" charset="0"/>
+                </a:rPr>
+                <a:t>sales</a:t>
+              </a:r>
+            </a:p>
+          </p:txBody>
+        </p:sp>
+        <p:sp>
+          <p:nvSpPr>
+            <p:cNvPr id="33" name="Rectangle 32">
+              <a:extLst>
+                <a:ext uri="{FF2B5EF4-FFF2-40B4-BE49-F238E27FC236}">
+                  <a16:creationId xmlns:a16="http://schemas.microsoft.com/office/drawing/2014/main" id="{55644C26-C099-F84B-A3C7-41E3AF75901B}"/>
+                </a:ext>
+              </a:extLst>
+            </p:cNvPr>
+            <p:cNvSpPr/>
+            <p:nvPr/>
+          </p:nvSpPr>
+          <p:spPr>
+            <a:xfrm>
+              <a:off x="460713" y="4139787"/>
+              <a:ext cx="5221954" cy="720080"/>
+            </a:xfrm>
+            <a:prstGeom prst="rect">
+              <a:avLst/>
+            </a:prstGeom>
+            <a:solidFill>
+              <a:schemeClr val="bg1">
+                <a:lumMod val="95000"/>
+              </a:schemeClr>
+            </a:solidFill>
+            <a:ln w="28575">
+              <a:noFill/>
+            </a:ln>
+          </p:spPr>
+          <p:style>
+            <a:lnRef idx="2">
+              <a:schemeClr val="accent1">
+                <a:shade val="50000"/>
+              </a:schemeClr>
+            </a:lnRef>
+            <a:fillRef idx="1">
+              <a:schemeClr val="accent1"/>
+            </a:fillRef>
+            <a:effectRef idx="0">
+              <a:schemeClr val="accent1"/>
+            </a:effectRef>
+            <a:fontRef idx="minor">
+              <a:schemeClr val="lt1"/>
+            </a:fontRef>
+          </p:style>
+          <p:txBody>
+            <a:bodyPr rtlCol="0" anchor="ctr"/>
+            <a:lstStyle/>
+            <a:p>
+              <a:pPr algn="ctr"/>
+              <a:r>
+                <a:rPr lang="en-US" b="1" dirty="0">
+                  <a:solidFill>
+                    <a:schemeClr val="tx1"/>
+                  </a:solidFill>
+                  <a:latin typeface="Arial" panose="020B0604020202020204" pitchFamily="34" charset="0"/>
+                  <a:cs typeface="Arial" panose="020B0604020202020204" pitchFamily="34" charset="0"/>
+                </a:rPr>
+                <a:t>Data entry error </a:t>
+              </a:r>
+              <a:r>
+                <a:rPr lang="en-US" dirty="0">
+                  <a:solidFill>
+                    <a:schemeClr val="tx1"/>
+                  </a:solidFill>
+                  <a:latin typeface="Arial" panose="020B0604020202020204" pitchFamily="34" charset="0"/>
+                  <a:cs typeface="Arial" panose="020B0604020202020204" pitchFamily="34" charset="0"/>
+                </a:rPr>
+                <a:t>in </a:t>
+              </a:r>
+              <a:r>
+                <a:rPr lang="en-US" dirty="0" err="1">
+                  <a:solidFill>
+                    <a:schemeClr val="tx1"/>
+                  </a:solidFill>
+                  <a:latin typeface="Arial" panose="020B0604020202020204" pitchFamily="34" charset="0"/>
+                  <a:cs typeface="Arial" panose="020B0604020202020204" pitchFamily="34" charset="0"/>
+                </a:rPr>
+                <a:t>square_meters</a:t>
+              </a:r>
+              <a:endParaRPr lang="en-US" dirty="0">
+                <a:solidFill>
+                  <a:schemeClr val="tx1"/>
+                </a:solidFill>
+                <a:latin typeface="Arial" panose="020B0604020202020204" pitchFamily="34" charset="0"/>
+                <a:cs typeface="Arial" panose="020B0604020202020204" pitchFamily="34" charset="0"/>
+              </a:endParaRPr>
+            </a:p>
+          </p:txBody>
+        </p:sp>
+      </p:grpSp>
+      <p:grpSp>
+        <p:nvGrpSpPr>
+          <p:cNvPr id="11" name="Group 10">
+            <a:extLst>
+              <a:ext uri="{FF2B5EF4-FFF2-40B4-BE49-F238E27FC236}">
+                <a16:creationId xmlns:a16="http://schemas.microsoft.com/office/drawing/2014/main" id="{38D7E42D-9D8E-D44F-A9B7-2BEB2E4AD6C3}"/>
+              </a:ext>
+            </a:extLst>
+          </p:cNvPr>
+          <p:cNvGrpSpPr/>
+          <p:nvPr/>
+        </p:nvGrpSpPr>
+        <p:grpSpPr>
+          <a:xfrm>
+            <a:off x="6509335" y="1196752"/>
+            <a:ext cx="5221954" cy="4769685"/>
+            <a:chOff x="6509335" y="1196752"/>
+            <a:chExt cx="5221954" cy="4769685"/>
+          </a:xfrm>
+        </p:grpSpPr>
+        <p:sp>
+          <p:nvSpPr>
+            <p:cNvPr id="26" name="Rectangle 25">
+              <a:extLst>
+                <a:ext uri="{FF2B5EF4-FFF2-40B4-BE49-F238E27FC236}">
+                  <a16:creationId xmlns:a16="http://schemas.microsoft.com/office/drawing/2014/main" id="{91AF1F8C-7A09-FF42-82D4-879A24E3B405}"/>
+                </a:ext>
+              </a:extLst>
+            </p:cNvPr>
+            <p:cNvSpPr/>
+            <p:nvPr/>
+          </p:nvSpPr>
+          <p:spPr>
+            <a:xfrm>
+              <a:off x="6509335" y="1196752"/>
+              <a:ext cx="5221954" cy="360040"/>
+            </a:xfrm>
+            <a:prstGeom prst="rect">
+              <a:avLst/>
+            </a:prstGeom>
+            <a:solidFill>
+              <a:schemeClr val="bg1">
+                <a:lumMod val="95000"/>
+              </a:schemeClr>
+            </a:solidFill>
+            <a:ln w="28575">
+              <a:solidFill>
+                <a:srgbClr val="000000"/>
+              </a:solidFill>
+            </a:ln>
+          </p:spPr>
+          <p:style>
+            <a:lnRef idx="2">
+              <a:schemeClr val="accent1">
+                <a:shade val="50000"/>
+              </a:schemeClr>
+            </a:lnRef>
+            <a:fillRef idx="1">
+              <a:schemeClr val="accent1"/>
+            </a:fillRef>
+            <a:effectRef idx="0">
+              <a:schemeClr val="accent1"/>
+            </a:effectRef>
+            <a:fontRef idx="minor">
+              <a:schemeClr val="lt1"/>
+            </a:fontRef>
+          </p:style>
+          <p:txBody>
+            <a:bodyPr rtlCol="0" anchor="ctr"/>
+            <a:lstStyle/>
+            <a:p>
+              <a:pPr algn="ctr"/>
+              <a:r>
+                <a:rPr lang="en-US" b="1" dirty="0">
+                  <a:solidFill>
+                    <a:schemeClr val="tx1"/>
+                  </a:solidFill>
+                  <a:latin typeface="Arial" panose="020B0604020202020204" pitchFamily="34" charset="0"/>
+                  <a:cs typeface="Arial" panose="020B0604020202020204" pitchFamily="34" charset="0"/>
+                </a:rPr>
+                <a:t>Solution</a:t>
+              </a:r>
+            </a:p>
+          </p:txBody>
+        </p:sp>
+        <p:sp>
+          <p:nvSpPr>
+            <p:cNvPr id="28" name="Rectangle 27">
+              <a:extLst>
+                <a:ext uri="{FF2B5EF4-FFF2-40B4-BE49-F238E27FC236}">
+                  <a16:creationId xmlns:a16="http://schemas.microsoft.com/office/drawing/2014/main" id="{F445A7E8-3384-8841-94EE-A19D48486DD5}"/>
+                </a:ext>
+              </a:extLst>
+            </p:cNvPr>
+            <p:cNvSpPr/>
+            <p:nvPr/>
+          </p:nvSpPr>
+          <p:spPr>
+            <a:xfrm>
+              <a:off x="6509335" y="1916831"/>
+              <a:ext cx="5221954" cy="720080"/>
+            </a:xfrm>
+            <a:prstGeom prst="rect">
+              <a:avLst/>
+            </a:prstGeom>
+            <a:solidFill>
+              <a:schemeClr val="bg1">
+                <a:lumMod val="95000"/>
+              </a:schemeClr>
+            </a:solidFill>
+            <a:ln w="28575">
+              <a:noFill/>
+            </a:ln>
+          </p:spPr>
+          <p:style>
+            <a:lnRef idx="2">
+              <a:schemeClr val="accent1">
+                <a:shade val="50000"/>
+              </a:schemeClr>
+            </a:lnRef>
+            <a:fillRef idx="1">
+              <a:schemeClr val="accent1"/>
+            </a:fillRef>
+            <a:effectRef idx="0">
+              <a:schemeClr val="accent1"/>
+            </a:effectRef>
+            <a:fontRef idx="minor">
+              <a:schemeClr val="lt1"/>
+            </a:fontRef>
+          </p:style>
+          <p:txBody>
+            <a:bodyPr rtlCol="0" anchor="ctr"/>
+            <a:lstStyle/>
+            <a:p>
+              <a:pPr algn="ctr"/>
+              <a:r>
+                <a:rPr lang="en-US" dirty="0">
+                  <a:solidFill>
+                    <a:schemeClr val="tx1"/>
+                  </a:solidFill>
+                  <a:latin typeface="Arial" panose="020B0604020202020204" pitchFamily="34" charset="0"/>
+                  <a:cs typeface="Arial" panose="020B0604020202020204" pitchFamily="34" charset="0"/>
+                </a:rPr>
+                <a:t>Focus on </a:t>
+              </a:r>
+              <a:r>
+                <a:rPr lang="en-US" b="1" dirty="0">
+                  <a:solidFill>
+                    <a:schemeClr val="tx1"/>
+                  </a:solidFill>
+                  <a:latin typeface="Arial" panose="020B0604020202020204" pitchFamily="34" charset="0"/>
+                  <a:cs typeface="Arial" panose="020B0604020202020204" pitchFamily="34" charset="0"/>
+                </a:rPr>
+                <a:t>[shared] apartments, houses </a:t>
+              </a:r>
+              <a:r>
+                <a:rPr lang="en-US" dirty="0">
+                  <a:solidFill>
+                    <a:schemeClr val="tx1"/>
+                  </a:solidFill>
+                  <a:latin typeface="Arial" panose="020B0604020202020204" pitchFamily="34" charset="0"/>
+                  <a:cs typeface="Arial" panose="020B0604020202020204" pitchFamily="34" charset="0"/>
+                </a:rPr>
+                <a:t>and </a:t>
+              </a:r>
+              <a:r>
+                <a:rPr lang="en-US" b="1" dirty="0">
+                  <a:solidFill>
+                    <a:schemeClr val="tx1"/>
+                  </a:solidFill>
+                  <a:latin typeface="Arial" panose="020B0604020202020204" pitchFamily="34" charset="0"/>
+                  <a:cs typeface="Arial" panose="020B0604020202020204" pitchFamily="34" charset="0"/>
+                </a:rPr>
+                <a:t>temporary</a:t>
+              </a:r>
+              <a:r>
+                <a:rPr lang="en-US" dirty="0">
+                  <a:solidFill>
+                    <a:schemeClr val="tx1"/>
+                  </a:solidFill>
+                  <a:latin typeface="Arial" panose="020B0604020202020204" pitchFamily="34" charset="0"/>
+                  <a:cs typeface="Arial" panose="020B0604020202020204" pitchFamily="34" charset="0"/>
+                </a:rPr>
+                <a:t> living</a:t>
+              </a:r>
+            </a:p>
+          </p:txBody>
+        </p:sp>
+        <p:sp>
+          <p:nvSpPr>
+            <p:cNvPr id="30" name="Rectangle 29">
+              <a:extLst>
+                <a:ext uri="{FF2B5EF4-FFF2-40B4-BE49-F238E27FC236}">
+                  <a16:creationId xmlns:a16="http://schemas.microsoft.com/office/drawing/2014/main" id="{30419B98-1442-3143-8913-A097774C3854}"/>
+                </a:ext>
+              </a:extLst>
+            </p:cNvPr>
+            <p:cNvSpPr/>
+            <p:nvPr/>
+          </p:nvSpPr>
+          <p:spPr>
+            <a:xfrm>
+              <a:off x="6509335" y="3026673"/>
+              <a:ext cx="5221954" cy="720080"/>
+            </a:xfrm>
+            <a:prstGeom prst="rect">
+              <a:avLst/>
+            </a:prstGeom>
+            <a:solidFill>
+              <a:schemeClr val="bg1">
+                <a:lumMod val="95000"/>
+              </a:schemeClr>
+            </a:solidFill>
+            <a:ln w="28575">
+              <a:noFill/>
+            </a:ln>
+          </p:spPr>
+          <p:style>
+            <a:lnRef idx="2">
+              <a:schemeClr val="accent1">
+                <a:shade val="50000"/>
+              </a:schemeClr>
+            </a:lnRef>
+            <a:fillRef idx="1">
+              <a:schemeClr val="accent1"/>
+            </a:fillRef>
+            <a:effectRef idx="0">
+              <a:schemeClr val="accent1"/>
+            </a:effectRef>
+            <a:fontRef idx="minor">
+              <a:schemeClr val="lt1"/>
+            </a:fontRef>
+          </p:style>
+          <p:txBody>
+            <a:bodyPr rtlCol="0" anchor="ctr"/>
+            <a:lstStyle/>
+            <a:p>
+              <a:pPr algn="ctr"/>
+              <a:r>
+                <a:rPr lang="en-US" dirty="0">
+                  <a:solidFill>
+                    <a:schemeClr val="tx1"/>
+                  </a:solidFill>
+                  <a:latin typeface="Arial" panose="020B0604020202020204" pitchFamily="34" charset="0"/>
+                  <a:cs typeface="Arial" panose="020B0604020202020204" pitchFamily="34" charset="0"/>
+                </a:rPr>
+                <a:t>Make </a:t>
+              </a:r>
+              <a:r>
+                <a:rPr lang="en-US" b="1" dirty="0">
+                  <a:solidFill>
+                    <a:schemeClr val="tx1"/>
+                  </a:solidFill>
+                  <a:latin typeface="Arial" panose="020B0604020202020204" pitchFamily="34" charset="0"/>
+                  <a:cs typeface="Arial" panose="020B0604020202020204" pitchFamily="34" charset="0"/>
+                </a:rPr>
+                <a:t>explicit</a:t>
+              </a:r>
+              <a:r>
+                <a:rPr lang="en-US" dirty="0">
+                  <a:solidFill>
+                    <a:schemeClr val="tx1"/>
+                  </a:solidFill>
+                  <a:latin typeface="Arial" panose="020B0604020202020204" pitchFamily="34" charset="0"/>
+                  <a:cs typeface="Arial" panose="020B0604020202020204" pitchFamily="34" charset="0"/>
+                </a:rPr>
+                <a:t> for</a:t>
+              </a:r>
+            </a:p>
+            <a:p>
+              <a:pPr algn="ctr"/>
+              <a:r>
+                <a:rPr lang="en-US" dirty="0">
+                  <a:solidFill>
+                    <a:schemeClr val="tx1"/>
+                  </a:solidFill>
+                  <a:latin typeface="Arial" panose="020B0604020202020204" pitchFamily="34" charset="0"/>
+                  <a:cs typeface="Arial" panose="020B0604020202020204" pitchFamily="34" charset="0"/>
+                </a:rPr>
+                <a:t>Price = 0, sqm = 0, rooms = 0 or “</a:t>
+              </a:r>
+              <a:r>
+                <a:rPr lang="en-US" dirty="0" err="1">
+                  <a:solidFill>
+                    <a:schemeClr val="tx1"/>
+                  </a:solidFill>
+                  <a:latin typeface="Arial" panose="020B0604020202020204" pitchFamily="34" charset="0"/>
+                  <a:cs typeface="Arial" panose="020B0604020202020204" pitchFamily="34" charset="0"/>
+                </a:rPr>
+                <a:t>k.A</a:t>
+              </a:r>
+              <a:r>
+                <a:rPr lang="en-US" dirty="0">
+                  <a:solidFill>
+                    <a:schemeClr val="tx1"/>
+                  </a:solidFill>
+                  <a:latin typeface="Arial" panose="020B0604020202020204" pitchFamily="34" charset="0"/>
+                  <a:cs typeface="Arial" panose="020B0604020202020204" pitchFamily="34" charset="0"/>
+                </a:rPr>
+                <a:t>.”</a:t>
+              </a:r>
+            </a:p>
+          </p:txBody>
+        </p:sp>
+        <mc:AlternateContent xmlns:mc="http://schemas.openxmlformats.org/markup-compatibility/2006">
+          <mc:Choice xmlns:a14="http://schemas.microsoft.com/office/drawing/2010/main" Requires="a14">
+            <p:sp>
+              <p:nvSpPr>
+                <p:cNvPr id="32" name="Rectangle 31">
+                  <a:extLst>
+                    <a:ext uri="{FF2B5EF4-FFF2-40B4-BE49-F238E27FC236}">
+                      <a16:creationId xmlns:a16="http://schemas.microsoft.com/office/drawing/2014/main" id="{3E09073C-C5DF-8342-A0F9-1691BEFA9027}"/>
+                    </a:ext>
+                  </a:extLst>
+                </p:cNvPr>
+                <p:cNvSpPr/>
+                <p:nvPr/>
+              </p:nvSpPr>
+              <p:spPr>
+                <a:xfrm>
+                  <a:off x="6509335" y="5246357"/>
+                  <a:ext cx="5221954" cy="720080"/>
+                </a:xfrm>
+                <a:prstGeom prst="rect">
+                  <a:avLst/>
+                </a:prstGeom>
+                <a:solidFill>
+                  <a:schemeClr val="bg1">
+                    <a:lumMod val="95000"/>
+                  </a:schemeClr>
+                </a:solidFill>
+                <a:ln w="28575">
+                  <a:noFill/>
+                </a:ln>
+              </p:spPr>
+              <p:style>
+                <a:lnRef idx="2">
+                  <a:schemeClr val="accent1">
+                    <a:shade val="50000"/>
+                  </a:schemeClr>
+                </a:lnRef>
+                <a:fillRef idx="1">
+                  <a:schemeClr val="accent1"/>
+                </a:fillRef>
+                <a:effectRef idx="0">
+                  <a:schemeClr val="accent1"/>
+                </a:effectRef>
+                <a:fontRef idx="minor">
+                  <a:schemeClr val="lt1"/>
+                </a:fontRef>
+              </p:style>
+              <p:txBody>
+                <a:bodyPr rtlCol="0" anchor="ctr"/>
+                <a:lstStyle/>
+                <a:p>
+                  <a:pPr algn="ctr"/>
+                  <a:r>
+                    <a:rPr lang="en-US" dirty="0">
+                      <a:solidFill>
+                        <a:schemeClr val="tx1"/>
+                      </a:solidFill>
+                      <a:latin typeface="Arial" panose="020B0604020202020204" pitchFamily="34" charset="0"/>
+                      <a:cs typeface="Arial" panose="020B0604020202020204" pitchFamily="34" charset="0"/>
+                    </a:rPr>
+                    <a:t>Rent/sqm &gt; 100, price &gt; 10k </a:t>
+                  </a:r>
+                  <a14:m>
+                    <m:oMath xmlns:m="http://schemas.openxmlformats.org/officeDocument/2006/math">
+                      <m:r>
+                        <a:rPr lang="de-DE" b="0" i="1" smtClean="0">
+                          <a:solidFill>
+                            <a:schemeClr val="tx1"/>
+                          </a:solidFill>
+                          <a:latin typeface="Cambria Math" panose="02040503050406030204" pitchFamily="18" charset="0"/>
+                          <a:cs typeface="Arial" panose="020B0604020202020204" pitchFamily="34" charset="0"/>
+                        </a:rPr>
+                        <m:t>→</m:t>
+                      </m:r>
+                    </m:oMath>
+                  </a14:m>
+                  <a:r>
+                    <a:rPr lang="en-US" dirty="0">
+                      <a:solidFill>
+                        <a:schemeClr val="tx1"/>
+                      </a:solidFill>
+                      <a:latin typeface="Arial" panose="020B0604020202020204" pitchFamily="34" charset="0"/>
+                      <a:cs typeface="Arial" panose="020B0604020202020204" pitchFamily="34" charset="0"/>
+                    </a:rPr>
+                    <a:t> </a:t>
+                  </a:r>
+                  <a:r>
+                    <a:rPr lang="en-US" b="1" dirty="0">
+                      <a:solidFill>
+                        <a:schemeClr val="tx1"/>
+                      </a:solidFill>
+                      <a:latin typeface="Arial" panose="020B0604020202020204" pitchFamily="34" charset="0"/>
+                      <a:cs typeface="Arial" panose="020B0604020202020204" pitchFamily="34" charset="0"/>
+                    </a:rPr>
+                    <a:t>actually for sale</a:t>
+                  </a:r>
+                </a:p>
+                <a:p>
+                  <a:pPr algn="ctr"/>
+                  <a:r>
+                    <a:rPr lang="en-US" dirty="0">
+                      <a:solidFill>
+                        <a:schemeClr val="tx1"/>
+                      </a:solidFill>
+                      <a:latin typeface="Arial" panose="020B0604020202020204" pitchFamily="34" charset="0"/>
+                      <a:cs typeface="Arial" panose="020B0604020202020204" pitchFamily="34" charset="0"/>
+                    </a:rPr>
+                    <a:t>Price/sqm &lt; 250, price &lt; 10k </a:t>
+                  </a:r>
+                  <a14:m>
+                    <m:oMath xmlns:m="http://schemas.openxmlformats.org/officeDocument/2006/math">
+                      <m:r>
+                        <a:rPr lang="de-DE" i="1">
+                          <a:solidFill>
+                            <a:schemeClr val="tx1"/>
+                          </a:solidFill>
+                          <a:latin typeface="Cambria Math" panose="02040503050406030204" pitchFamily="18" charset="0"/>
+                          <a:cs typeface="Arial" panose="020B0604020202020204" pitchFamily="34" charset="0"/>
+                        </a:rPr>
+                        <m:t>→</m:t>
+                      </m:r>
+                    </m:oMath>
+                  </a14:m>
+                  <a:r>
+                    <a:rPr lang="en-US" dirty="0">
+                      <a:solidFill>
+                        <a:schemeClr val="tx1"/>
+                      </a:solidFill>
+                      <a:latin typeface="Arial" panose="020B0604020202020204" pitchFamily="34" charset="0"/>
+                      <a:cs typeface="Arial" panose="020B0604020202020204" pitchFamily="34" charset="0"/>
+                    </a:rPr>
+                    <a:t> </a:t>
+                  </a:r>
+                  <a:r>
+                    <a:rPr lang="en-US" b="1" dirty="0">
+                      <a:solidFill>
+                        <a:schemeClr val="tx1"/>
+                      </a:solidFill>
+                      <a:latin typeface="Arial" panose="020B0604020202020204" pitchFamily="34" charset="0"/>
+                      <a:cs typeface="Arial" panose="020B0604020202020204" pitchFamily="34" charset="0"/>
+                    </a:rPr>
+                    <a:t>actually rental</a:t>
+                  </a:r>
+                </a:p>
+              </p:txBody>
+            </p:sp>
+          </mc:Choice>
+          <mc:Fallback>
+            <p:sp>
+              <p:nvSpPr>
+                <p:cNvPr id="32" name="Rectangle 31">
+                  <a:extLst>
+                    <a:ext uri="{FF2B5EF4-FFF2-40B4-BE49-F238E27FC236}">
+                      <a16:creationId xmlns:a16="http://schemas.microsoft.com/office/drawing/2014/main" id="{3E09073C-C5DF-8342-A0F9-1691BEFA9027}"/>
+                    </a:ext>
+                  </a:extLst>
+                </p:cNvPr>
+                <p:cNvSpPr>
+                  <a:spLocks noRot="1" noChangeAspect="1" noMove="1" noResize="1" noEditPoints="1" noAdjustHandles="1" noChangeArrowheads="1" noChangeShapeType="1" noTextEdit="1"/>
+                </p:cNvSpPr>
+                <p:nvPr/>
+              </p:nvSpPr>
+              <p:spPr>
+                <a:xfrm>
+                  <a:off x="6509335" y="5246357"/>
+                  <a:ext cx="5221954" cy="720080"/>
+                </a:xfrm>
+                <a:prstGeom prst="rect">
+                  <a:avLst/>
+                </a:prstGeom>
+                <a:blipFill>
+                  <a:blip r:embed="rId2"/>
+                  <a:stretch>
+                    <a:fillRect b="-8772"/>
+                  </a:stretch>
+                </a:blipFill>
+                <a:ln w="28575">
+                  <a:noFill/>
+                </a:ln>
+              </p:spPr>
+              <p:txBody>
+                <a:bodyPr/>
+                <a:lstStyle/>
+                <a:p>
+                  <a:r>
+                    <a:rPr lang="en-US">
+                      <a:noFill/>
+                    </a:rPr>
+                    <a:t> </a:t>
+                  </a:r>
+                </a:p>
+              </p:txBody>
+            </p:sp>
+          </mc:Fallback>
+        </mc:AlternateContent>
+        <p:sp>
+          <p:nvSpPr>
+            <p:cNvPr id="34" name="Rectangle 33">
+              <a:extLst>
+                <a:ext uri="{FF2B5EF4-FFF2-40B4-BE49-F238E27FC236}">
+                  <a16:creationId xmlns:a16="http://schemas.microsoft.com/office/drawing/2014/main" id="{563AE1B3-B7E2-9D4B-909E-3A061C0A9CAB}"/>
+                </a:ext>
+              </a:extLst>
+            </p:cNvPr>
+            <p:cNvSpPr/>
+            <p:nvPr/>
+          </p:nvSpPr>
+          <p:spPr>
+            <a:xfrm>
+              <a:off x="6509335" y="4136515"/>
+              <a:ext cx="5221954" cy="720080"/>
+            </a:xfrm>
+            <a:prstGeom prst="rect">
+              <a:avLst/>
+            </a:prstGeom>
+            <a:solidFill>
+              <a:schemeClr val="bg1">
+                <a:lumMod val="95000"/>
+              </a:schemeClr>
+            </a:solidFill>
+            <a:ln w="28575">
+              <a:noFill/>
+            </a:ln>
+          </p:spPr>
+          <p:style>
+            <a:lnRef idx="2">
+              <a:schemeClr val="accent1">
+                <a:shade val="50000"/>
+              </a:schemeClr>
+            </a:lnRef>
+            <a:fillRef idx="1">
+              <a:schemeClr val="accent1"/>
+            </a:fillRef>
+            <a:effectRef idx="0">
+              <a:schemeClr val="accent1"/>
+            </a:effectRef>
+            <a:fontRef idx="minor">
+              <a:schemeClr val="lt1"/>
+            </a:fontRef>
+          </p:style>
+          <p:txBody>
+            <a:bodyPr rtlCol="0" anchor="ctr"/>
+            <a:lstStyle/>
+            <a:p>
+              <a:pPr algn="ctr"/>
+              <a:r>
+                <a:rPr lang="de-DE" b="1" dirty="0">
+                  <a:solidFill>
+                    <a:schemeClr val="tx1"/>
+                  </a:solidFill>
+                  <a:latin typeface="Arial" panose="020B0604020202020204" pitchFamily="34" charset="0"/>
+                  <a:cs typeface="Arial" panose="020B0604020202020204" pitchFamily="34" charset="0"/>
+                </a:rPr>
+                <a:t>Remove </a:t>
+              </a:r>
+              <a:r>
+                <a:rPr lang="de-DE" b="1" dirty="0" err="1">
+                  <a:solidFill>
+                    <a:schemeClr val="tx1"/>
+                  </a:solidFill>
+                  <a:latin typeface="Arial" panose="020B0604020202020204" pitchFamily="34" charset="0"/>
+                  <a:cs typeface="Arial" panose="020B0604020202020204" pitchFamily="34" charset="0"/>
+                </a:rPr>
+                <a:t>outliers</a:t>
+              </a:r>
+              <a:r>
+                <a:rPr lang="de-DE" b="1" dirty="0">
+                  <a:solidFill>
+                    <a:schemeClr val="tx1"/>
+                  </a:solidFill>
+                  <a:latin typeface="Arial" panose="020B0604020202020204" pitchFamily="34" charset="0"/>
+                  <a:cs typeface="Arial" panose="020B0604020202020204" pitchFamily="34" charset="0"/>
+                </a:rPr>
+                <a:t> </a:t>
+              </a:r>
+              <a:r>
+                <a:rPr lang="de-DE" dirty="0">
+                  <a:solidFill>
+                    <a:schemeClr val="tx1"/>
+                  </a:solidFill>
+                  <a:latin typeface="Arial" panose="020B0604020202020204" pitchFamily="34" charset="0"/>
+                  <a:cs typeface="Arial" panose="020B0604020202020204" pitchFamily="34" charset="0"/>
+                </a:rPr>
+                <a:t>at </a:t>
+              </a:r>
+              <a:r>
+                <a:rPr lang="de-DE" dirty="0" err="1">
+                  <a:solidFill>
+                    <a:schemeClr val="tx1"/>
+                  </a:solidFill>
+                  <a:latin typeface="Arial" panose="020B0604020202020204" pitchFamily="34" charset="0"/>
+                  <a:cs typeface="Arial" panose="020B0604020202020204" pitchFamily="34" charset="0"/>
+                </a:rPr>
+                <a:t>the</a:t>
+              </a:r>
+              <a:r>
+                <a:rPr lang="de-DE" dirty="0">
+                  <a:solidFill>
+                    <a:schemeClr val="tx1"/>
+                  </a:solidFill>
+                  <a:latin typeface="Arial" panose="020B0604020202020204" pitchFamily="34" charset="0"/>
+                  <a:cs typeface="Arial" panose="020B0604020202020204" pitchFamily="34" charset="0"/>
+                </a:rPr>
+                <a:t> 99.9</a:t>
+              </a:r>
+              <a:r>
+                <a:rPr lang="de-DE" baseline="30000" dirty="0">
+                  <a:solidFill>
+                    <a:schemeClr val="tx1"/>
+                  </a:solidFill>
+                  <a:latin typeface="Arial" panose="020B0604020202020204" pitchFamily="34" charset="0"/>
+                  <a:cs typeface="Arial" panose="020B0604020202020204" pitchFamily="34" charset="0"/>
+                </a:rPr>
+                <a:t>th</a:t>
+              </a:r>
+              <a:r>
+                <a:rPr lang="de-DE" dirty="0">
+                  <a:solidFill>
+                    <a:schemeClr val="tx1"/>
+                  </a:solidFill>
+                  <a:latin typeface="Arial" panose="020B0604020202020204" pitchFamily="34" charset="0"/>
+                  <a:cs typeface="Arial" panose="020B0604020202020204" pitchFamily="34" charset="0"/>
+                </a:rPr>
+                <a:t> </a:t>
+              </a:r>
+              <a:r>
+                <a:rPr lang="de-DE" dirty="0" err="1">
+                  <a:solidFill>
+                    <a:schemeClr val="tx1"/>
+                  </a:solidFill>
+                  <a:latin typeface="Arial" panose="020B0604020202020204" pitchFamily="34" charset="0"/>
+                  <a:cs typeface="Arial" panose="020B0604020202020204" pitchFamily="34" charset="0"/>
+                </a:rPr>
+                <a:t>percentile</a:t>
+              </a:r>
+              <a:endParaRPr lang="en-US" b="1" dirty="0">
+                <a:solidFill>
+                  <a:schemeClr val="tx1"/>
+                </a:solidFill>
+                <a:latin typeface="Arial" panose="020B0604020202020204" pitchFamily="34" charset="0"/>
+                <a:cs typeface="Arial" panose="020B0604020202020204" pitchFamily="34" charset="0"/>
+              </a:endParaRPr>
+            </a:p>
+          </p:txBody>
+        </p:sp>
+      </p:grpSp>
+    </p:spTree>
+    <p:extLst>
+      <p:ext uri="{BB962C8B-B14F-4D97-AF65-F5344CB8AC3E}">
+        <p14:creationId xmlns:p14="http://schemas.microsoft.com/office/powerpoint/2010/main" val="3741748332"/>
+      </p:ext>
+    </p:extLst>
+  </p:cSld>
+  <p:clrMapOvr>
+    <a:masterClrMapping/>
+  </p:clrMapOvr>
+</p:sld>
+</file>
+
+<file path=ppt/slides/slide6.xml><?xml version="1.0" encoding="utf-8"?>
+<p:sld xmlns:a="http://schemas.openxmlformats.org/drawingml/2006/main" xmlns:r="http://schemas.openxmlformats.org/officeDocument/2006/relationships" xmlns:p="http://schemas.openxmlformats.org/presentationml/2006/main">
+  <p:cSld>
+    <p:spTree>
+      <p:nvGrpSpPr>
+        <p:cNvPr id="1" name=""/>
+        <p:cNvGrpSpPr/>
+        <p:nvPr/>
+      </p:nvGrpSpPr>
+      <p:grpSpPr>
+        <a:xfrm>
+          <a:off x="0" y="0"/>
+          <a:ext cx="0" cy="0"/>
+          <a:chOff x="0" y="0"/>
+          <a:chExt cx="0" cy="0"/>
+        </a:xfrm>
+      </p:grpSpPr>
+      <p:sp>
+        <p:nvSpPr>
+          <p:cNvPr id="21" name="Rounded Rectangle 20">
+            <a:extLst>
+              <a:ext uri="{FF2B5EF4-FFF2-40B4-BE49-F238E27FC236}">
+                <a16:creationId xmlns:a16="http://schemas.microsoft.com/office/drawing/2014/main" id="{8D6CD455-7B6C-0E42-AAB7-629A0D735B24}"/>
+              </a:ext>
+            </a:extLst>
+          </p:cNvPr>
+          <p:cNvSpPr/>
+          <p:nvPr/>
+        </p:nvSpPr>
+        <p:spPr>
+          <a:xfrm>
+            <a:off x="263352" y="6021288"/>
+            <a:ext cx="1368152" cy="517624"/>
+          </a:xfrm>
+          <a:prstGeom prst="roundRect">
+            <a:avLst/>
+          </a:prstGeom>
+          <a:ln>
+            <a:noFill/>
+          </a:ln>
+        </p:spPr>
+        <p:style>
+          <a:lnRef idx="2">
+            <a:schemeClr val="accent6"/>
+          </a:lnRef>
+          <a:fillRef idx="1">
+            <a:schemeClr val="lt1"/>
+          </a:fillRef>
+          <a:effectRef idx="0">
+            <a:schemeClr val="accent6"/>
+          </a:effectRef>
+          <a:fontRef idx="minor">
+            <a:schemeClr val="dk1"/>
+          </a:fontRef>
+        </p:style>
+        <p:txBody>
+          <a:bodyPr rtlCol="0" anchor="ctr"/>
+          <a:lstStyle/>
+          <a:p>
+            <a:pPr algn="ctr"/>
+            <a:endParaRPr lang="en-US"/>
+          </a:p>
+        </p:txBody>
+      </p:sp>
+      <p:sp>
+        <p:nvSpPr>
+          <p:cNvPr id="2" name="Slide Number Placeholder 1">
+            <a:extLst>
+              <a:ext uri="{FF2B5EF4-FFF2-40B4-BE49-F238E27FC236}">
+                <a16:creationId xmlns:a16="http://schemas.microsoft.com/office/drawing/2014/main" id="{1833D3C8-F2AB-A14D-B100-87C0BF61F1B4}"/>
+              </a:ext>
+            </a:extLst>
+          </p:cNvPr>
+          <p:cNvSpPr>
+            <a:spLocks noGrp="1"/>
+          </p:cNvSpPr>
+          <p:nvPr>
+            <p:ph type="sldNum" sz="quarter" idx="12"/>
+          </p:nvPr>
+        </p:nvSpPr>
+        <p:spPr/>
+        <p:txBody>
+          <a:bodyPr/>
+          <a:lstStyle/>
+          <a:p>
+            <a:fld id="{2D00CA07-45C7-8142-9F4D-3A07AD48DFA1}" type="slidenum">
+              <a:rPr lang="en-US" smtClean="0"/>
+              <a:t>6</a:t>
             </a:fld>
             <a:endParaRPr lang="en-US"/>
           </a:p>
@@ -6229,36 +7504,6 @@
           </p:style>
         </p:cxnSp>
       </p:grpSp>
-      <p:pic>
-        <p:nvPicPr>
-          <p:cNvPr id="7" name="Picture 6">
-            <a:extLst>
-              <a:ext uri="{FF2B5EF4-FFF2-40B4-BE49-F238E27FC236}">
-                <a16:creationId xmlns:a16="http://schemas.microsoft.com/office/drawing/2014/main" id="{20B39513-B094-7B48-A294-AA94305C13F6}"/>
-              </a:ext>
-            </a:extLst>
-          </p:cNvPr>
-          <p:cNvPicPr>
-            <a:picLocks noChangeAspect="1"/>
-          </p:cNvPicPr>
-          <p:nvPr/>
-        </p:nvPicPr>
-        <p:blipFill>
-          <a:blip r:embed="rId2"/>
-          <a:stretch>
-            <a:fillRect/>
-          </a:stretch>
-        </p:blipFill>
-        <p:spPr>
-          <a:xfrm>
-            <a:off x="263352" y="2607496"/>
-            <a:ext cx="5544616" cy="2772308"/>
-          </a:xfrm>
-          <a:prstGeom prst="rect">
-            <a:avLst/>
-          </a:prstGeom>
-        </p:spPr>
-      </p:pic>
       <p:grpSp>
         <p:nvGrpSpPr>
           <p:cNvPr id="9" name="Group 8">
@@ -6402,11 +7647,506 @@
                 <a:latin typeface="Arial" panose="020B0604020202020204" pitchFamily="34" charset="0"/>
                 <a:cs typeface="Arial" panose="020B0604020202020204" pitchFamily="34" charset="0"/>
               </a:rPr>
-              <a:t>Even after data cleaning: skewed and contains 0s</a:t>
+              <a:t>Even after data cleaning: skewed price distributions</a:t>
             </a:r>
           </a:p>
         </p:txBody>
       </p:sp>
+      <p:grpSp>
+        <p:nvGrpSpPr>
+          <p:cNvPr id="13" name="Group 12">
+            <a:extLst>
+              <a:ext uri="{FF2B5EF4-FFF2-40B4-BE49-F238E27FC236}">
+                <a16:creationId xmlns:a16="http://schemas.microsoft.com/office/drawing/2014/main" id="{8B794502-80AE-E143-A7B6-54EA4B0CB855}"/>
+              </a:ext>
+            </a:extLst>
+          </p:cNvPr>
+          <p:cNvGrpSpPr/>
+          <p:nvPr/>
+        </p:nvGrpSpPr>
+        <p:grpSpPr>
+          <a:xfrm>
+            <a:off x="6517292" y="1088025"/>
+            <a:ext cx="5209425" cy="373028"/>
+            <a:chOff x="443052" y="1217076"/>
+            <a:chExt cx="5209425" cy="373028"/>
+          </a:xfrm>
+        </p:grpSpPr>
+        <p:sp>
+          <p:nvSpPr>
+            <p:cNvPr id="14" name="TextBox 13">
+              <a:extLst>
+                <a:ext uri="{FF2B5EF4-FFF2-40B4-BE49-F238E27FC236}">
+                  <a16:creationId xmlns:a16="http://schemas.microsoft.com/office/drawing/2014/main" id="{7280E899-4629-BE4F-A3F3-6F6320065D82}"/>
+                </a:ext>
+              </a:extLst>
+            </p:cNvPr>
+            <p:cNvSpPr txBox="1"/>
+            <p:nvPr/>
+          </p:nvSpPr>
+          <p:spPr>
+            <a:xfrm>
+              <a:off x="443052" y="1217076"/>
+              <a:ext cx="2085507" cy="369332"/>
+            </a:xfrm>
+            <a:prstGeom prst="rect">
+              <a:avLst/>
+            </a:prstGeom>
+            <a:noFill/>
+          </p:spPr>
+          <p:txBody>
+            <a:bodyPr wrap="none" lIns="0" tIns="0" rIns="0" bIns="0" rtlCol="0">
+              <a:spAutoFit/>
+            </a:bodyPr>
+            <a:lstStyle/>
+            <a:p>
+              <a:pPr algn="l"/>
+              <a:r>
+                <a:rPr lang="en-US" sz="2400" b="1" dirty="0">
+                  <a:solidFill>
+                    <a:srgbClr val="03529B"/>
+                  </a:solidFill>
+                  <a:latin typeface="Arial" panose="020B0604020202020204" pitchFamily="34" charset="0"/>
+                  <a:cs typeface="Arial" panose="020B0604020202020204" pitchFamily="34" charset="0"/>
+                </a:rPr>
+                <a:t>Size and Price</a:t>
+              </a:r>
+            </a:p>
+          </p:txBody>
+        </p:sp>
+        <p:cxnSp>
+          <p:nvCxnSpPr>
+            <p:cNvPr id="15" name="Straight Connector 14">
+              <a:extLst>
+                <a:ext uri="{FF2B5EF4-FFF2-40B4-BE49-F238E27FC236}">
+                  <a16:creationId xmlns:a16="http://schemas.microsoft.com/office/drawing/2014/main" id="{B68122D6-87E4-044B-AF3E-CEE11745DAC2}"/>
+                </a:ext>
+              </a:extLst>
+            </p:cNvPr>
+            <p:cNvCxnSpPr>
+              <a:cxnSpLocks/>
+            </p:cNvCxnSpPr>
+            <p:nvPr/>
+          </p:nvCxnSpPr>
+          <p:spPr>
+            <a:xfrm>
+              <a:off x="443052" y="1590104"/>
+              <a:ext cx="5209425" cy="0"/>
+            </a:xfrm>
+            <a:prstGeom prst="line">
+              <a:avLst/>
+            </a:prstGeom>
+            <a:ln w="28575">
+              <a:solidFill>
+                <a:srgbClr val="03529B"/>
+              </a:solidFill>
+            </a:ln>
+          </p:spPr>
+          <p:style>
+            <a:lnRef idx="1">
+              <a:schemeClr val="accent1"/>
+            </a:lnRef>
+            <a:fillRef idx="0">
+              <a:schemeClr val="accent1"/>
+            </a:fillRef>
+            <a:effectRef idx="0">
+              <a:schemeClr val="accent1"/>
+            </a:effectRef>
+            <a:fontRef idx="minor">
+              <a:schemeClr val="tx1"/>
+            </a:fontRef>
+          </p:style>
+        </p:cxnSp>
+      </p:grpSp>
+      <p:pic>
+        <p:nvPicPr>
+          <p:cNvPr id="17" name="Picture 16">
+            <a:extLst>
+              <a:ext uri="{FF2B5EF4-FFF2-40B4-BE49-F238E27FC236}">
+                <a16:creationId xmlns:a16="http://schemas.microsoft.com/office/drawing/2014/main" id="{49B3EEC2-FE83-6547-B5FF-15DF643495C2}"/>
+              </a:ext>
+            </a:extLst>
+          </p:cNvPr>
+          <p:cNvPicPr>
+            <a:picLocks noChangeAspect="1"/>
+          </p:cNvPicPr>
+          <p:nvPr/>
+        </p:nvPicPr>
+        <p:blipFill>
+          <a:blip r:embed="rId2"/>
+          <a:stretch>
+            <a:fillRect/>
+          </a:stretch>
+        </p:blipFill>
+        <p:spPr>
+          <a:xfrm>
+            <a:off x="230677" y="2671733"/>
+            <a:ext cx="5938662" cy="2969331"/>
+          </a:xfrm>
+          <a:prstGeom prst="rect">
+            <a:avLst/>
+          </a:prstGeom>
+        </p:spPr>
+      </p:pic>
+      <p:pic>
+        <p:nvPicPr>
+          <p:cNvPr id="19" name="Picture 18">
+            <a:extLst>
+              <a:ext uri="{FF2B5EF4-FFF2-40B4-BE49-F238E27FC236}">
+                <a16:creationId xmlns:a16="http://schemas.microsoft.com/office/drawing/2014/main" id="{A4C7F1D0-F7AB-E543-BF3E-CAB5E9704CF0}"/>
+              </a:ext>
+            </a:extLst>
+          </p:cNvPr>
+          <p:cNvPicPr>
+            <a:picLocks noChangeAspect="1"/>
+          </p:cNvPicPr>
+          <p:nvPr/>
+        </p:nvPicPr>
+        <p:blipFill>
+          <a:blip r:embed="rId3"/>
+          <a:stretch>
+            <a:fillRect/>
+          </a:stretch>
+        </p:blipFill>
+        <p:spPr>
+          <a:xfrm>
+            <a:off x="6517292" y="2718413"/>
+            <a:ext cx="4955295" cy="3716471"/>
+          </a:xfrm>
+          <a:prstGeom prst="rect">
+            <a:avLst/>
+          </a:prstGeom>
+        </p:spPr>
+      </p:pic>
+      <p:sp>
+        <p:nvSpPr>
+          <p:cNvPr id="20" name="TextBox 19">
+            <a:extLst>
+              <a:ext uri="{FF2B5EF4-FFF2-40B4-BE49-F238E27FC236}">
+                <a16:creationId xmlns:a16="http://schemas.microsoft.com/office/drawing/2014/main" id="{F07FE68E-B5AB-D945-B291-08F0A70D1D58}"/>
+              </a:ext>
+            </a:extLst>
+          </p:cNvPr>
+          <p:cNvSpPr txBox="1"/>
+          <p:nvPr/>
+        </p:nvSpPr>
+        <p:spPr>
+          <a:xfrm>
+            <a:off x="6517292" y="1688950"/>
+            <a:ext cx="5209425" cy="1107996"/>
+          </a:xfrm>
+          <a:prstGeom prst="rect">
+            <a:avLst/>
+          </a:prstGeom>
+          <a:noFill/>
+        </p:spPr>
+        <p:txBody>
+          <a:bodyPr wrap="square" lIns="0" tIns="0" rIns="0" bIns="0" rtlCol="0">
+            <a:spAutoFit/>
+          </a:bodyPr>
+          <a:lstStyle/>
+          <a:p>
+            <a:pPr marL="342900" indent="-342900" algn="l">
+              <a:buFont typeface="Arial" panose="020B0604020202020204" pitchFamily="34" charset="0"/>
+              <a:buChar char="•"/>
+            </a:pPr>
+            <a:r>
+              <a:rPr lang="en-US" sz="2400" dirty="0">
+                <a:latin typeface="Arial" panose="020B0604020202020204" pitchFamily="34" charset="0"/>
+                <a:cs typeface="Arial" panose="020B0604020202020204" pitchFamily="34" charset="0"/>
+              </a:rPr>
+              <a:t>Somewhat linear trend</a:t>
+            </a:r>
+          </a:p>
+          <a:p>
+            <a:pPr marL="342900" indent="-342900" algn="l">
+              <a:buFont typeface="Arial" panose="020B0604020202020204" pitchFamily="34" charset="0"/>
+              <a:buChar char="•"/>
+            </a:pPr>
+            <a:r>
+              <a:rPr lang="en-US" sz="2400" dirty="0">
+                <a:latin typeface="Arial" panose="020B0604020202020204" pitchFamily="34" charset="0"/>
+                <a:cs typeface="Arial" panose="020B0604020202020204" pitchFamily="34" charset="0"/>
+              </a:rPr>
+              <a:t>Private offers tend to have lower prices</a:t>
+            </a:r>
+          </a:p>
+        </p:txBody>
+      </p:sp>
+      <mc:AlternateContent xmlns:mc="http://schemas.openxmlformats.org/markup-compatibility/2006">
+        <mc:Choice xmlns:a14="http://schemas.microsoft.com/office/drawing/2010/main" Requires="a14">
+          <p:sp>
+            <p:nvSpPr>
+              <p:cNvPr id="22" name="Rectangle 21">
+                <a:extLst>
+                  <a:ext uri="{FF2B5EF4-FFF2-40B4-BE49-F238E27FC236}">
+                    <a16:creationId xmlns:a16="http://schemas.microsoft.com/office/drawing/2014/main" id="{EF64C070-9AA4-8F46-BC23-9B9803AEE8C2}"/>
+                  </a:ext>
+                </a:extLst>
+              </p:cNvPr>
+              <p:cNvSpPr/>
+              <p:nvPr/>
+            </p:nvSpPr>
+            <p:spPr>
+              <a:xfrm>
+                <a:off x="2485697" y="5654632"/>
+                <a:ext cx="3603417" cy="884280"/>
+              </a:xfrm>
+              <a:prstGeom prst="rect">
+                <a:avLst/>
+              </a:prstGeom>
+              <a:solidFill>
+                <a:schemeClr val="bg1">
+                  <a:lumMod val="95000"/>
+                </a:schemeClr>
+              </a:solidFill>
+              <a:ln w="28575">
+                <a:noFill/>
+              </a:ln>
+            </p:spPr>
+            <p:style>
+              <a:lnRef idx="2">
+                <a:schemeClr val="accent1">
+                  <a:shade val="50000"/>
+                </a:schemeClr>
+              </a:lnRef>
+              <a:fillRef idx="1">
+                <a:schemeClr val="accent1"/>
+              </a:fillRef>
+              <a:effectRef idx="0">
+                <a:schemeClr val="accent1"/>
+              </a:effectRef>
+              <a:fontRef idx="minor">
+                <a:schemeClr val="lt1"/>
+              </a:fontRef>
+            </p:style>
+            <p:txBody>
+              <a:bodyPr rtlCol="0" anchor="ctr"/>
+              <a:lstStyle/>
+              <a:p>
+                <a:pPr algn="ctr"/>
+                <a:r>
+                  <a:rPr lang="en-US" b="1" dirty="0">
+                    <a:solidFill>
+                      <a:schemeClr val="tx1"/>
+                    </a:solidFill>
+                    <a:latin typeface="Arial" panose="020B0604020202020204" pitchFamily="34" charset="0"/>
+                    <a:cs typeface="Arial" panose="020B0604020202020204" pitchFamily="34" charset="0"/>
+                  </a:rPr>
+                  <a:t>Disclaimer for US people:</a:t>
+                </a:r>
+              </a:p>
+              <a:p>
+                <a:pPr algn="ctr"/>
+                <a14:m>
+                  <m:oMathPara xmlns:m="http://schemas.openxmlformats.org/officeDocument/2006/math">
+                    <m:oMathParaPr>
+                      <m:jc m:val="centerGroup"/>
+                    </m:oMathParaPr>
+                    <m:oMath xmlns:m="http://schemas.openxmlformats.org/officeDocument/2006/math">
+                      <m:r>
+                        <a:rPr lang="de-DE" sz="2800" b="0" i="1" smtClean="0">
+                          <a:solidFill>
+                            <a:schemeClr val="tx1"/>
+                          </a:solidFill>
+                          <a:latin typeface="Cambria Math" panose="02040503050406030204" pitchFamily="18" charset="0"/>
+                          <a:cs typeface="Arial" panose="020B0604020202020204" pitchFamily="34" charset="0"/>
+                        </a:rPr>
+                        <m:t>1</m:t>
+                      </m:r>
+                      <m:sSup>
+                        <m:sSupPr>
+                          <m:ctrlPr>
+                            <a:rPr lang="de-DE" sz="2800" i="1" smtClean="0">
+                              <a:solidFill>
+                                <a:schemeClr val="tx1"/>
+                              </a:solidFill>
+                              <a:latin typeface="Cambria Math" panose="02040503050406030204" pitchFamily="18" charset="0"/>
+                              <a:cs typeface="Arial" panose="020B0604020202020204" pitchFamily="34" charset="0"/>
+                            </a:rPr>
+                          </m:ctrlPr>
+                        </m:sSupPr>
+                        <m:e>
+                          <m:r>
+                            <a:rPr lang="de-DE" sz="2800" b="0" i="1" smtClean="0">
+                              <a:solidFill>
+                                <a:schemeClr val="tx1"/>
+                              </a:solidFill>
+                              <a:latin typeface="Cambria Math" panose="02040503050406030204" pitchFamily="18" charset="0"/>
+                              <a:cs typeface="Arial" panose="020B0604020202020204" pitchFamily="34" charset="0"/>
+                            </a:rPr>
+                            <m:t>𝑚</m:t>
+                          </m:r>
+                        </m:e>
+                        <m:sup>
+                          <m:r>
+                            <a:rPr lang="de-DE" sz="2800" b="0" i="1" smtClean="0">
+                              <a:solidFill>
+                                <a:schemeClr val="tx1"/>
+                              </a:solidFill>
+                              <a:latin typeface="Cambria Math" panose="02040503050406030204" pitchFamily="18" charset="0"/>
+                              <a:cs typeface="Arial" panose="020B0604020202020204" pitchFamily="34" charset="0"/>
+                            </a:rPr>
+                            <m:t>2</m:t>
+                          </m:r>
+                        </m:sup>
+                      </m:sSup>
+                      <m:r>
+                        <a:rPr lang="de-DE" sz="2800" b="0" i="1" smtClean="0">
+                          <a:solidFill>
+                            <a:schemeClr val="tx1"/>
+                          </a:solidFill>
+                          <a:latin typeface="Cambria Math" panose="02040503050406030204" pitchFamily="18" charset="0"/>
+                          <a:cs typeface="Arial" panose="020B0604020202020204" pitchFamily="34" charset="0"/>
+                        </a:rPr>
+                        <m:t>≈10.7 </m:t>
+                      </m:r>
+                      <m:sSup>
+                        <m:sSupPr>
+                          <m:ctrlPr>
+                            <a:rPr lang="de-DE" sz="2800" b="0" i="1" smtClean="0">
+                              <a:solidFill>
+                                <a:schemeClr val="tx1"/>
+                              </a:solidFill>
+                              <a:latin typeface="Cambria Math" panose="02040503050406030204" pitchFamily="18" charset="0"/>
+                              <a:cs typeface="Arial" panose="020B0604020202020204" pitchFamily="34" charset="0"/>
+                            </a:rPr>
+                          </m:ctrlPr>
+                        </m:sSupPr>
+                        <m:e>
+                          <m:r>
+                            <a:rPr lang="de-DE" sz="2800" b="0" i="1" smtClean="0">
+                              <a:solidFill>
+                                <a:schemeClr val="tx1"/>
+                              </a:solidFill>
+                              <a:latin typeface="Cambria Math" panose="02040503050406030204" pitchFamily="18" charset="0"/>
+                              <a:cs typeface="Arial" panose="020B0604020202020204" pitchFamily="34" charset="0"/>
+                            </a:rPr>
+                            <m:t>🦶</m:t>
+                          </m:r>
+                        </m:e>
+                        <m:sup>
+                          <m:r>
+                            <a:rPr lang="de-DE" sz="2800" b="0" i="1" baseline="30000" smtClean="0">
+                              <a:solidFill>
+                                <a:schemeClr val="tx1"/>
+                              </a:solidFill>
+                              <a:latin typeface="Cambria Math" panose="02040503050406030204" pitchFamily="18" charset="0"/>
+                              <a:cs typeface="Arial" panose="020B0604020202020204" pitchFamily="34" charset="0"/>
+                            </a:rPr>
+                            <m:t>2</m:t>
+                          </m:r>
+                        </m:sup>
+                      </m:sSup>
+                    </m:oMath>
+                  </m:oMathPara>
+                </a14:m>
+                <a:endParaRPr lang="en-US" dirty="0">
+                  <a:solidFill>
+                    <a:schemeClr val="tx1"/>
+                  </a:solidFill>
+                  <a:latin typeface="Arial" panose="020B0604020202020204" pitchFamily="34" charset="0"/>
+                  <a:cs typeface="Arial" panose="020B0604020202020204" pitchFamily="34" charset="0"/>
+                </a:endParaRPr>
+              </a:p>
+            </p:txBody>
+          </p:sp>
+        </mc:Choice>
+        <mc:Fallback>
+          <p:sp>
+            <p:nvSpPr>
+              <p:cNvPr id="22" name="Rectangle 21">
+                <a:extLst>
+                  <a:ext uri="{FF2B5EF4-FFF2-40B4-BE49-F238E27FC236}">
+                    <a16:creationId xmlns:a16="http://schemas.microsoft.com/office/drawing/2014/main" id="{EF64C070-9AA4-8F46-BC23-9B9803AEE8C2}"/>
+                  </a:ext>
+                </a:extLst>
+              </p:cNvPr>
+              <p:cNvSpPr>
+                <a:spLocks noRot="1" noChangeAspect="1" noMove="1" noResize="1" noEditPoints="1" noAdjustHandles="1" noChangeArrowheads="1" noChangeShapeType="1" noTextEdit="1"/>
+              </p:cNvSpPr>
+              <p:nvPr/>
+            </p:nvSpPr>
+            <p:spPr>
+              <a:xfrm>
+                <a:off x="2485697" y="5654632"/>
+                <a:ext cx="3603417" cy="884280"/>
+              </a:xfrm>
+              <a:prstGeom prst="rect">
+                <a:avLst/>
+              </a:prstGeom>
+              <a:blipFill>
+                <a:blip r:embed="rId4"/>
+                <a:stretch>
+                  <a:fillRect t="-1408" b="-12676"/>
+                </a:stretch>
+              </a:blipFill>
+              <a:ln w="28575">
+                <a:noFill/>
+              </a:ln>
+            </p:spPr>
+            <p:txBody>
+              <a:bodyPr/>
+              <a:lstStyle/>
+              <a:p>
+                <a:r>
+                  <a:rPr lang="en-US">
+                    <a:noFill/>
+                  </a:rPr>
+                  <a:t> </a:t>
+                </a:r>
+              </a:p>
+            </p:txBody>
+          </p:sp>
+        </mc:Fallback>
+      </mc:AlternateContent>
+      <p:cxnSp>
+        <p:nvCxnSpPr>
+          <p:cNvPr id="24" name="Straight Arrow Connector 23">
+            <a:extLst>
+              <a:ext uri="{FF2B5EF4-FFF2-40B4-BE49-F238E27FC236}">
+                <a16:creationId xmlns:a16="http://schemas.microsoft.com/office/drawing/2014/main" id="{1E8D7623-F8B6-1F46-AFB2-08D13AFCC676}"/>
+              </a:ext>
+            </a:extLst>
+          </p:cNvPr>
+          <p:cNvCxnSpPr>
+            <a:cxnSpLocks/>
+          </p:cNvCxnSpPr>
+          <p:nvPr/>
+        </p:nvCxnSpPr>
+        <p:spPr>
+          <a:xfrm>
+            <a:off x="6089114" y="6280100"/>
+            <a:ext cx="2599174" cy="0"/>
+          </a:xfrm>
+          <a:prstGeom prst="straightConnector1">
+            <a:avLst/>
+          </a:prstGeom>
+          <a:ln w="38100">
+            <a:solidFill>
+              <a:schemeClr val="bg1">
+                <a:lumMod val="75000"/>
+              </a:schemeClr>
+            </a:solidFill>
+            <a:headEnd type="oval" w="med" len="med"/>
+            <a:tailEnd type="oval" w="med" len="med"/>
+          </a:ln>
+        </p:spPr>
+        <p:style>
+          <a:lnRef idx="1">
+            <a:schemeClr val="accent1"/>
+          </a:lnRef>
+          <a:fillRef idx="0">
+            <a:schemeClr val="accent1"/>
+          </a:fillRef>
+          <a:effectRef idx="0">
+            <a:schemeClr val="accent1"/>
+          </a:effectRef>
+          <a:fontRef idx="minor">
+            <a:schemeClr val="tx1"/>
+          </a:fontRef>
+        </p:style>
+      </p:cxnSp>
     </p:spTree>
     <p:extLst>
       <p:ext uri="{BB962C8B-B14F-4D97-AF65-F5344CB8AC3E}">
@@ -6420,7 +8160,7 @@
 </p:sld>
 </file>
 
-<file path=ppt/slides/slide6.xml><?xml version="1.0" encoding="utf-8"?>
+<file path=ppt/slides/slide7.xml><?xml version="1.0" encoding="utf-8"?>
 <p:sld xmlns:a="http://schemas.openxmlformats.org/drawingml/2006/main" xmlns:r="http://schemas.openxmlformats.org/officeDocument/2006/relationships" xmlns:p="http://schemas.openxmlformats.org/presentationml/2006/main">
   <p:cSld>
     <p:spTree>
@@ -6439,6 +8179,53 @@
       </p:grpSpPr>
       <p:sp>
         <p:nvSpPr>
+          <p:cNvPr id="14" name="Rounded Rectangle 13">
+            <a:extLst>
+              <a:ext uri="{FF2B5EF4-FFF2-40B4-BE49-F238E27FC236}">
+                <a16:creationId xmlns:a16="http://schemas.microsoft.com/office/drawing/2014/main" id="{89A92B00-E17C-CF4C-817D-9C1DCCC829C7}"/>
+              </a:ext>
+            </a:extLst>
+          </p:cNvPr>
+          <p:cNvSpPr/>
+          <p:nvPr/>
+        </p:nvSpPr>
+        <p:spPr>
+          <a:xfrm>
+            <a:off x="263352" y="6021288"/>
+            <a:ext cx="1368152" cy="517624"/>
+          </a:xfrm>
+          <a:prstGeom prst="roundRect">
+            <a:avLst/>
+          </a:prstGeom>
+          <a:ln>
+            <a:noFill/>
+          </a:ln>
+        </p:spPr>
+        <p:style>
+          <a:lnRef idx="2">
+            <a:schemeClr val="accent6"/>
+          </a:lnRef>
+          <a:fillRef idx="1">
+            <a:schemeClr val="lt1"/>
+          </a:fillRef>
+          <a:effectRef idx="0">
+            <a:schemeClr val="accent6"/>
+          </a:effectRef>
+          <a:fontRef idx="minor">
+            <a:schemeClr val="dk1"/>
+          </a:fontRef>
+        </p:style>
+        <p:txBody>
+          <a:bodyPr rtlCol="0" anchor="ctr"/>
+          <a:lstStyle/>
+          <a:p>
+            <a:pPr algn="ctr"/>
+            <a:endParaRPr lang="en-US"/>
+          </a:p>
+        </p:txBody>
+      </p:sp>
+      <p:sp>
+        <p:nvSpPr>
           <p:cNvPr id="2" name="Slide Number Placeholder 1">
             <a:extLst>
               <a:ext uri="{FF2B5EF4-FFF2-40B4-BE49-F238E27FC236}">
@@ -6460,7 +8247,7 @@
           <a:p>
             <a:fld id="{2D00CA07-45C7-8142-9F4D-3A07AD48DFA1}" type="slidenum">
               <a:rPr lang="en-US" smtClean="0"/>
-              <a:t>6</a:t>
+              <a:t>7</a:t>
             </a:fld>
             <a:endParaRPr lang="en-US"/>
           </a:p>
@@ -6501,7 +8288,7 @@
           <p:spPr>
             <a:xfrm>
               <a:off x="460713" y="332656"/>
-              <a:ext cx="1667123" cy="553998"/>
+              <a:ext cx="6104235" cy="553998"/>
             </a:xfrm>
             <a:prstGeom prst="rect">
               <a:avLst/>
@@ -6519,7 +8306,19 @@
                   <a:latin typeface="Arial" panose="020B0604020202020204" pitchFamily="34" charset="0"/>
                   <a:cs typeface="Arial" panose="020B0604020202020204" pitchFamily="34" charset="0"/>
                 </a:rPr>
-                <a:t>Results</a:t>
+                <a:t>Modeling </a:t>
+              </a:r>
+              <a:r>
+                <a:rPr lang="en-US" sz="3600" b="1" dirty="0">
+                  <a:solidFill>
+                    <a:schemeClr val="bg1">
+                      <a:lumMod val="65000"/>
+                    </a:schemeClr>
+                  </a:solidFill>
+                  <a:latin typeface="Arial" panose="020B0604020202020204" pitchFamily="34" charset="0"/>
+                  <a:cs typeface="Arial" panose="020B0604020202020204" pitchFamily="34" charset="0"/>
+                </a:rPr>
+                <a:t>(Non-hierarchical)</a:t>
               </a:r>
             </a:p>
           </p:txBody>
@@ -6568,6 +8367,925 @@
           </p:style>
         </p:cxnSp>
       </p:grpSp>
+      <p:sp>
+        <p:nvSpPr>
+          <p:cNvPr id="7" name="TextBox 6">
+            <a:extLst>
+              <a:ext uri="{FF2B5EF4-FFF2-40B4-BE49-F238E27FC236}">
+                <a16:creationId xmlns:a16="http://schemas.microsoft.com/office/drawing/2014/main" id="{902ED7D7-480B-CC43-B9BF-217F10FDB8D6}"/>
+              </a:ext>
+            </a:extLst>
+          </p:cNvPr>
+          <p:cNvSpPr txBox="1"/>
+          <p:nvPr/>
+        </p:nvSpPr>
+        <p:spPr>
+          <a:xfrm>
+            <a:off x="9429052" y="426230"/>
+            <a:ext cx="2301912" cy="369332"/>
+          </a:xfrm>
+          <a:prstGeom prst="rect">
+            <a:avLst/>
+          </a:prstGeom>
+          <a:noFill/>
+        </p:spPr>
+        <p:txBody>
+          <a:bodyPr wrap="none" lIns="0" tIns="0" rIns="0" bIns="0" rtlCol="0">
+            <a:spAutoFit/>
+          </a:bodyPr>
+          <a:lstStyle/>
+          <a:p>
+            <a:pPr algn="l"/>
+            <a:r>
+              <a:rPr lang="en-US" sz="2400" b="1" dirty="0">
+                <a:solidFill>
+                  <a:schemeClr val="bg1">
+                    <a:lumMod val="65000"/>
+                  </a:schemeClr>
+                </a:solidFill>
+                <a:latin typeface="Arial" panose="020B0604020202020204" pitchFamily="34" charset="0"/>
+                <a:cs typeface="Arial" panose="020B0604020202020204" pitchFamily="34" charset="0"/>
+              </a:rPr>
+              <a:t>EXPLORATORY</a:t>
+            </a:r>
+          </a:p>
+        </p:txBody>
+      </p:sp>
+      <p:grpSp>
+        <p:nvGrpSpPr>
+          <p:cNvPr id="8" name="Group 7">
+            <a:extLst>
+              <a:ext uri="{FF2B5EF4-FFF2-40B4-BE49-F238E27FC236}">
+                <a16:creationId xmlns:a16="http://schemas.microsoft.com/office/drawing/2014/main" id="{47339172-5C6C-984A-B4CA-A82FAE44F553}"/>
+              </a:ext>
+            </a:extLst>
+          </p:cNvPr>
+          <p:cNvGrpSpPr/>
+          <p:nvPr/>
+        </p:nvGrpSpPr>
+        <p:grpSpPr>
+          <a:xfrm>
+            <a:off x="460713" y="1089549"/>
+            <a:ext cx="5209425" cy="373028"/>
+            <a:chOff x="443052" y="1217076"/>
+            <a:chExt cx="5209425" cy="373028"/>
+          </a:xfrm>
+        </p:grpSpPr>
+        <p:sp>
+          <p:nvSpPr>
+            <p:cNvPr id="9" name="TextBox 8">
+              <a:extLst>
+                <a:ext uri="{FF2B5EF4-FFF2-40B4-BE49-F238E27FC236}">
+                  <a16:creationId xmlns:a16="http://schemas.microsoft.com/office/drawing/2014/main" id="{E87CF7EC-6E1C-6F42-A95D-C99224F414C9}"/>
+                </a:ext>
+              </a:extLst>
+            </p:cNvPr>
+            <p:cNvSpPr txBox="1"/>
+            <p:nvPr/>
+          </p:nvSpPr>
+          <p:spPr>
+            <a:xfrm>
+              <a:off x="443052" y="1217076"/>
+              <a:ext cx="3736600" cy="369332"/>
+            </a:xfrm>
+            <a:prstGeom prst="rect">
+              <a:avLst/>
+            </a:prstGeom>
+            <a:noFill/>
+          </p:spPr>
+          <p:txBody>
+            <a:bodyPr wrap="none" lIns="0" tIns="0" rIns="0" bIns="0" rtlCol="0">
+              <a:spAutoFit/>
+            </a:bodyPr>
+            <a:lstStyle/>
+            <a:p>
+              <a:pPr algn="l"/>
+              <a:r>
+                <a:rPr lang="en-US" sz="2400" b="1" dirty="0">
+                  <a:solidFill>
+                    <a:srgbClr val="03529B"/>
+                  </a:solidFill>
+                  <a:latin typeface="Arial" panose="020B0604020202020204" pitchFamily="34" charset="0"/>
+                  <a:cs typeface="Arial" panose="020B0604020202020204" pitchFamily="34" charset="0"/>
+                </a:rPr>
+                <a:t>Log(price) ~ mean effects</a:t>
+              </a:r>
+              <a:endParaRPr lang="en-US" sz="2400" b="1" dirty="0">
+                <a:solidFill>
+                  <a:schemeClr val="bg1">
+                    <a:lumMod val="65000"/>
+                  </a:schemeClr>
+                </a:solidFill>
+                <a:latin typeface="Arial" panose="020B0604020202020204" pitchFamily="34" charset="0"/>
+                <a:cs typeface="Arial" panose="020B0604020202020204" pitchFamily="34" charset="0"/>
+              </a:endParaRPr>
+            </a:p>
+          </p:txBody>
+        </p:sp>
+        <p:cxnSp>
+          <p:nvCxnSpPr>
+            <p:cNvPr id="10" name="Straight Connector 9">
+              <a:extLst>
+                <a:ext uri="{FF2B5EF4-FFF2-40B4-BE49-F238E27FC236}">
+                  <a16:creationId xmlns:a16="http://schemas.microsoft.com/office/drawing/2014/main" id="{09BA401E-B7D9-784B-A59A-4C74F0770EF0}"/>
+                </a:ext>
+              </a:extLst>
+            </p:cNvPr>
+            <p:cNvCxnSpPr>
+              <a:cxnSpLocks/>
+            </p:cNvCxnSpPr>
+            <p:nvPr/>
+          </p:nvCxnSpPr>
+          <p:spPr>
+            <a:xfrm>
+              <a:off x="443052" y="1590104"/>
+              <a:ext cx="5209425" cy="0"/>
+            </a:xfrm>
+            <a:prstGeom prst="line">
+              <a:avLst/>
+            </a:prstGeom>
+            <a:ln w="28575">
+              <a:solidFill>
+                <a:srgbClr val="03529B"/>
+              </a:solidFill>
+            </a:ln>
+          </p:spPr>
+          <p:style>
+            <a:lnRef idx="1">
+              <a:schemeClr val="accent1"/>
+            </a:lnRef>
+            <a:fillRef idx="0">
+              <a:schemeClr val="accent1"/>
+            </a:fillRef>
+            <a:effectRef idx="0">
+              <a:schemeClr val="accent1"/>
+            </a:effectRef>
+            <a:fontRef idx="minor">
+              <a:schemeClr val="tx1"/>
+            </a:fontRef>
+          </p:style>
+        </p:cxnSp>
+      </p:grpSp>
+      <p:pic>
+        <p:nvPicPr>
+          <p:cNvPr id="11" name="Picture 10">
+            <a:extLst>
+              <a:ext uri="{FF2B5EF4-FFF2-40B4-BE49-F238E27FC236}">
+                <a16:creationId xmlns:a16="http://schemas.microsoft.com/office/drawing/2014/main" id="{3DF3D2FE-7D42-0445-A223-B648948A54B6}"/>
+              </a:ext>
+            </a:extLst>
+          </p:cNvPr>
+          <p:cNvPicPr>
+            <a:picLocks noChangeAspect="1"/>
+          </p:cNvPicPr>
+          <p:nvPr/>
+        </p:nvPicPr>
+        <p:blipFill>
+          <a:blip r:embed="rId2"/>
+          <a:stretch>
+            <a:fillRect/>
+          </a:stretch>
+        </p:blipFill>
+        <p:spPr>
+          <a:xfrm>
+            <a:off x="787842" y="1935061"/>
+            <a:ext cx="4555167" cy="2162554"/>
+          </a:xfrm>
+          <a:prstGeom prst="rect">
+            <a:avLst/>
+          </a:prstGeom>
+        </p:spPr>
+      </p:pic>
+      <mc:AlternateContent xmlns:mc="http://schemas.openxmlformats.org/markup-compatibility/2006">
+        <mc:Choice xmlns:a14="http://schemas.microsoft.com/office/drawing/2010/main" Requires="a14">
+          <p:sp>
+            <p:nvSpPr>
+              <p:cNvPr id="12" name="TextBox 11">
+                <a:extLst>
+                  <a:ext uri="{FF2B5EF4-FFF2-40B4-BE49-F238E27FC236}">
+                    <a16:creationId xmlns:a16="http://schemas.microsoft.com/office/drawing/2014/main" id="{F71FF212-04A9-BA49-A9A0-6C9795019E4C}"/>
+                  </a:ext>
+                </a:extLst>
+              </p:cNvPr>
+              <p:cNvSpPr txBox="1"/>
+              <p:nvPr/>
+            </p:nvSpPr>
+            <p:spPr>
+              <a:xfrm>
+                <a:off x="2270931" y="1574133"/>
+                <a:ext cx="1571328" cy="369332"/>
+              </a:xfrm>
+              <a:prstGeom prst="rect">
+                <a:avLst/>
+              </a:prstGeom>
+              <a:noFill/>
+            </p:spPr>
+            <p:txBody>
+              <a:bodyPr wrap="none" lIns="0" tIns="0" rIns="0" bIns="0" rtlCol="0">
+                <a:spAutoFit/>
+              </a:bodyPr>
+              <a:lstStyle/>
+              <a:p>
+                <a:pPr algn="l"/>
+                <a14:m>
+                  <m:oMathPara xmlns:m="http://schemas.openxmlformats.org/officeDocument/2006/math">
+                    <m:oMathParaPr>
+                      <m:jc m:val="centerGroup"/>
+                    </m:oMathParaPr>
+                    <m:oMath xmlns:m="http://schemas.openxmlformats.org/officeDocument/2006/math">
+                      <m:sSup>
+                        <m:sSupPr>
+                          <m:ctrlPr>
+                            <a:rPr lang="de-DE" sz="2400" b="0" i="1" smtClean="0">
+                              <a:latin typeface="Cambria Math" panose="02040503050406030204" pitchFamily="18" charset="0"/>
+                              <a:cs typeface="Arial" panose="020B0604020202020204" pitchFamily="34" charset="0"/>
+                            </a:rPr>
+                          </m:ctrlPr>
+                        </m:sSupPr>
+                        <m:e>
+                          <m:r>
+                            <a:rPr lang="de-DE" sz="2400" b="0" i="1" smtClean="0">
+                              <a:latin typeface="Cambria Math" panose="02040503050406030204" pitchFamily="18" charset="0"/>
+                              <a:cs typeface="Arial" panose="020B0604020202020204" pitchFamily="34" charset="0"/>
+                            </a:rPr>
+                            <m:t>𝑅</m:t>
+                          </m:r>
+                        </m:e>
+                        <m:sup>
+                          <m:r>
+                            <a:rPr lang="de-DE" sz="2400" b="0" i="1" smtClean="0">
+                              <a:latin typeface="Cambria Math" panose="02040503050406030204" pitchFamily="18" charset="0"/>
+                              <a:cs typeface="Arial" panose="020B0604020202020204" pitchFamily="34" charset="0"/>
+                            </a:rPr>
+                            <m:t>2</m:t>
+                          </m:r>
+                        </m:sup>
+                      </m:sSup>
+                      <m:r>
+                        <a:rPr lang="de-DE" sz="2400" b="0" i="1" smtClean="0">
+                          <a:latin typeface="Cambria Math" panose="02040503050406030204" pitchFamily="18" charset="0"/>
+                          <a:cs typeface="Arial" panose="020B0604020202020204" pitchFamily="34" charset="0"/>
+                        </a:rPr>
+                        <m:t>≈0.656</m:t>
+                      </m:r>
+                    </m:oMath>
+                  </m:oMathPara>
+                </a14:m>
+                <a:endParaRPr lang="en-US" sz="2400" dirty="0">
+                  <a:latin typeface="Arial" panose="020B0604020202020204" pitchFamily="34" charset="0"/>
+                  <a:cs typeface="Arial" panose="020B0604020202020204" pitchFamily="34" charset="0"/>
+                </a:endParaRPr>
+              </a:p>
+            </p:txBody>
+          </p:sp>
+        </mc:Choice>
+        <mc:Fallback>
+          <p:sp>
+            <p:nvSpPr>
+              <p:cNvPr id="12" name="TextBox 11">
+                <a:extLst>
+                  <a:ext uri="{FF2B5EF4-FFF2-40B4-BE49-F238E27FC236}">
+                    <a16:creationId xmlns:a16="http://schemas.microsoft.com/office/drawing/2014/main" id="{F71FF212-04A9-BA49-A9A0-6C9795019E4C}"/>
+                  </a:ext>
+                </a:extLst>
+              </p:cNvPr>
+              <p:cNvSpPr txBox="1">
+                <a:spLocks noRot="1" noChangeAspect="1" noMove="1" noResize="1" noEditPoints="1" noAdjustHandles="1" noChangeArrowheads="1" noChangeShapeType="1" noTextEdit="1"/>
+              </p:cNvSpPr>
+              <p:nvPr/>
+            </p:nvSpPr>
+            <p:spPr>
+              <a:xfrm>
+                <a:off x="2270931" y="1574133"/>
+                <a:ext cx="1571328" cy="369332"/>
+              </a:xfrm>
+              <a:prstGeom prst="rect">
+                <a:avLst/>
+              </a:prstGeom>
+              <a:blipFill>
+                <a:blip r:embed="rId3"/>
+                <a:stretch>
+                  <a:fillRect l="-4032" r="-4032" b="-6452"/>
+                </a:stretch>
+              </a:blipFill>
+            </p:spPr>
+            <p:txBody>
+              <a:bodyPr/>
+              <a:lstStyle/>
+              <a:p>
+                <a:r>
+                  <a:rPr lang="en-US">
+                    <a:noFill/>
+                  </a:rPr>
+                  <a:t> </a:t>
+                </a:r>
+              </a:p>
+            </p:txBody>
+          </p:sp>
+        </mc:Fallback>
+      </mc:AlternateContent>
+      <p:sp>
+        <p:nvSpPr>
+          <p:cNvPr id="13" name="TextBox 12">
+            <a:extLst>
+              <a:ext uri="{FF2B5EF4-FFF2-40B4-BE49-F238E27FC236}">
+                <a16:creationId xmlns:a16="http://schemas.microsoft.com/office/drawing/2014/main" id="{EA8BCC01-5C2C-8B48-9073-D7D7854AF676}"/>
+              </a:ext>
+            </a:extLst>
+          </p:cNvPr>
+          <p:cNvSpPr txBox="1"/>
+          <p:nvPr/>
+        </p:nvSpPr>
+        <p:spPr>
+          <a:xfrm>
+            <a:off x="460713" y="4132204"/>
+            <a:ext cx="5191763" cy="1107996"/>
+          </a:xfrm>
+          <a:prstGeom prst="rect">
+            <a:avLst/>
+          </a:prstGeom>
+          <a:noFill/>
+        </p:spPr>
+        <p:txBody>
+          <a:bodyPr wrap="square" lIns="0" tIns="0" rIns="0" bIns="0" rtlCol="0">
+            <a:spAutoFit/>
+          </a:bodyPr>
+          <a:lstStyle/>
+          <a:p>
+            <a:pPr marL="342900" indent="-342900" algn="l">
+              <a:buFont typeface="Arial" panose="020B0604020202020204" pitchFamily="34" charset="0"/>
+              <a:buChar char="•"/>
+            </a:pPr>
+            <a:r>
+              <a:rPr lang="en-US" sz="2400" dirty="0">
+                <a:latin typeface="Arial" panose="020B0604020202020204" pitchFamily="34" charset="0"/>
+                <a:cs typeface="Arial" panose="020B0604020202020204" pitchFamily="34" charset="0"/>
+              </a:rPr>
+              <a:t>After removing </a:t>
+            </a:r>
+            <a:r>
+              <a:rPr lang="en-US" sz="2400" b="1" dirty="0">
+                <a:latin typeface="Arial" panose="020B0604020202020204" pitchFamily="34" charset="0"/>
+                <a:cs typeface="Arial" panose="020B0604020202020204" pitchFamily="34" charset="0"/>
+              </a:rPr>
+              <a:t>21 influential points</a:t>
+            </a:r>
+            <a:r>
+              <a:rPr lang="en-US" sz="2400" dirty="0">
+                <a:latin typeface="Arial" panose="020B0604020202020204" pitchFamily="34" charset="0"/>
+                <a:cs typeface="Arial" panose="020B0604020202020204" pitchFamily="34" charset="0"/>
+              </a:rPr>
+              <a:t>, assumptions are satisfied…</a:t>
+            </a:r>
+          </a:p>
+          <a:p>
+            <a:pPr marL="342900" indent="-342900" algn="l">
+              <a:buFont typeface="Arial" panose="020B0604020202020204" pitchFamily="34" charset="0"/>
+              <a:buChar char="•"/>
+            </a:pPr>
+            <a:r>
+              <a:rPr lang="en-US" sz="2400" dirty="0">
+                <a:latin typeface="Arial" panose="020B0604020202020204" pitchFamily="34" charset="0"/>
+                <a:cs typeface="Arial" panose="020B0604020202020204" pitchFamily="34" charset="0"/>
+              </a:rPr>
+              <a:t>… except for normality in the tails</a:t>
+            </a:r>
+          </a:p>
+        </p:txBody>
+      </p:sp>
+      <p:grpSp>
+        <p:nvGrpSpPr>
+          <p:cNvPr id="17" name="Group 16">
+            <a:extLst>
+              <a:ext uri="{FF2B5EF4-FFF2-40B4-BE49-F238E27FC236}">
+                <a16:creationId xmlns:a16="http://schemas.microsoft.com/office/drawing/2014/main" id="{975E3DC6-416C-CF4C-8A00-2CE50875289D}"/>
+              </a:ext>
+            </a:extLst>
+          </p:cNvPr>
+          <p:cNvGrpSpPr/>
+          <p:nvPr/>
+        </p:nvGrpSpPr>
+        <p:grpSpPr>
+          <a:xfrm>
+            <a:off x="2261120" y="5226676"/>
+            <a:ext cx="1590948" cy="1485113"/>
+            <a:chOff x="400596" y="5209019"/>
+            <a:chExt cx="1590948" cy="1485113"/>
+          </a:xfrm>
+        </p:grpSpPr>
+        <p:pic>
+          <p:nvPicPr>
+            <p:cNvPr id="15" name="Picture 14">
+              <a:extLst>
+                <a:ext uri="{FF2B5EF4-FFF2-40B4-BE49-F238E27FC236}">
+                  <a16:creationId xmlns:a16="http://schemas.microsoft.com/office/drawing/2014/main" id="{069B7340-3008-DB4B-9D21-05F08FD72603}"/>
+                </a:ext>
+              </a:extLst>
+            </p:cNvPr>
+            <p:cNvPicPr>
+              <a:picLocks noChangeAspect="1"/>
+            </p:cNvPicPr>
+            <p:nvPr/>
+          </p:nvPicPr>
+          <p:blipFill>
+            <a:blip r:embed="rId4"/>
+            <a:stretch>
+              <a:fillRect/>
+            </a:stretch>
+          </p:blipFill>
+          <p:spPr>
+            <a:xfrm>
+              <a:off x="400596" y="5209019"/>
+              <a:ext cx="1590948" cy="1485113"/>
+            </a:xfrm>
+            <a:prstGeom prst="rect">
+              <a:avLst/>
+            </a:prstGeom>
+          </p:spPr>
+        </p:pic>
+        <p:sp>
+          <p:nvSpPr>
+            <p:cNvPr id="16" name="TextBox 15">
+              <a:extLst>
+                <a:ext uri="{FF2B5EF4-FFF2-40B4-BE49-F238E27FC236}">
+                  <a16:creationId xmlns:a16="http://schemas.microsoft.com/office/drawing/2014/main" id="{DFF55A07-4A34-364E-8135-341FED333EF5}"/>
+                </a:ext>
+              </a:extLst>
+            </p:cNvPr>
+            <p:cNvSpPr txBox="1"/>
+            <p:nvPr/>
+          </p:nvSpPr>
+          <p:spPr>
+            <a:xfrm>
+              <a:off x="1610070" y="6217744"/>
+              <a:ext cx="307777" cy="369332"/>
+            </a:xfrm>
+            <a:prstGeom prst="rect">
+              <a:avLst/>
+            </a:prstGeom>
+            <a:noFill/>
+          </p:spPr>
+          <p:txBody>
+            <a:bodyPr wrap="none" lIns="0" tIns="0" rIns="0" bIns="0" rtlCol="0">
+              <a:spAutoFit/>
+            </a:bodyPr>
+            <a:lstStyle/>
+            <a:p>
+              <a:pPr algn="l"/>
+              <a:r>
+                <a:rPr lang="en-US" sz="2400" dirty="0">
+                  <a:latin typeface="Arial" panose="020B0604020202020204" pitchFamily="34" charset="0"/>
+                  <a:cs typeface="Arial" panose="020B0604020202020204" pitchFamily="34" charset="0"/>
+                </a:rPr>
+                <a:t>☹️</a:t>
+              </a:r>
+            </a:p>
+          </p:txBody>
+        </p:sp>
+      </p:grpSp>
+      <p:grpSp>
+        <p:nvGrpSpPr>
+          <p:cNvPr id="18" name="Group 17">
+            <a:extLst>
+              <a:ext uri="{FF2B5EF4-FFF2-40B4-BE49-F238E27FC236}">
+                <a16:creationId xmlns:a16="http://schemas.microsoft.com/office/drawing/2014/main" id="{C0BE2501-5E9E-1743-A180-41BFC0B89802}"/>
+              </a:ext>
+            </a:extLst>
+          </p:cNvPr>
+          <p:cNvGrpSpPr/>
+          <p:nvPr/>
+        </p:nvGrpSpPr>
+        <p:grpSpPr>
+          <a:xfrm>
+            <a:off x="6521539" y="4867030"/>
+            <a:ext cx="5209425" cy="369332"/>
+            <a:chOff x="443052" y="1230458"/>
+            <a:chExt cx="5209425" cy="369332"/>
+          </a:xfrm>
+        </p:grpSpPr>
+        <mc:AlternateContent xmlns:mc="http://schemas.openxmlformats.org/markup-compatibility/2006">
+          <mc:Choice xmlns:a14="http://schemas.microsoft.com/office/drawing/2010/main" Requires="a14">
+            <p:sp>
+              <p:nvSpPr>
+                <p:cNvPr id="19" name="TextBox 18">
+                  <a:extLst>
+                    <a:ext uri="{FF2B5EF4-FFF2-40B4-BE49-F238E27FC236}">
+                      <a16:creationId xmlns:a16="http://schemas.microsoft.com/office/drawing/2014/main" id="{756754D0-B3DB-FC47-B6D5-A384BBE518A9}"/>
+                    </a:ext>
+                  </a:extLst>
+                </p:cNvPr>
+                <p:cNvSpPr txBox="1"/>
+                <p:nvPr/>
+              </p:nvSpPr>
+              <p:spPr>
+                <a:xfrm>
+                  <a:off x="451561" y="1230458"/>
+                  <a:ext cx="3757439" cy="369332"/>
+                </a:xfrm>
+                <a:prstGeom prst="rect">
+                  <a:avLst/>
+                </a:prstGeom>
+                <a:noFill/>
+              </p:spPr>
+              <p:txBody>
+                <a:bodyPr wrap="none" lIns="0" tIns="0" rIns="0" bIns="0" rtlCol="0">
+                  <a:spAutoFit/>
+                </a:bodyPr>
+                <a:lstStyle/>
+                <a:p>
+                  <a:pPr algn="l"/>
+                  <a:r>
+                    <a:rPr lang="en-US" sz="2400" b="1" dirty="0">
+                      <a:solidFill>
+                        <a:srgbClr val="03529B"/>
+                      </a:solidFill>
+                      <a:latin typeface="Arial" panose="020B0604020202020204" pitchFamily="34" charset="0"/>
+                      <a:cs typeface="Arial" panose="020B0604020202020204" pitchFamily="34" charset="0"/>
+                    </a:rPr>
+                    <a:t>Sqm </a:t>
+                  </a:r>
+                  <a14:m>
+                    <m:oMath xmlns:m="http://schemas.openxmlformats.org/officeDocument/2006/math">
+                      <m:r>
+                        <a:rPr lang="de-DE" sz="2400" b="1" i="1" smtClean="0">
+                          <a:solidFill>
+                            <a:srgbClr val="03529B"/>
+                          </a:solidFill>
+                          <a:latin typeface="Cambria Math" panose="02040503050406030204" pitchFamily="18" charset="0"/>
+                          <a:cs typeface="Arial" panose="020B0604020202020204" pitchFamily="34" charset="0"/>
+                        </a:rPr>
+                        <m:t>×</m:t>
+                      </m:r>
+                    </m:oMath>
+                  </a14:m>
+                  <a:r>
+                    <a:rPr lang="en-US" sz="2400" b="1" dirty="0">
+                      <a:solidFill>
+                        <a:srgbClr val="03529B"/>
+                      </a:solidFill>
+                      <a:latin typeface="Arial" panose="020B0604020202020204" pitchFamily="34" charset="0"/>
+                      <a:cs typeface="Arial" panose="020B0604020202020204" pitchFamily="34" charset="0"/>
+                    </a:rPr>
+                    <a:t> Rooms Interaction</a:t>
+                  </a:r>
+                </a:p>
+              </p:txBody>
+            </p:sp>
+          </mc:Choice>
+          <mc:Fallback>
+            <p:sp>
+              <p:nvSpPr>
+                <p:cNvPr id="19" name="TextBox 18">
+                  <a:extLst>
+                    <a:ext uri="{FF2B5EF4-FFF2-40B4-BE49-F238E27FC236}">
+                      <a16:creationId xmlns:a16="http://schemas.microsoft.com/office/drawing/2014/main" id="{756754D0-B3DB-FC47-B6D5-A384BBE518A9}"/>
+                    </a:ext>
+                  </a:extLst>
+                </p:cNvPr>
+                <p:cNvSpPr txBox="1">
+                  <a:spLocks noRot="1" noChangeAspect="1" noMove="1" noResize="1" noEditPoints="1" noAdjustHandles="1" noChangeArrowheads="1" noChangeShapeType="1" noTextEdit="1"/>
+                </p:cNvSpPr>
+                <p:nvPr/>
+              </p:nvSpPr>
+              <p:spPr>
+                <a:xfrm>
+                  <a:off x="451561" y="1230458"/>
+                  <a:ext cx="3757439" cy="369332"/>
+                </a:xfrm>
+                <a:prstGeom prst="rect">
+                  <a:avLst/>
+                </a:prstGeom>
+                <a:blipFill>
+                  <a:blip r:embed="rId5"/>
+                  <a:stretch>
+                    <a:fillRect l="-5051" t="-26667" r="-3704" b="-43333"/>
+                  </a:stretch>
+                </a:blipFill>
+              </p:spPr>
+              <p:txBody>
+                <a:bodyPr/>
+                <a:lstStyle/>
+                <a:p>
+                  <a:r>
+                    <a:rPr lang="en-US">
+                      <a:noFill/>
+                    </a:rPr>
+                    <a:t> </a:t>
+                  </a:r>
+                </a:p>
+              </p:txBody>
+            </p:sp>
+          </mc:Fallback>
+        </mc:AlternateContent>
+        <p:cxnSp>
+          <p:nvCxnSpPr>
+            <p:cNvPr id="20" name="Straight Connector 19">
+              <a:extLst>
+                <a:ext uri="{FF2B5EF4-FFF2-40B4-BE49-F238E27FC236}">
+                  <a16:creationId xmlns:a16="http://schemas.microsoft.com/office/drawing/2014/main" id="{FE3CC7BD-1AA7-4748-A558-4E03B584E6D8}"/>
+                </a:ext>
+              </a:extLst>
+            </p:cNvPr>
+            <p:cNvCxnSpPr>
+              <a:cxnSpLocks/>
+            </p:cNvCxnSpPr>
+            <p:nvPr/>
+          </p:nvCxnSpPr>
+          <p:spPr>
+            <a:xfrm>
+              <a:off x="443052" y="1590104"/>
+              <a:ext cx="5209425" cy="0"/>
+            </a:xfrm>
+            <a:prstGeom prst="line">
+              <a:avLst/>
+            </a:prstGeom>
+            <a:ln w="28575">
+              <a:solidFill>
+                <a:srgbClr val="03529B"/>
+              </a:solidFill>
+            </a:ln>
+          </p:spPr>
+          <p:style>
+            <a:lnRef idx="1">
+              <a:schemeClr val="accent1"/>
+            </a:lnRef>
+            <a:fillRef idx="0">
+              <a:schemeClr val="accent1"/>
+            </a:fillRef>
+            <a:effectRef idx="0">
+              <a:schemeClr val="accent1"/>
+            </a:effectRef>
+            <a:fontRef idx="minor">
+              <a:schemeClr val="tx1"/>
+            </a:fontRef>
+          </p:style>
+        </p:cxnSp>
+      </p:grpSp>
+      <mc:AlternateContent xmlns:mc="http://schemas.openxmlformats.org/markup-compatibility/2006">
+        <mc:Choice xmlns:a14="http://schemas.microsoft.com/office/drawing/2010/main" Requires="a14">
+          <p:sp>
+            <p:nvSpPr>
+              <p:cNvPr id="21" name="TextBox 20">
+                <a:extLst>
+                  <a:ext uri="{FF2B5EF4-FFF2-40B4-BE49-F238E27FC236}">
+                    <a16:creationId xmlns:a16="http://schemas.microsoft.com/office/drawing/2014/main" id="{381213E2-6C05-0D4F-91B2-560495E38BD0}"/>
+                  </a:ext>
+                </a:extLst>
+              </p:cNvPr>
+              <p:cNvSpPr txBox="1"/>
+              <p:nvPr/>
+            </p:nvSpPr>
+            <p:spPr>
+              <a:xfrm>
+                <a:off x="6530048" y="5341928"/>
+                <a:ext cx="5191763" cy="738664"/>
+              </a:xfrm>
+              <a:prstGeom prst="rect">
+                <a:avLst/>
+              </a:prstGeom>
+              <a:noFill/>
+            </p:spPr>
+            <p:txBody>
+              <a:bodyPr wrap="square" lIns="0" tIns="0" rIns="0" bIns="0" rtlCol="0">
+                <a:spAutoFit/>
+              </a:bodyPr>
+              <a:lstStyle/>
+              <a:p>
+                <a:pPr marL="342900" indent="-342900" algn="l">
+                  <a:buFont typeface="Arial" panose="020B0604020202020204" pitchFamily="34" charset="0"/>
+                  <a:buChar char="•"/>
+                </a:pPr>
+                <a:r>
+                  <a:rPr lang="en-US" sz="2400" dirty="0">
+                    <a:latin typeface="Arial" panose="020B0604020202020204" pitchFamily="34" charset="0"/>
+                    <a:cs typeface="Arial" panose="020B0604020202020204" pitchFamily="34" charset="0"/>
+                  </a:rPr>
+                  <a:t>Performs </a:t>
+                </a:r>
+                <a:r>
+                  <a:rPr lang="en-US" sz="2400" b="1" dirty="0">
+                    <a:latin typeface="Arial" panose="020B0604020202020204" pitchFamily="34" charset="0"/>
+                    <a:cs typeface="Arial" panose="020B0604020202020204" pitchFamily="34" charset="0"/>
+                  </a:rPr>
+                  <a:t>significantly better  </a:t>
+                </a:r>
+                <a:r>
+                  <a:rPr lang="en-US" sz="2400" dirty="0">
+                    <a:latin typeface="Arial" panose="020B0604020202020204" pitchFamily="34" charset="0"/>
+                    <a:cs typeface="Arial" panose="020B0604020202020204" pitchFamily="34" charset="0"/>
+                  </a:rPr>
+                  <a:t>(high </a:t>
+                </a:r>
+                <a14:m>
+                  <m:oMath xmlns:m="http://schemas.openxmlformats.org/officeDocument/2006/math">
+                    <m:r>
+                      <a:rPr lang="de-DE" sz="2400" b="0" i="1" smtClean="0">
+                        <a:latin typeface="Cambria Math" panose="02040503050406030204" pitchFamily="18" charset="0"/>
+                        <a:cs typeface="Arial" panose="020B0604020202020204" pitchFamily="34" charset="0"/>
+                      </a:rPr>
+                      <m:t>𝑛</m:t>
+                    </m:r>
+                    <m:r>
+                      <a:rPr lang="de-DE" sz="2400" b="0" i="1" smtClean="0">
+                        <a:latin typeface="Cambria Math" panose="02040503050406030204" pitchFamily="18" charset="0"/>
+                        <a:cs typeface="Arial" panose="020B0604020202020204" pitchFamily="34" charset="0"/>
+                      </a:rPr>
+                      <m:t>?</m:t>
+                    </m:r>
+                  </m:oMath>
+                </a14:m>
+                <a:r>
+                  <a:rPr lang="en-US" sz="2400" dirty="0">
+                    <a:latin typeface="Arial" panose="020B0604020202020204" pitchFamily="34" charset="0"/>
+                    <a:cs typeface="Arial" panose="020B0604020202020204" pitchFamily="34" charset="0"/>
+                  </a:rPr>
+                  <a:t>)</a:t>
+                </a:r>
+              </a:p>
+            </p:txBody>
+          </p:sp>
+        </mc:Choice>
+        <mc:Fallback>
+          <p:sp>
+            <p:nvSpPr>
+              <p:cNvPr id="21" name="TextBox 20">
+                <a:extLst>
+                  <a:ext uri="{FF2B5EF4-FFF2-40B4-BE49-F238E27FC236}">
+                    <a16:creationId xmlns:a16="http://schemas.microsoft.com/office/drawing/2014/main" id="{381213E2-6C05-0D4F-91B2-560495E38BD0}"/>
+                  </a:ext>
+                </a:extLst>
+              </p:cNvPr>
+              <p:cNvSpPr txBox="1">
+                <a:spLocks noRot="1" noChangeAspect="1" noMove="1" noResize="1" noEditPoints="1" noAdjustHandles="1" noChangeArrowheads="1" noChangeShapeType="1" noTextEdit="1"/>
+              </p:cNvSpPr>
+              <p:nvPr/>
+            </p:nvSpPr>
+            <p:spPr>
+              <a:xfrm>
+                <a:off x="6530048" y="5341928"/>
+                <a:ext cx="5191763" cy="738664"/>
+              </a:xfrm>
+              <a:prstGeom prst="rect">
+                <a:avLst/>
+              </a:prstGeom>
+              <a:blipFill>
+                <a:blip r:embed="rId6"/>
+                <a:stretch>
+                  <a:fillRect l="-3415" t="-11864" b="-23729"/>
+                </a:stretch>
+              </a:blipFill>
+            </p:spPr>
+            <p:txBody>
+              <a:bodyPr/>
+              <a:lstStyle/>
+              <a:p>
+                <a:r>
+                  <a:rPr lang="en-US">
+                    <a:noFill/>
+                  </a:rPr>
+                  <a:t> </a:t>
+                </a:r>
+              </a:p>
+            </p:txBody>
+          </p:sp>
+        </mc:Fallback>
+      </mc:AlternateContent>
+      <p:pic>
+        <p:nvPicPr>
+          <p:cNvPr id="23" name="Picture 22">
+            <a:extLst>
+              <a:ext uri="{FF2B5EF4-FFF2-40B4-BE49-F238E27FC236}">
+                <a16:creationId xmlns:a16="http://schemas.microsoft.com/office/drawing/2014/main" id="{F6087E68-5160-284C-9DA6-EF2011C1FA52}"/>
+              </a:ext>
+            </a:extLst>
+          </p:cNvPr>
+          <p:cNvPicPr>
+            <a:picLocks noChangeAspect="1"/>
+          </p:cNvPicPr>
+          <p:nvPr/>
+        </p:nvPicPr>
+        <p:blipFill>
+          <a:blip r:embed="rId7"/>
+          <a:stretch>
+            <a:fillRect/>
+          </a:stretch>
+        </p:blipFill>
+        <p:spPr>
+          <a:xfrm>
+            <a:off x="6096000" y="1682761"/>
+            <a:ext cx="5821128" cy="2910564"/>
+          </a:xfrm>
+          <a:prstGeom prst="rect">
+            <a:avLst/>
+          </a:prstGeom>
+        </p:spPr>
+      </p:pic>
+      <p:grpSp>
+        <p:nvGrpSpPr>
+          <p:cNvPr id="24" name="Group 23">
+            <a:extLst>
+              <a:ext uri="{FF2B5EF4-FFF2-40B4-BE49-F238E27FC236}">
+                <a16:creationId xmlns:a16="http://schemas.microsoft.com/office/drawing/2014/main" id="{66BA9E83-F2FE-9245-BF1A-49A6E17FF3E5}"/>
+              </a:ext>
+            </a:extLst>
+          </p:cNvPr>
+          <p:cNvGrpSpPr/>
+          <p:nvPr/>
+        </p:nvGrpSpPr>
+        <p:grpSpPr>
+          <a:xfrm>
+            <a:off x="6521539" y="1093245"/>
+            <a:ext cx="5209425" cy="369332"/>
+            <a:chOff x="443052" y="1230458"/>
+            <a:chExt cx="5209425" cy="369332"/>
+          </a:xfrm>
+        </p:grpSpPr>
+        <p:sp>
+          <p:nvSpPr>
+            <p:cNvPr id="25" name="TextBox 24">
+              <a:extLst>
+                <a:ext uri="{FF2B5EF4-FFF2-40B4-BE49-F238E27FC236}">
+                  <a16:creationId xmlns:a16="http://schemas.microsoft.com/office/drawing/2014/main" id="{B32EFEF8-71FD-4243-81D3-A1FAD7A1C90E}"/>
+                </a:ext>
+              </a:extLst>
+            </p:cNvPr>
+            <p:cNvSpPr txBox="1"/>
+            <p:nvPr/>
+          </p:nvSpPr>
+          <p:spPr>
+            <a:xfrm>
+              <a:off x="451561" y="1230458"/>
+              <a:ext cx="2168863" cy="369332"/>
+            </a:xfrm>
+            <a:prstGeom prst="rect">
+              <a:avLst/>
+            </a:prstGeom>
+            <a:noFill/>
+          </p:spPr>
+          <p:txBody>
+            <a:bodyPr wrap="none" lIns="0" tIns="0" rIns="0" bIns="0" rtlCol="0">
+              <a:spAutoFit/>
+            </a:bodyPr>
+            <a:lstStyle/>
+            <a:p>
+              <a:pPr algn="l"/>
+              <a:r>
+                <a:rPr lang="en-US" sz="2400" b="1" dirty="0">
+                  <a:solidFill>
+                    <a:srgbClr val="03529B"/>
+                  </a:solidFill>
+                  <a:latin typeface="Arial" panose="020B0604020202020204" pitchFamily="34" charset="0"/>
+                  <a:cs typeface="Arial" panose="020B0604020202020204" pitchFamily="34" charset="0"/>
+                </a:rPr>
+                <a:t>Prediction Plot</a:t>
+              </a:r>
+            </a:p>
+          </p:txBody>
+        </p:sp>
+        <p:cxnSp>
+          <p:nvCxnSpPr>
+            <p:cNvPr id="26" name="Straight Connector 25">
+              <a:extLst>
+                <a:ext uri="{FF2B5EF4-FFF2-40B4-BE49-F238E27FC236}">
+                  <a16:creationId xmlns:a16="http://schemas.microsoft.com/office/drawing/2014/main" id="{833A25C8-1119-3346-B59A-785EA0C60B9F}"/>
+                </a:ext>
+              </a:extLst>
+            </p:cNvPr>
+            <p:cNvCxnSpPr>
+              <a:cxnSpLocks/>
+            </p:cNvCxnSpPr>
+            <p:nvPr/>
+          </p:nvCxnSpPr>
+          <p:spPr>
+            <a:xfrm>
+              <a:off x="443052" y="1590104"/>
+              <a:ext cx="5209425" cy="0"/>
+            </a:xfrm>
+            <a:prstGeom prst="line">
+              <a:avLst/>
+            </a:prstGeom>
+            <a:ln w="28575">
+              <a:solidFill>
+                <a:srgbClr val="03529B"/>
+              </a:solidFill>
+            </a:ln>
+          </p:spPr>
+          <p:style>
+            <a:lnRef idx="1">
+              <a:schemeClr val="accent1"/>
+            </a:lnRef>
+            <a:fillRef idx="0">
+              <a:schemeClr val="accent1"/>
+            </a:fillRef>
+            <a:effectRef idx="0">
+              <a:schemeClr val="accent1"/>
+            </a:effectRef>
+            <a:fontRef idx="minor">
+              <a:schemeClr val="tx1"/>
+            </a:fontRef>
+          </p:style>
+        </p:cxnSp>
+      </p:grpSp>
     </p:spTree>
     <p:extLst>
       <p:ext uri="{BB962C8B-B14F-4D97-AF65-F5344CB8AC3E}">
@@ -6581,7 +9299,492 @@
 </p:sld>
 </file>
 
-<file path=ppt/slides/slide7.xml><?xml version="1.0" encoding="utf-8"?>
+<file path=ppt/slides/slide8.xml><?xml version="1.0" encoding="utf-8"?>
+<p:sld xmlns:a="http://schemas.openxmlformats.org/drawingml/2006/main" xmlns:r="http://schemas.openxmlformats.org/officeDocument/2006/relationships" xmlns:p="http://schemas.openxmlformats.org/presentationml/2006/main">
+  <p:cSld>
+    <p:spTree>
+      <p:nvGrpSpPr>
+        <p:cNvPr id="1" name=""/>
+        <p:cNvGrpSpPr/>
+        <p:nvPr/>
+      </p:nvGrpSpPr>
+      <p:grpSpPr>
+        <a:xfrm>
+          <a:off x="0" y="0"/>
+          <a:ext cx="0" cy="0"/>
+          <a:chOff x="0" y="0"/>
+          <a:chExt cx="0" cy="0"/>
+        </a:xfrm>
+      </p:grpSpPr>
+      <p:sp>
+        <p:nvSpPr>
+          <p:cNvPr id="14" name="Rounded Rectangle 13">
+            <a:extLst>
+              <a:ext uri="{FF2B5EF4-FFF2-40B4-BE49-F238E27FC236}">
+                <a16:creationId xmlns:a16="http://schemas.microsoft.com/office/drawing/2014/main" id="{89A92B00-E17C-CF4C-817D-9C1DCCC829C7}"/>
+              </a:ext>
+            </a:extLst>
+          </p:cNvPr>
+          <p:cNvSpPr/>
+          <p:nvPr/>
+        </p:nvSpPr>
+        <p:spPr>
+          <a:xfrm>
+            <a:off x="263352" y="6021288"/>
+            <a:ext cx="1368152" cy="517624"/>
+          </a:xfrm>
+          <a:prstGeom prst="roundRect">
+            <a:avLst/>
+          </a:prstGeom>
+          <a:ln>
+            <a:noFill/>
+          </a:ln>
+        </p:spPr>
+        <p:style>
+          <a:lnRef idx="2">
+            <a:schemeClr val="accent6"/>
+          </a:lnRef>
+          <a:fillRef idx="1">
+            <a:schemeClr val="lt1"/>
+          </a:fillRef>
+          <a:effectRef idx="0">
+            <a:schemeClr val="accent6"/>
+          </a:effectRef>
+          <a:fontRef idx="minor">
+            <a:schemeClr val="dk1"/>
+          </a:fontRef>
+        </p:style>
+        <p:txBody>
+          <a:bodyPr rtlCol="0" anchor="ctr"/>
+          <a:lstStyle/>
+          <a:p>
+            <a:pPr algn="ctr"/>
+            <a:endParaRPr lang="en-US"/>
+          </a:p>
+        </p:txBody>
+      </p:sp>
+      <p:sp>
+        <p:nvSpPr>
+          <p:cNvPr id="2" name="Slide Number Placeholder 1">
+            <a:extLst>
+              <a:ext uri="{FF2B5EF4-FFF2-40B4-BE49-F238E27FC236}">
+                <a16:creationId xmlns:a16="http://schemas.microsoft.com/office/drawing/2014/main" id="{1833D3C8-F2AB-A14D-B100-87C0BF61F1B4}"/>
+              </a:ext>
+            </a:extLst>
+          </p:cNvPr>
+          <p:cNvSpPr>
+            <a:spLocks noGrp="1"/>
+          </p:cNvSpPr>
+          <p:nvPr>
+            <p:ph type="sldNum" sz="quarter" idx="12"/>
+          </p:nvPr>
+        </p:nvSpPr>
+        <p:spPr/>
+        <p:txBody>
+          <a:bodyPr/>
+          <a:lstStyle/>
+          <a:p>
+            <a:fld id="{2D00CA07-45C7-8142-9F4D-3A07AD48DFA1}" type="slidenum">
+              <a:rPr lang="en-US" smtClean="0"/>
+              <a:t>8</a:t>
+            </a:fld>
+            <a:endParaRPr lang="en-US"/>
+          </a:p>
+        </p:txBody>
+      </p:sp>
+      <p:grpSp>
+        <p:nvGrpSpPr>
+          <p:cNvPr id="3" name="Group 2">
+            <a:extLst>
+              <a:ext uri="{FF2B5EF4-FFF2-40B4-BE49-F238E27FC236}">
+                <a16:creationId xmlns:a16="http://schemas.microsoft.com/office/drawing/2014/main" id="{F42B4E15-6242-D541-9199-7FA44EE8F4D3}"/>
+              </a:ext>
+            </a:extLst>
+          </p:cNvPr>
+          <p:cNvGrpSpPr/>
+          <p:nvPr/>
+        </p:nvGrpSpPr>
+        <p:grpSpPr>
+          <a:xfrm>
+            <a:off x="460713" y="332656"/>
+            <a:ext cx="11270574" cy="553998"/>
+            <a:chOff x="460713" y="332656"/>
+            <a:chExt cx="11270574" cy="553998"/>
+          </a:xfrm>
+        </p:grpSpPr>
+        <p:sp>
+          <p:nvSpPr>
+            <p:cNvPr id="4" name="TextBox 3">
+              <a:extLst>
+                <a:ext uri="{FF2B5EF4-FFF2-40B4-BE49-F238E27FC236}">
+                  <a16:creationId xmlns:a16="http://schemas.microsoft.com/office/drawing/2014/main" id="{C1AA725D-499F-764F-9716-299E65AF1CDB}"/>
+                </a:ext>
+              </a:extLst>
+            </p:cNvPr>
+            <p:cNvSpPr txBox="1"/>
+            <p:nvPr/>
+          </p:nvSpPr>
+          <p:spPr>
+            <a:xfrm>
+              <a:off x="460713" y="332656"/>
+              <a:ext cx="5103961" cy="553998"/>
+            </a:xfrm>
+            <a:prstGeom prst="rect">
+              <a:avLst/>
+            </a:prstGeom>
+            <a:noFill/>
+          </p:spPr>
+          <p:txBody>
+            <a:bodyPr wrap="none" lIns="0" tIns="0" rIns="0" bIns="0" rtlCol="0">
+              <a:spAutoFit/>
+            </a:bodyPr>
+            <a:lstStyle/>
+            <a:p>
+              <a:r>
+                <a:rPr lang="en-US" sz="3600" b="1" dirty="0">
+                  <a:latin typeface="Arial" panose="020B0604020202020204" pitchFamily="34" charset="0"/>
+                  <a:cs typeface="Arial" panose="020B0604020202020204" pitchFamily="34" charset="0"/>
+                </a:rPr>
+                <a:t>Modeling </a:t>
+              </a:r>
+              <a:r>
+                <a:rPr lang="en-US" sz="3600" b="1" dirty="0">
+                  <a:solidFill>
+                    <a:schemeClr val="bg1">
+                      <a:lumMod val="65000"/>
+                    </a:schemeClr>
+                  </a:solidFill>
+                  <a:latin typeface="Arial" panose="020B0604020202020204" pitchFamily="34" charset="0"/>
+                  <a:cs typeface="Arial" panose="020B0604020202020204" pitchFamily="34" charset="0"/>
+                </a:rPr>
+                <a:t>(Hierarchical)</a:t>
+              </a:r>
+            </a:p>
+          </p:txBody>
+        </p:sp>
+        <p:cxnSp>
+          <p:nvCxnSpPr>
+            <p:cNvPr id="5" name="Straight Connector 4">
+              <a:extLst>
+                <a:ext uri="{FF2B5EF4-FFF2-40B4-BE49-F238E27FC236}">
+                  <a16:creationId xmlns:a16="http://schemas.microsoft.com/office/drawing/2014/main" id="{2C33E258-DEC9-CA46-B975-07B9968A3786}"/>
+                </a:ext>
+              </a:extLst>
+            </p:cNvPr>
+            <p:cNvCxnSpPr>
+              <a:cxnSpLocks/>
+            </p:cNvCxnSpPr>
+            <p:nvPr/>
+          </p:nvCxnSpPr>
+          <p:spPr>
+            <a:xfrm>
+              <a:off x="460714" y="886654"/>
+              <a:ext cx="11270573" cy="0"/>
+            </a:xfrm>
+            <a:prstGeom prst="line">
+              <a:avLst/>
+            </a:prstGeom>
+            <a:ln w="38100">
+              <a:solidFill>
+                <a:schemeClr val="tx1"/>
+              </a:solidFill>
+            </a:ln>
+          </p:spPr>
+          <p:style>
+            <a:lnRef idx="1">
+              <a:schemeClr val="accent1"/>
+            </a:lnRef>
+            <a:fillRef idx="0">
+              <a:schemeClr val="accent1"/>
+            </a:fillRef>
+            <a:effectRef idx="0">
+              <a:schemeClr val="accent1"/>
+            </a:effectRef>
+            <a:fontRef idx="minor">
+              <a:schemeClr val="tx1"/>
+            </a:fontRef>
+          </p:style>
+        </p:cxnSp>
+      </p:grpSp>
+      <p:sp>
+        <p:nvSpPr>
+          <p:cNvPr id="7" name="TextBox 6">
+            <a:extLst>
+              <a:ext uri="{FF2B5EF4-FFF2-40B4-BE49-F238E27FC236}">
+                <a16:creationId xmlns:a16="http://schemas.microsoft.com/office/drawing/2014/main" id="{902ED7D7-480B-CC43-B9BF-217F10FDB8D6}"/>
+              </a:ext>
+            </a:extLst>
+          </p:cNvPr>
+          <p:cNvSpPr txBox="1"/>
+          <p:nvPr/>
+        </p:nvSpPr>
+        <p:spPr>
+          <a:xfrm>
+            <a:off x="9429052" y="426230"/>
+            <a:ext cx="2109552" cy="369332"/>
+          </a:xfrm>
+          <a:prstGeom prst="rect">
+            <a:avLst/>
+          </a:prstGeom>
+          <a:noFill/>
+        </p:spPr>
+        <p:txBody>
+          <a:bodyPr wrap="none" lIns="0" tIns="0" rIns="0" bIns="0" rtlCol="0">
+            <a:spAutoFit/>
+          </a:bodyPr>
+          <a:lstStyle/>
+          <a:p>
+            <a:pPr algn="l"/>
+            <a:r>
+              <a:rPr lang="en-US" sz="2400" b="1" dirty="0">
+                <a:solidFill>
+                  <a:schemeClr val="bg1">
+                    <a:lumMod val="65000"/>
+                  </a:schemeClr>
+                </a:solidFill>
+                <a:latin typeface="Arial" panose="020B0604020202020204" pitchFamily="34" charset="0"/>
+                <a:cs typeface="Arial" panose="020B0604020202020204" pitchFamily="34" charset="0"/>
+              </a:rPr>
+              <a:t>PRELIMINARY</a:t>
+            </a:r>
+          </a:p>
+        </p:txBody>
+      </p:sp>
+      <p:grpSp>
+        <p:nvGrpSpPr>
+          <p:cNvPr id="8" name="Group 7">
+            <a:extLst>
+              <a:ext uri="{FF2B5EF4-FFF2-40B4-BE49-F238E27FC236}">
+                <a16:creationId xmlns:a16="http://schemas.microsoft.com/office/drawing/2014/main" id="{47339172-5C6C-984A-B4CA-A82FAE44F553}"/>
+              </a:ext>
+            </a:extLst>
+          </p:cNvPr>
+          <p:cNvGrpSpPr/>
+          <p:nvPr/>
+        </p:nvGrpSpPr>
+        <p:grpSpPr>
+          <a:xfrm>
+            <a:off x="460713" y="1089549"/>
+            <a:ext cx="5209425" cy="373028"/>
+            <a:chOff x="443052" y="1217076"/>
+            <a:chExt cx="5209425" cy="373028"/>
+          </a:xfrm>
+        </p:grpSpPr>
+        <p:sp>
+          <p:nvSpPr>
+            <p:cNvPr id="9" name="TextBox 8">
+              <a:extLst>
+                <a:ext uri="{FF2B5EF4-FFF2-40B4-BE49-F238E27FC236}">
+                  <a16:creationId xmlns:a16="http://schemas.microsoft.com/office/drawing/2014/main" id="{E87CF7EC-6E1C-6F42-A95D-C99224F414C9}"/>
+                </a:ext>
+              </a:extLst>
+            </p:cNvPr>
+            <p:cNvSpPr txBox="1"/>
+            <p:nvPr/>
+          </p:nvSpPr>
+          <p:spPr>
+            <a:xfrm>
+              <a:off x="443052" y="1217076"/>
+              <a:ext cx="3736600" cy="369332"/>
+            </a:xfrm>
+            <a:prstGeom prst="rect">
+              <a:avLst/>
+            </a:prstGeom>
+            <a:noFill/>
+          </p:spPr>
+          <p:txBody>
+            <a:bodyPr wrap="none" lIns="0" tIns="0" rIns="0" bIns="0" rtlCol="0">
+              <a:spAutoFit/>
+            </a:bodyPr>
+            <a:lstStyle/>
+            <a:p>
+              <a:pPr algn="l"/>
+              <a:r>
+                <a:rPr lang="en-US" sz="2400" b="1" dirty="0">
+                  <a:solidFill>
+                    <a:srgbClr val="03529B"/>
+                  </a:solidFill>
+                  <a:latin typeface="Arial" panose="020B0604020202020204" pitchFamily="34" charset="0"/>
+                  <a:cs typeface="Arial" panose="020B0604020202020204" pitchFamily="34" charset="0"/>
+                </a:rPr>
+                <a:t>Log(price) ~ mean effects</a:t>
+              </a:r>
+              <a:endParaRPr lang="en-US" sz="2400" b="1" dirty="0">
+                <a:solidFill>
+                  <a:schemeClr val="bg1">
+                    <a:lumMod val="65000"/>
+                  </a:schemeClr>
+                </a:solidFill>
+                <a:latin typeface="Arial" panose="020B0604020202020204" pitchFamily="34" charset="0"/>
+                <a:cs typeface="Arial" panose="020B0604020202020204" pitchFamily="34" charset="0"/>
+              </a:endParaRPr>
+            </a:p>
+          </p:txBody>
+        </p:sp>
+        <p:cxnSp>
+          <p:nvCxnSpPr>
+            <p:cNvPr id="10" name="Straight Connector 9">
+              <a:extLst>
+                <a:ext uri="{FF2B5EF4-FFF2-40B4-BE49-F238E27FC236}">
+                  <a16:creationId xmlns:a16="http://schemas.microsoft.com/office/drawing/2014/main" id="{09BA401E-B7D9-784B-A59A-4C74F0770EF0}"/>
+                </a:ext>
+              </a:extLst>
+            </p:cNvPr>
+            <p:cNvCxnSpPr>
+              <a:cxnSpLocks/>
+            </p:cNvCxnSpPr>
+            <p:nvPr/>
+          </p:nvCxnSpPr>
+          <p:spPr>
+            <a:xfrm>
+              <a:off x="443052" y="1590104"/>
+              <a:ext cx="5209425" cy="0"/>
+            </a:xfrm>
+            <a:prstGeom prst="line">
+              <a:avLst/>
+            </a:prstGeom>
+            <a:ln w="28575">
+              <a:solidFill>
+                <a:srgbClr val="03529B"/>
+              </a:solidFill>
+            </a:ln>
+          </p:spPr>
+          <p:style>
+            <a:lnRef idx="1">
+              <a:schemeClr val="accent1"/>
+            </a:lnRef>
+            <a:fillRef idx="0">
+              <a:schemeClr val="accent1"/>
+            </a:fillRef>
+            <a:effectRef idx="0">
+              <a:schemeClr val="accent1"/>
+            </a:effectRef>
+            <a:fontRef idx="minor">
+              <a:schemeClr val="tx1"/>
+            </a:fontRef>
+          </p:style>
+        </p:cxnSp>
+      </p:grpSp>
+      <p:grpSp>
+        <p:nvGrpSpPr>
+          <p:cNvPr id="24" name="Group 23">
+            <a:extLst>
+              <a:ext uri="{FF2B5EF4-FFF2-40B4-BE49-F238E27FC236}">
+                <a16:creationId xmlns:a16="http://schemas.microsoft.com/office/drawing/2014/main" id="{66BA9E83-F2FE-9245-BF1A-49A6E17FF3E5}"/>
+              </a:ext>
+            </a:extLst>
+          </p:cNvPr>
+          <p:cNvGrpSpPr/>
+          <p:nvPr/>
+        </p:nvGrpSpPr>
+        <p:grpSpPr>
+          <a:xfrm>
+            <a:off x="6521539" y="1093245"/>
+            <a:ext cx="5209425" cy="369332"/>
+            <a:chOff x="443052" y="1230458"/>
+            <a:chExt cx="5209425" cy="369332"/>
+          </a:xfrm>
+        </p:grpSpPr>
+        <p:sp>
+          <p:nvSpPr>
+            <p:cNvPr id="25" name="TextBox 24">
+              <a:extLst>
+                <a:ext uri="{FF2B5EF4-FFF2-40B4-BE49-F238E27FC236}">
+                  <a16:creationId xmlns:a16="http://schemas.microsoft.com/office/drawing/2014/main" id="{B32EFEF8-71FD-4243-81D3-A1FAD7A1C90E}"/>
+                </a:ext>
+              </a:extLst>
+            </p:cNvPr>
+            <p:cNvSpPr txBox="1"/>
+            <p:nvPr/>
+          </p:nvSpPr>
+          <p:spPr>
+            <a:xfrm>
+              <a:off x="451561" y="1230458"/>
+              <a:ext cx="2168863" cy="369332"/>
+            </a:xfrm>
+            <a:prstGeom prst="rect">
+              <a:avLst/>
+            </a:prstGeom>
+            <a:noFill/>
+          </p:spPr>
+          <p:txBody>
+            <a:bodyPr wrap="none" lIns="0" tIns="0" rIns="0" bIns="0" rtlCol="0">
+              <a:spAutoFit/>
+            </a:bodyPr>
+            <a:lstStyle/>
+            <a:p>
+              <a:pPr algn="l"/>
+              <a:r>
+                <a:rPr lang="en-US" sz="2400" b="1" dirty="0">
+                  <a:solidFill>
+                    <a:srgbClr val="03529B"/>
+                  </a:solidFill>
+                  <a:latin typeface="Arial" panose="020B0604020202020204" pitchFamily="34" charset="0"/>
+                  <a:cs typeface="Arial" panose="020B0604020202020204" pitchFamily="34" charset="0"/>
+                </a:rPr>
+                <a:t>Prediction Plot</a:t>
+              </a:r>
+            </a:p>
+          </p:txBody>
+        </p:sp>
+        <p:cxnSp>
+          <p:nvCxnSpPr>
+            <p:cNvPr id="26" name="Straight Connector 25">
+              <a:extLst>
+                <a:ext uri="{FF2B5EF4-FFF2-40B4-BE49-F238E27FC236}">
+                  <a16:creationId xmlns:a16="http://schemas.microsoft.com/office/drawing/2014/main" id="{833A25C8-1119-3346-B59A-785EA0C60B9F}"/>
+                </a:ext>
+              </a:extLst>
+            </p:cNvPr>
+            <p:cNvCxnSpPr>
+              <a:cxnSpLocks/>
+            </p:cNvCxnSpPr>
+            <p:nvPr/>
+          </p:nvCxnSpPr>
+          <p:spPr>
+            <a:xfrm>
+              <a:off x="443052" y="1590104"/>
+              <a:ext cx="5209425" cy="0"/>
+            </a:xfrm>
+            <a:prstGeom prst="line">
+              <a:avLst/>
+            </a:prstGeom>
+            <a:ln w="28575">
+              <a:solidFill>
+                <a:srgbClr val="03529B"/>
+              </a:solidFill>
+            </a:ln>
+          </p:spPr>
+          <p:style>
+            <a:lnRef idx="1">
+              <a:schemeClr val="accent1"/>
+            </a:lnRef>
+            <a:fillRef idx="0">
+              <a:schemeClr val="accent1"/>
+            </a:fillRef>
+            <a:effectRef idx="0">
+              <a:schemeClr val="accent1"/>
+            </a:effectRef>
+            <a:fontRef idx="minor">
+              <a:schemeClr val="tx1"/>
+            </a:fontRef>
+          </p:style>
+        </p:cxnSp>
+      </p:grpSp>
+    </p:spTree>
+    <p:extLst>
+      <p:ext uri="{BB962C8B-B14F-4D97-AF65-F5344CB8AC3E}">
+        <p14:creationId xmlns:p14="http://schemas.microsoft.com/office/powerpoint/2010/main" val="2913851417"/>
+      </p:ext>
+    </p:extLst>
+  </p:cSld>
+  <p:clrMapOvr>
+    <a:masterClrMapping/>
+  </p:clrMapOvr>
+</p:sld>
+</file>
+
+<file path=ppt/slides/slide9.xml><?xml version="1.0" encoding="utf-8"?>
 <p:sld xmlns:a="http://schemas.openxmlformats.org/drawingml/2006/main" xmlns:r="http://schemas.openxmlformats.org/officeDocument/2006/relationships" xmlns:p="http://schemas.openxmlformats.org/presentationml/2006/main" show="0">
   <p:cSld>
     <p:spTree>
@@ -6621,7 +9824,7 @@
           <a:p>
             <a:fld id="{2D00CA07-45C7-8142-9F4D-3A07AD48DFA1}" type="slidenum">
               <a:rPr lang="en-US" smtClean="0"/>
-              <a:t>7</a:t>
+              <a:t>9</a:t>
             </a:fld>
             <a:endParaRPr lang="en-US"/>
           </a:p>

--- a/documents/slide_deck.pptx
+++ b/documents/slide_deck.pptx
@@ -5,7 +5,7 @@
     <p:sldMasterId id="2147483648" r:id="rId1"/>
   </p:sldMasterIdLst>
   <p:notesMasterIdLst>
-    <p:notesMasterId r:id="rId11"/>
+    <p:notesMasterId r:id="rId12"/>
   </p:notesMasterIdLst>
   <p:sldIdLst>
     <p:sldId id="256" r:id="rId2"/>
@@ -16,7 +16,8 @@
     <p:sldId id="276" r:id="rId7"/>
     <p:sldId id="277" r:id="rId8"/>
     <p:sldId id="279" r:id="rId9"/>
-    <p:sldId id="272" r:id="rId10"/>
+    <p:sldId id="280" r:id="rId10"/>
+    <p:sldId id="272" r:id="rId11"/>
   </p:sldIdLst>
   <p:sldSz cx="12192000" cy="6858000"/>
   <p:notesSz cx="6858000" cy="9144000"/>
@@ -3964,6 +3965,252 @@
     <p:extLst>
       <p:ext uri="{BB962C8B-B14F-4D97-AF65-F5344CB8AC3E}">
         <p14:creationId xmlns:p14="http://schemas.microsoft.com/office/powerpoint/2010/main" val="3005639951"/>
+      </p:ext>
+    </p:extLst>
+  </p:cSld>
+  <p:clrMapOvr>
+    <a:masterClrMapping/>
+  </p:clrMapOvr>
+</p:sld>
+</file>
+
+<file path=ppt/slides/slide10.xml><?xml version="1.0" encoding="utf-8"?>
+<p:sld xmlns:a="http://schemas.openxmlformats.org/drawingml/2006/main" xmlns:r="http://schemas.openxmlformats.org/officeDocument/2006/relationships" xmlns:p="http://schemas.openxmlformats.org/presentationml/2006/main" show="0">
+  <p:cSld>
+    <p:spTree>
+      <p:nvGrpSpPr>
+        <p:cNvPr id="1" name=""/>
+        <p:cNvGrpSpPr/>
+        <p:nvPr/>
+      </p:nvGrpSpPr>
+      <p:grpSpPr>
+        <a:xfrm>
+          <a:off x="0" y="0"/>
+          <a:ext cx="0" cy="0"/>
+          <a:chOff x="0" y="0"/>
+          <a:chExt cx="0" cy="0"/>
+        </a:xfrm>
+      </p:grpSpPr>
+      <p:sp>
+        <p:nvSpPr>
+          <p:cNvPr id="2" name="Slide Number Placeholder 1">
+            <a:extLst>
+              <a:ext uri="{FF2B5EF4-FFF2-40B4-BE49-F238E27FC236}">
+                <a16:creationId xmlns:a16="http://schemas.microsoft.com/office/drawing/2014/main" id="{9B12371F-989E-EE43-B20F-90E48B433F0A}"/>
+              </a:ext>
+            </a:extLst>
+          </p:cNvPr>
+          <p:cNvSpPr>
+            <a:spLocks noGrp="1"/>
+          </p:cNvSpPr>
+          <p:nvPr>
+            <p:ph type="sldNum" sz="quarter" idx="12"/>
+          </p:nvPr>
+        </p:nvSpPr>
+        <p:spPr/>
+        <p:txBody>
+          <a:bodyPr/>
+          <a:lstStyle/>
+          <a:p>
+            <a:fld id="{2D00CA07-45C7-8142-9F4D-3A07AD48DFA1}" type="slidenum">
+              <a:rPr lang="en-US" smtClean="0"/>
+              <a:t>10</a:t>
+            </a:fld>
+            <a:endParaRPr lang="en-US"/>
+          </a:p>
+        </p:txBody>
+      </p:sp>
+      <p:sp>
+        <p:nvSpPr>
+          <p:cNvPr id="3" name="TextBox 2">
+            <a:extLst>
+              <a:ext uri="{FF2B5EF4-FFF2-40B4-BE49-F238E27FC236}">
+                <a16:creationId xmlns:a16="http://schemas.microsoft.com/office/drawing/2014/main" id="{2B4E9B55-4425-2740-A108-76FF69BA3D12}"/>
+              </a:ext>
+            </a:extLst>
+          </p:cNvPr>
+          <p:cNvSpPr txBox="1"/>
+          <p:nvPr/>
+        </p:nvSpPr>
+        <p:spPr>
+          <a:xfrm>
+            <a:off x="460713" y="332656"/>
+            <a:ext cx="2915542" cy="553998"/>
+          </a:xfrm>
+          <a:prstGeom prst="rect">
+            <a:avLst/>
+          </a:prstGeom>
+          <a:noFill/>
+        </p:spPr>
+        <p:txBody>
+          <a:bodyPr wrap="none" lIns="0" tIns="0" rIns="0" bIns="0" rtlCol="0">
+            <a:spAutoFit/>
+          </a:bodyPr>
+          <a:lstStyle/>
+          <a:p>
+            <a:r>
+              <a:rPr lang="en-US" sz="3600" b="1" dirty="0">
+                <a:latin typeface="Arial" panose="020B0604020202020204" pitchFamily="34" charset="0"/>
+                <a:cs typeface="Arial" panose="020B0604020202020204" pitchFamily="34" charset="0"/>
+              </a:rPr>
+              <a:t>This is a Title</a:t>
+            </a:r>
+          </a:p>
+        </p:txBody>
+      </p:sp>
+      <p:cxnSp>
+        <p:nvCxnSpPr>
+          <p:cNvPr id="4" name="Straight Connector 3">
+            <a:extLst>
+              <a:ext uri="{FF2B5EF4-FFF2-40B4-BE49-F238E27FC236}">
+                <a16:creationId xmlns:a16="http://schemas.microsoft.com/office/drawing/2014/main" id="{CFDF23E1-C7BD-4C48-9E8A-53704A4D662C}"/>
+              </a:ext>
+            </a:extLst>
+          </p:cNvPr>
+          <p:cNvCxnSpPr>
+            <a:cxnSpLocks/>
+          </p:cNvCxnSpPr>
+          <p:nvPr/>
+        </p:nvCxnSpPr>
+        <p:spPr>
+          <a:xfrm>
+            <a:off x="460714" y="886654"/>
+            <a:ext cx="11270573" cy="0"/>
+          </a:xfrm>
+          <a:prstGeom prst="line">
+            <a:avLst/>
+          </a:prstGeom>
+          <a:ln w="38100">
+            <a:solidFill>
+              <a:schemeClr val="tx1"/>
+            </a:solidFill>
+          </a:ln>
+        </p:spPr>
+        <p:style>
+          <a:lnRef idx="1">
+            <a:schemeClr val="accent1"/>
+          </a:lnRef>
+          <a:fillRef idx="0">
+            <a:schemeClr val="accent1"/>
+          </a:fillRef>
+          <a:effectRef idx="0">
+            <a:schemeClr val="accent1"/>
+          </a:effectRef>
+          <a:fontRef idx="minor">
+            <a:schemeClr val="tx1"/>
+          </a:fontRef>
+        </p:style>
+      </p:cxnSp>
+      <p:grpSp>
+        <p:nvGrpSpPr>
+          <p:cNvPr id="7" name="Group 6">
+            <a:extLst>
+              <a:ext uri="{FF2B5EF4-FFF2-40B4-BE49-F238E27FC236}">
+                <a16:creationId xmlns:a16="http://schemas.microsoft.com/office/drawing/2014/main" id="{62FA20A8-1F90-4D4B-B443-CB088222C0FB}"/>
+              </a:ext>
+            </a:extLst>
+          </p:cNvPr>
+          <p:cNvGrpSpPr/>
+          <p:nvPr/>
+        </p:nvGrpSpPr>
+        <p:grpSpPr>
+          <a:xfrm>
+            <a:off x="443052" y="1217076"/>
+            <a:ext cx="5209425" cy="373028"/>
+            <a:chOff x="443052" y="1217076"/>
+            <a:chExt cx="5209425" cy="373028"/>
+          </a:xfrm>
+        </p:grpSpPr>
+        <p:sp>
+          <p:nvSpPr>
+            <p:cNvPr id="5" name="TextBox 4">
+              <a:extLst>
+                <a:ext uri="{FF2B5EF4-FFF2-40B4-BE49-F238E27FC236}">
+                  <a16:creationId xmlns:a16="http://schemas.microsoft.com/office/drawing/2014/main" id="{4867D2EF-ABA2-0745-8963-662DD57C2854}"/>
+                </a:ext>
+              </a:extLst>
+            </p:cNvPr>
+            <p:cNvSpPr txBox="1"/>
+            <p:nvPr/>
+          </p:nvSpPr>
+          <p:spPr>
+            <a:xfrm>
+              <a:off x="443052" y="1217076"/>
+              <a:ext cx="1489190" cy="369332"/>
+            </a:xfrm>
+            <a:prstGeom prst="rect">
+              <a:avLst/>
+            </a:prstGeom>
+            <a:noFill/>
+          </p:spPr>
+          <p:txBody>
+            <a:bodyPr wrap="none" lIns="0" tIns="0" rIns="0" bIns="0" rtlCol="0">
+              <a:spAutoFit/>
+            </a:bodyPr>
+            <a:lstStyle/>
+            <a:p>
+              <a:pPr algn="l"/>
+              <a:r>
+                <a:rPr lang="en-US" sz="2400" b="1" dirty="0">
+                  <a:solidFill>
+                    <a:srgbClr val="03529B"/>
+                  </a:solidFill>
+                  <a:latin typeface="Arial" panose="020B0604020202020204" pitchFamily="34" charset="0"/>
+                  <a:cs typeface="Arial" panose="020B0604020202020204" pitchFamily="34" charset="0"/>
+                </a:rPr>
+                <a:t>Univariate</a:t>
+              </a:r>
+            </a:p>
+          </p:txBody>
+        </p:sp>
+        <p:cxnSp>
+          <p:nvCxnSpPr>
+            <p:cNvPr id="6" name="Straight Connector 5">
+              <a:extLst>
+                <a:ext uri="{FF2B5EF4-FFF2-40B4-BE49-F238E27FC236}">
+                  <a16:creationId xmlns:a16="http://schemas.microsoft.com/office/drawing/2014/main" id="{E5600007-C5AE-0C43-AEF1-92291D85FCA6}"/>
+                </a:ext>
+              </a:extLst>
+            </p:cNvPr>
+            <p:cNvCxnSpPr>
+              <a:cxnSpLocks/>
+            </p:cNvCxnSpPr>
+            <p:nvPr/>
+          </p:nvCxnSpPr>
+          <p:spPr>
+            <a:xfrm>
+              <a:off x="443052" y="1590104"/>
+              <a:ext cx="5209425" cy="0"/>
+            </a:xfrm>
+            <a:prstGeom prst="line">
+              <a:avLst/>
+            </a:prstGeom>
+            <a:ln w="28575">
+              <a:solidFill>
+                <a:srgbClr val="03529B"/>
+              </a:solidFill>
+            </a:ln>
+          </p:spPr>
+          <p:style>
+            <a:lnRef idx="1">
+              <a:schemeClr val="accent1"/>
+            </a:lnRef>
+            <a:fillRef idx="0">
+              <a:schemeClr val="accent1"/>
+            </a:fillRef>
+            <a:effectRef idx="0">
+              <a:schemeClr val="accent1"/>
+            </a:effectRef>
+            <a:fontRef idx="minor">
+              <a:schemeClr val="tx1"/>
+            </a:fontRef>
+          </p:style>
+        </p:cxnSp>
+      </p:grpSp>
+    </p:spTree>
+    <p:extLst>
+      <p:ext uri="{BB962C8B-B14F-4D97-AF65-F5344CB8AC3E}">
+        <p14:creationId xmlns:p14="http://schemas.microsoft.com/office/powerpoint/2010/main" val="829003252"/>
       </p:ext>
     </p:extLst>
   </p:cSld>
@@ -9520,7 +9767,7 @@
         </p:nvSpPr>
         <p:spPr>
           <a:xfrm>
-            <a:off x="9429052" y="426230"/>
+            <a:off x="9581176" y="418870"/>
             <a:ext cx="2109552" cy="369332"/>
           </a:xfrm>
           <a:prstGeom prst="rect">
@@ -9785,7 +10032,7 @@
 </file>
 
 <file path=ppt/slides/slide9.xml><?xml version="1.0" encoding="utf-8"?>
-<p:sld xmlns:a="http://schemas.openxmlformats.org/drawingml/2006/main" xmlns:r="http://schemas.openxmlformats.org/officeDocument/2006/relationships" xmlns:p="http://schemas.openxmlformats.org/presentationml/2006/main" show="0">
+<p:sld xmlns:a="http://schemas.openxmlformats.org/drawingml/2006/main" xmlns:r="http://schemas.openxmlformats.org/officeDocument/2006/relationships" xmlns:p="http://schemas.openxmlformats.org/presentationml/2006/main">
   <p:cSld>
     <p:spTree>
       <p:nvGrpSpPr>
@@ -9803,10 +10050,57 @@
       </p:grpSpPr>
       <p:sp>
         <p:nvSpPr>
+          <p:cNvPr id="14" name="Rounded Rectangle 13">
+            <a:extLst>
+              <a:ext uri="{FF2B5EF4-FFF2-40B4-BE49-F238E27FC236}">
+                <a16:creationId xmlns:a16="http://schemas.microsoft.com/office/drawing/2014/main" id="{89A92B00-E17C-CF4C-817D-9C1DCCC829C7}"/>
+              </a:ext>
+            </a:extLst>
+          </p:cNvPr>
+          <p:cNvSpPr/>
+          <p:nvPr/>
+        </p:nvSpPr>
+        <p:spPr>
+          <a:xfrm>
+            <a:off x="263352" y="6021288"/>
+            <a:ext cx="1368152" cy="517624"/>
+          </a:xfrm>
+          <a:prstGeom prst="roundRect">
+            <a:avLst/>
+          </a:prstGeom>
+          <a:ln>
+            <a:noFill/>
+          </a:ln>
+        </p:spPr>
+        <p:style>
+          <a:lnRef idx="2">
+            <a:schemeClr val="accent6"/>
+          </a:lnRef>
+          <a:fillRef idx="1">
+            <a:schemeClr val="lt1"/>
+          </a:fillRef>
+          <a:effectRef idx="0">
+            <a:schemeClr val="accent6"/>
+          </a:effectRef>
+          <a:fontRef idx="minor">
+            <a:schemeClr val="dk1"/>
+          </a:fontRef>
+        </p:style>
+        <p:txBody>
+          <a:bodyPr rtlCol="0" anchor="ctr"/>
+          <a:lstStyle/>
+          <a:p>
+            <a:pPr algn="ctr"/>
+            <a:endParaRPr lang="en-US"/>
+          </a:p>
+        </p:txBody>
+      </p:sp>
+      <p:sp>
+        <p:nvSpPr>
           <p:cNvPr id="2" name="Slide Number Placeholder 1">
             <a:extLst>
               <a:ext uri="{FF2B5EF4-FFF2-40B4-BE49-F238E27FC236}">
-                <a16:creationId xmlns:a16="http://schemas.microsoft.com/office/drawing/2014/main" id="{9B12371F-989E-EE43-B20F-90E48B433F0A}"/>
+                <a16:creationId xmlns:a16="http://schemas.microsoft.com/office/drawing/2014/main" id="{1833D3C8-F2AB-A14D-B100-87C0BF61F1B4}"/>
               </a:ext>
             </a:extLst>
           </p:cNvPr>
@@ -9830,12 +10124,126 @@
           </a:p>
         </p:txBody>
       </p:sp>
+      <p:grpSp>
+        <p:nvGrpSpPr>
+          <p:cNvPr id="3" name="Group 2">
+            <a:extLst>
+              <a:ext uri="{FF2B5EF4-FFF2-40B4-BE49-F238E27FC236}">
+                <a16:creationId xmlns:a16="http://schemas.microsoft.com/office/drawing/2014/main" id="{F42B4E15-6242-D541-9199-7FA44EE8F4D3}"/>
+              </a:ext>
+            </a:extLst>
+          </p:cNvPr>
+          <p:cNvGrpSpPr/>
+          <p:nvPr/>
+        </p:nvGrpSpPr>
+        <p:grpSpPr>
+          <a:xfrm>
+            <a:off x="460713" y="332656"/>
+            <a:ext cx="11270574" cy="553998"/>
+            <a:chOff x="460713" y="332656"/>
+            <a:chExt cx="11270574" cy="553998"/>
+          </a:xfrm>
+        </p:grpSpPr>
+        <p:sp>
+          <p:nvSpPr>
+            <p:cNvPr id="4" name="TextBox 3">
+              <a:extLst>
+                <a:ext uri="{FF2B5EF4-FFF2-40B4-BE49-F238E27FC236}">
+                  <a16:creationId xmlns:a16="http://schemas.microsoft.com/office/drawing/2014/main" id="{C1AA725D-499F-764F-9716-299E65AF1CDB}"/>
+                </a:ext>
+              </a:extLst>
+            </p:cNvPr>
+            <p:cNvSpPr txBox="1"/>
+            <p:nvPr/>
+          </p:nvSpPr>
+          <p:spPr>
+            <a:xfrm>
+              <a:off x="460713" y="332656"/>
+              <a:ext cx="5103961" cy="553998"/>
+            </a:xfrm>
+            <a:prstGeom prst="rect">
+              <a:avLst/>
+            </a:prstGeom>
+            <a:noFill/>
+          </p:spPr>
+          <p:txBody>
+            <a:bodyPr wrap="none" lIns="0" tIns="0" rIns="0" bIns="0" rtlCol="0">
+              <a:spAutoFit/>
+            </a:bodyPr>
+            <a:lstStyle/>
+            <a:p>
+              <a:r>
+                <a:rPr lang="en-US" sz="3600" b="1" dirty="0">
+                  <a:latin typeface="Arial" panose="020B0604020202020204" pitchFamily="34" charset="0"/>
+                  <a:cs typeface="Arial" panose="020B0604020202020204" pitchFamily="34" charset="0"/>
+                </a:rPr>
+                <a:t>Modeling </a:t>
+              </a:r>
+              <a:r>
+                <a:rPr lang="en-US" sz="3600" b="1" dirty="0">
+                  <a:solidFill>
+                    <a:schemeClr val="bg1">
+                      <a:lumMod val="65000"/>
+                    </a:schemeClr>
+                  </a:solidFill>
+                  <a:latin typeface="Arial" panose="020B0604020202020204" pitchFamily="34" charset="0"/>
+                  <a:cs typeface="Arial" panose="020B0604020202020204" pitchFamily="34" charset="0"/>
+                </a:rPr>
+                <a:t>(Hierarchical)</a:t>
+              </a:r>
+            </a:p>
+          </p:txBody>
+        </p:sp>
+        <p:cxnSp>
+          <p:nvCxnSpPr>
+            <p:cNvPr id="5" name="Straight Connector 4">
+              <a:extLst>
+                <a:ext uri="{FF2B5EF4-FFF2-40B4-BE49-F238E27FC236}">
+                  <a16:creationId xmlns:a16="http://schemas.microsoft.com/office/drawing/2014/main" id="{2C33E258-DEC9-CA46-B975-07B9968A3786}"/>
+                </a:ext>
+              </a:extLst>
+            </p:cNvPr>
+            <p:cNvCxnSpPr>
+              <a:cxnSpLocks/>
+            </p:cNvCxnSpPr>
+            <p:nvPr/>
+          </p:nvCxnSpPr>
+          <p:spPr>
+            <a:xfrm>
+              <a:off x="460714" y="886654"/>
+              <a:ext cx="11270573" cy="0"/>
+            </a:xfrm>
+            <a:prstGeom prst="line">
+              <a:avLst/>
+            </a:prstGeom>
+            <a:ln w="38100">
+              <a:solidFill>
+                <a:schemeClr val="tx1"/>
+              </a:solidFill>
+            </a:ln>
+          </p:spPr>
+          <p:style>
+            <a:lnRef idx="1">
+              <a:schemeClr val="accent1"/>
+            </a:lnRef>
+            <a:fillRef idx="0">
+              <a:schemeClr val="accent1"/>
+            </a:fillRef>
+            <a:effectRef idx="0">
+              <a:schemeClr val="accent1"/>
+            </a:effectRef>
+            <a:fontRef idx="minor">
+              <a:schemeClr val="tx1"/>
+            </a:fontRef>
+          </p:style>
+        </p:cxnSp>
+      </p:grpSp>
       <p:sp>
         <p:nvSpPr>
-          <p:cNvPr id="3" name="TextBox 2">
-            <a:extLst>
-              <a:ext uri="{FF2B5EF4-FFF2-40B4-BE49-F238E27FC236}">
-                <a16:creationId xmlns:a16="http://schemas.microsoft.com/office/drawing/2014/main" id="{2B4E9B55-4425-2740-A108-76FF69BA3D12}"/>
+          <p:cNvPr id="7" name="TextBox 6">
+            <a:extLst>
+              <a:ext uri="{FF2B5EF4-FFF2-40B4-BE49-F238E27FC236}">
+                <a16:creationId xmlns:a16="http://schemas.microsoft.com/office/drawing/2014/main" id="{902ED7D7-480B-CC43-B9BF-217F10FDB8D6}"/>
               </a:ext>
             </a:extLst>
           </p:cNvPr>
@@ -9844,8 +10252,8 @@
         </p:nvSpPr>
         <p:spPr>
           <a:xfrm>
-            <a:off x="460713" y="332656"/>
-            <a:ext cx="2915542" cy="553998"/>
+            <a:off x="9581176" y="418870"/>
+            <a:ext cx="2109552" cy="369332"/>
           </a:xfrm>
           <a:prstGeom prst="rect">
             <a:avLst/>
@@ -9858,65 +10266,58 @@
           </a:bodyPr>
           <a:lstStyle/>
           <a:p>
+            <a:pPr algn="l"/>
             <a:r>
-              <a:rPr lang="en-US" sz="3600" b="1" dirty="0">
+              <a:rPr lang="en-US" sz="2400" b="1" dirty="0">
+                <a:solidFill>
+                  <a:schemeClr val="bg1">
+                    <a:lumMod val="65000"/>
+                  </a:schemeClr>
+                </a:solidFill>
                 <a:latin typeface="Arial" panose="020B0604020202020204" pitchFamily="34" charset="0"/>
                 <a:cs typeface="Arial" panose="020B0604020202020204" pitchFamily="34" charset="0"/>
               </a:rPr>
-              <a:t>This is a Title</a:t>
+              <a:t>PRELIMINARY</a:t>
             </a:r>
           </a:p>
         </p:txBody>
       </p:sp>
-      <p:cxnSp>
-        <p:nvCxnSpPr>
-          <p:cNvPr id="4" name="Straight Connector 3">
-            <a:extLst>
-              <a:ext uri="{FF2B5EF4-FFF2-40B4-BE49-F238E27FC236}">
-                <a16:creationId xmlns:a16="http://schemas.microsoft.com/office/drawing/2014/main" id="{CFDF23E1-C7BD-4C48-9E8A-53704A4D662C}"/>
-              </a:ext>
-            </a:extLst>
-          </p:cNvPr>
-          <p:cNvCxnSpPr>
-            <a:cxnSpLocks/>
-          </p:cNvCxnSpPr>
+      <p:pic>
+        <p:nvPicPr>
+          <p:cNvPr id="23" name="Picture 22">
+            <a:extLst>
+              <a:ext uri="{FF2B5EF4-FFF2-40B4-BE49-F238E27FC236}">
+                <a16:creationId xmlns:a16="http://schemas.microsoft.com/office/drawing/2014/main" id="{2D2972FB-77BE-714C-BE8E-586F6F84AA01}"/>
+              </a:ext>
+            </a:extLst>
+          </p:cNvPr>
+          <p:cNvPicPr>
+            <a:picLocks noChangeAspect="1"/>
+          </p:cNvPicPr>
           <p:nvPr/>
-        </p:nvCxnSpPr>
+        </p:nvPicPr>
+        <p:blipFill>
+          <a:blip r:embed="rId2"/>
+          <a:stretch>
+            <a:fillRect/>
+          </a:stretch>
+        </p:blipFill>
         <p:spPr>
           <a:xfrm>
-            <a:off x="460714" y="886654"/>
-            <a:ext cx="11270573" cy="0"/>
+            <a:off x="1343478" y="965120"/>
+            <a:ext cx="9505044" cy="5703027"/>
           </a:xfrm>
-          <a:prstGeom prst="line">
+          <a:prstGeom prst="rect">
             <a:avLst/>
           </a:prstGeom>
-          <a:ln w="38100">
-            <a:solidFill>
-              <a:schemeClr val="tx1"/>
-            </a:solidFill>
-          </a:ln>
         </p:spPr>
-        <p:style>
-          <a:lnRef idx="1">
-            <a:schemeClr val="accent1"/>
-          </a:lnRef>
-          <a:fillRef idx="0">
-            <a:schemeClr val="accent1"/>
-          </a:fillRef>
-          <a:effectRef idx="0">
-            <a:schemeClr val="accent1"/>
-          </a:effectRef>
-          <a:fontRef idx="minor">
-            <a:schemeClr val="tx1"/>
-          </a:fontRef>
-        </p:style>
-      </p:cxnSp>
+      </p:pic>
       <p:grpSp>
         <p:nvGrpSpPr>
-          <p:cNvPr id="7" name="Group 6">
-            <a:extLst>
-              <a:ext uri="{FF2B5EF4-FFF2-40B4-BE49-F238E27FC236}">
-                <a16:creationId xmlns:a16="http://schemas.microsoft.com/office/drawing/2014/main" id="{62FA20A8-1F90-4D4B-B443-CB088222C0FB}"/>
+          <p:cNvPr id="17" name="Group 16">
+            <a:extLst>
+              <a:ext uri="{FF2B5EF4-FFF2-40B4-BE49-F238E27FC236}">
+                <a16:creationId xmlns:a16="http://schemas.microsoft.com/office/drawing/2014/main" id="{F01CCA4D-E360-3E4E-8C72-AA48CA4A49D5}"/>
               </a:ext>
             </a:extLst>
           </p:cNvPr>
@@ -9925,18 +10326,18 @@
         </p:nvGrpSpPr>
         <p:grpSpPr>
           <a:xfrm>
-            <a:off x="443052" y="1217076"/>
-            <a:ext cx="5209425" cy="373028"/>
-            <a:chOff x="443052" y="1217076"/>
-            <a:chExt cx="5209425" cy="373028"/>
+            <a:off x="1487488" y="4869160"/>
+            <a:ext cx="1310864" cy="184666"/>
+            <a:chOff x="1184736" y="4900518"/>
+            <a:chExt cx="1310864" cy="184666"/>
           </a:xfrm>
         </p:grpSpPr>
         <p:sp>
           <p:nvSpPr>
-            <p:cNvPr id="5" name="TextBox 4">
+            <p:cNvPr id="6" name="TextBox 5">
               <a:extLst>
                 <a:ext uri="{FF2B5EF4-FFF2-40B4-BE49-F238E27FC236}">
-                  <a16:creationId xmlns:a16="http://schemas.microsoft.com/office/drawing/2014/main" id="{4867D2EF-ABA2-0745-8963-662DD57C2854}"/>
+                  <a16:creationId xmlns:a16="http://schemas.microsoft.com/office/drawing/2014/main" id="{5D81B7A2-6237-5048-BA19-5B78513CB65C}"/>
                 </a:ext>
               </a:extLst>
             </p:cNvPr>
@@ -9945,8 +10346,8 @@
           </p:nvSpPr>
           <p:spPr>
             <a:xfrm>
-              <a:off x="443052" y="1217076"/>
-              <a:ext cx="1489190" cy="369332"/>
+              <a:off x="1184736" y="4900518"/>
+              <a:ext cx="665247" cy="184666"/>
             </a:xfrm>
             <a:prstGeom prst="rect">
               <a:avLst/>
@@ -9961,24 +10362,24 @@
             <a:p>
               <a:pPr algn="l"/>
               <a:r>
-                <a:rPr lang="en-US" sz="2400" b="1" dirty="0">
+                <a:rPr lang="en-US" sz="1200" dirty="0">
                   <a:solidFill>
-                    <a:srgbClr val="03529B"/>
+                    <a:srgbClr val="FF0000"/>
                   </a:solidFill>
                   <a:latin typeface="Arial" panose="020B0604020202020204" pitchFamily="34" charset="0"/>
                   <a:cs typeface="Arial" panose="020B0604020202020204" pitchFamily="34" charset="0"/>
                 </a:rPr>
-                <a:t>Univariate</a:t>
+                <a:t>I live here</a:t>
               </a:r>
             </a:p>
           </p:txBody>
         </p:sp>
         <p:cxnSp>
           <p:nvCxnSpPr>
-            <p:cNvPr id="6" name="Straight Connector 5">
+            <p:cNvPr id="12" name="Straight Arrow Connector 11">
               <a:extLst>
                 <a:ext uri="{FF2B5EF4-FFF2-40B4-BE49-F238E27FC236}">
-                  <a16:creationId xmlns:a16="http://schemas.microsoft.com/office/drawing/2014/main" id="{E5600007-C5AE-0C43-AEF1-92291D85FCA6}"/>
+                  <a16:creationId xmlns:a16="http://schemas.microsoft.com/office/drawing/2014/main" id="{4DDF9254-54F2-F043-AC2A-9C910EDDF326}"/>
                 </a:ext>
               </a:extLst>
             </p:cNvPr>
@@ -9989,16 +10390,17 @@
           </p:nvCxnSpPr>
           <p:spPr>
             <a:xfrm>
-              <a:off x="443052" y="1590104"/>
-              <a:ext cx="5209425" cy="0"/>
+              <a:off x="1931405" y="4992851"/>
+              <a:ext cx="564195" cy="0"/>
             </a:xfrm>
-            <a:prstGeom prst="line">
+            <a:prstGeom prst="straightConnector1">
               <a:avLst/>
             </a:prstGeom>
             <a:ln w="28575">
               <a:solidFill>
-                <a:srgbClr val="03529B"/>
+                <a:srgbClr val="FF0000"/>
               </a:solidFill>
+              <a:tailEnd type="triangle"/>
             </a:ln>
           </p:spPr>
           <p:style>
@@ -10020,7 +10422,7 @@
     </p:spTree>
     <p:extLst>
       <p:ext uri="{BB962C8B-B14F-4D97-AF65-F5344CB8AC3E}">
-        <p14:creationId xmlns:p14="http://schemas.microsoft.com/office/powerpoint/2010/main" val="829003252"/>
+        <p14:creationId xmlns:p14="http://schemas.microsoft.com/office/powerpoint/2010/main" val="1795442934"/>
       </p:ext>
     </p:extLst>
   </p:cSld>
